--- a/Docs/Presentation.pptx
+++ b/Docs/Presentation.pptx
@@ -1,26 +1,26 @@
 
 <file path=ppt/presentation.xml><?xml version="1.0" encoding="utf-8"?>
-<p:presentation xmlns:a="http://schemas.openxmlformats.org/drawingml/2006/main" xmlns:r="http://schemas.openxmlformats.org/officeDocument/2006/relationships" xmlns:p="http://schemas.openxmlformats.org/presentationml/2006/main" saveSubsetFonts="1">
+<p:presentation xmlns:a="http://schemas.openxmlformats.org/drawingml/2006/main" xmlns:r="http://schemas.openxmlformats.org/officeDocument/2006/relationships" xmlns:p="http://schemas.openxmlformats.org/presentationml/2006/main">
   <p:sldMasterIdLst>
-    <p:sldMasterId id="2147483660" r:id="rId4"/>
+    <p:sldMasterId id="2147483648" r:id="rId1"/>
   </p:sldMasterIdLst>
   <p:sldIdLst>
-    <p:sldId id="256" r:id="rId5"/>
-    <p:sldId id="270" r:id="rId6"/>
-    <p:sldId id="271" r:id="rId7"/>
-    <p:sldId id="272" r:id="rId8"/>
-    <p:sldId id="273" r:id="rId9"/>
-    <p:sldId id="257" r:id="rId10"/>
-    <p:sldId id="266" r:id="rId11"/>
-    <p:sldId id="258" r:id="rId12"/>
-    <p:sldId id="269" r:id="rId13"/>
-    <p:sldId id="260" r:id="rId14"/>
-    <p:sldId id="261" r:id="rId15"/>
-    <p:sldId id="268" r:id="rId16"/>
-    <p:sldId id="267" r:id="rId17"/>
-    <p:sldId id="262" r:id="rId18"/>
-    <p:sldId id="265" r:id="rId19"/>
-    <p:sldId id="263" r:id="rId20"/>
+    <p:sldId id="256" r:id="rId3"/>
+    <p:sldId id="270" r:id="rId4"/>
+    <p:sldId id="271" r:id="rId5"/>
+    <p:sldId id="272" r:id="rId6"/>
+    <p:sldId id="273" r:id="rId7"/>
+    <p:sldId id="257" r:id="rId8"/>
+    <p:sldId id="266" r:id="rId9"/>
+    <p:sldId id="258" r:id="rId10"/>
+    <p:sldId id="269" r:id="rId11"/>
+    <p:sldId id="260" r:id="rId12"/>
+    <p:sldId id="261" r:id="rId13"/>
+    <p:sldId id="268" r:id="rId14"/>
+    <p:sldId id="267" r:id="rId15"/>
+    <p:sldId id="262" r:id="rId16"/>
+    <p:sldId id="265" r:id="rId17"/>
+    <p:sldId id="263" r:id="rId18"/>
   </p:sldIdLst>
   <p:sldSz cx="12192000" cy="6858000"/>
   <p:notesSz cx="6858000" cy="9144000"/>
@@ -119,35 +119,11 @@
       </a:defRPr>
     </a:lvl9pPr>
   </p:defaultTextStyle>
-  <p:extLst>
-    <p:ext uri="{EFAFB233-063F-42B5-8137-9DF3F51BA10A}">
-      <p15:sldGuideLst xmlns:p15="http://schemas.microsoft.com/office/powerpoint/2012/main"/>
-    </p:ext>
-  </p:extLst>
 </p:presentation>
 </file>
 
-<file path=ppt/revisionInfo.xml><?xml version="1.0" encoding="utf-8"?>
-<p1510:revInfo xmlns:a="http://schemas.openxmlformats.org/drawingml/2006/main" xmlns:r="http://schemas.openxmlformats.org/officeDocument/2006/relationships" xmlns:p1510="http://schemas.microsoft.com/office/powerpoint/2015/10/main">
-  <p1510:revLst>
-    <p1510:client id="{20FC6F82-4C30-E1C2-15F1-6FA5667298DA}" v="69" dt="2020-12-23T11:12:51.407"/>
-    <p1510:client id="{3ABBA3C0-8DE2-8E94-5B60-2ED67D1DC0F9}" v="41" dt="2020-12-23T10:32:29.586"/>
-    <p1510:client id="{415B630E-B3E3-4CF6-83B2-8743EA31712C}" v="11" dt="2020-12-23T10:48:22.359"/>
-    <p1510:client id="{5B1B9E42-990A-6536-CC06-5105F85184DC}" v="245" dt="2020-12-23T08:59:58.372"/>
-    <p1510:client id="{73B05BBB-0BE8-7D73-8249-344F764EBE19}" v="18" dt="2020-12-23T08:33:30.736"/>
-    <p1510:client id="{75FEEC73-1549-FE66-2564-839BFCA87D63}" v="231" dt="2020-12-23T09:08:54.029"/>
-    <p1510:client id="{A424403F-8E58-C678-6DA0-F28964F11006}" v="1803" dt="2020-12-22T16:11:11.740"/>
-    <p1510:client id="{AEB44E2E-0A24-850A-5B17-2E98A3FA9B36}" v="1338" dt="2020-12-23T10:00:44.526"/>
-    <p1510:client id="{C5F2CD48-3A34-42F1-AC96-3B8397B5D3E8}" v="351" vWet="353" dt="2020-12-23T11:10:49.331"/>
-    <p1510:client id="{C870CE04-46EA-B97F-62D4-41F3EB4BD9FC}" v="74" dt="2020-12-23T10:51:44.068"/>
-    <p1510:client id="{D022FE82-E582-A7E9-89A9-BEA4A14B2B39}" v="634" dt="2020-12-22T16:52:57.597"/>
-    <p1510:client id="{D52B22C2-CF3D-2FCC-B61C-1F1CD92E4F39}" v="45" dt="2020-12-23T08:46:09.370"/>
-  </p1510:revLst>
-</p1510:revInfo>
-</file>
-
 <file path=ppt/slideLayouts/slideLayout1.xml><?xml version="1.0" encoding="utf-8"?>
-<p:sldLayout xmlns:a="http://schemas.openxmlformats.org/drawingml/2006/main" xmlns:r="http://schemas.openxmlformats.org/officeDocument/2006/relationships" xmlns:p="http://schemas.openxmlformats.org/presentationml/2006/main" showMasterSp="0" type="title" preserve="1">
+<p:sldLayout xmlns:a="http://schemas.openxmlformats.org/drawingml/2006/main" xmlns:r="http://schemas.openxmlformats.org/officeDocument/2006/relationships" xmlns:p="http://schemas.openxmlformats.org/presentationml/2006/main" type="title" preserve="1" showMasterSp="0">
   <p:cSld name="标题幻灯片">
     <p:spTree>
       <p:nvGrpSpPr>
@@ -204,10 +180,10 @@
         <p:nvSpPr>
           <p:cNvPr id="2" name="Title 1"/>
           <p:cNvSpPr>
-            <a:spLocks noGrp="1"/>
+            <a:spLocks noGrp="true"/>
           </p:cNvSpPr>
           <p:nvPr>
-            <p:ph type="ctrTitle" hasCustomPrompt="1"/>
+            <p:ph type="ctrTitle" hasCustomPrompt="true"/>
           </p:nvPr>
         </p:nvSpPr>
         <p:spPr>
@@ -241,6 +217,7 @@
               <a:rPr lang="en-US"/>
               <a:t>The Anomalies</a:t>
             </a:r>
+            <a:endParaRPr lang="en-US"/>
           </a:p>
         </p:txBody>
       </p:sp>
@@ -248,7 +225,7 @@
         <p:nvSpPr>
           <p:cNvPr id="3" name="Subtitle 2"/>
           <p:cNvSpPr>
-            <a:spLocks noGrp="1"/>
+            <a:spLocks noGrp="true"/>
           </p:cNvSpPr>
           <p:nvPr>
             <p:ph type="subTitle" idx="1"/>
@@ -273,7 +250,7 @@
                 </a:solidFill>
               </a:defRPr>
             </a:lvl1pPr>
-            <a:lvl2pPr marL="457189" indent="0" algn="ctr">
+            <a:lvl2pPr marL="457200" indent="0" algn="ctr">
               <a:buNone/>
               <a:defRPr>
                 <a:solidFill>
@@ -283,7 +260,7 @@
                 </a:solidFill>
               </a:defRPr>
             </a:lvl2pPr>
-            <a:lvl3pPr marL="914377" indent="0" algn="ctr">
+            <a:lvl3pPr marL="914400" indent="0" algn="ctr">
               <a:buNone/>
               <a:defRPr>
                 <a:solidFill>
@@ -293,7 +270,7 @@
                 </a:solidFill>
               </a:defRPr>
             </a:lvl3pPr>
-            <a:lvl4pPr marL="1371566" indent="0" algn="ctr">
+            <a:lvl4pPr marL="1371600" indent="0" algn="ctr">
               <a:buNone/>
               <a:defRPr>
                 <a:solidFill>
@@ -303,7 +280,7 @@
                 </a:solidFill>
               </a:defRPr>
             </a:lvl4pPr>
-            <a:lvl5pPr marL="1828754" indent="0" algn="ctr">
+            <a:lvl5pPr marL="1828800" indent="0" algn="ctr">
               <a:buNone/>
               <a:defRPr>
                 <a:solidFill>
@@ -313,7 +290,7 @@
                 </a:solidFill>
               </a:defRPr>
             </a:lvl5pPr>
-            <a:lvl6pPr marL="2285943" indent="0" algn="ctr">
+            <a:lvl6pPr marL="2286000" indent="0" algn="ctr">
               <a:buNone/>
               <a:defRPr>
                 <a:solidFill>
@@ -323,7 +300,7 @@
                 </a:solidFill>
               </a:defRPr>
             </a:lvl6pPr>
-            <a:lvl7pPr marL="2743131" indent="0" algn="ctr">
+            <a:lvl7pPr marL="2743200" indent="0" algn="ctr">
               <a:buNone/>
               <a:defRPr>
                 <a:solidFill>
@@ -333,7 +310,7 @@
                 </a:solidFill>
               </a:defRPr>
             </a:lvl7pPr>
-            <a:lvl8pPr marL="3200320" indent="0" algn="ctr">
+            <a:lvl8pPr marL="3200400" indent="0" algn="ctr">
               <a:buNone/>
               <a:defRPr>
                 <a:solidFill>
@@ -343,7 +320,7 @@
                 </a:solidFill>
               </a:defRPr>
             </a:lvl8pPr>
-            <a:lvl9pPr marL="3657509" indent="0" algn="ctr">
+            <a:lvl9pPr marL="3657600" indent="0" algn="ctr">
               <a:buNone/>
               <a:defRPr>
                 <a:solidFill>
@@ -367,7 +344,7 @@
         <p:nvSpPr>
           <p:cNvPr id="4" name="Date Placeholder 3"/>
           <p:cNvSpPr>
-            <a:spLocks noGrp="1"/>
+            <a:spLocks noGrp="true"/>
           </p:cNvSpPr>
           <p:nvPr>
             <p:ph type="dt" sz="half" idx="10"/>
@@ -396,7 +373,6 @@
           <a:p>
             <a:fld id="{FA4629CD-B92E-4F2A-B6AE-412A1227B13B}" type="datetimeFigureOut">
               <a:rPr lang="zh-CN" altLang="en-US" smtClean="0"/>
-              <a:t>2020/12/23</a:t>
             </a:fld>
             <a:endParaRPr lang="zh-CN" altLang="en-US"/>
           </a:p>
@@ -406,7 +382,7 @@
         <p:nvSpPr>
           <p:cNvPr id="5" name="Footer Placeholder 4"/>
           <p:cNvSpPr>
-            <a:spLocks noGrp="1"/>
+            <a:spLocks noGrp="true"/>
           </p:cNvSpPr>
           <p:nvPr>
             <p:ph type="ftr" sz="quarter" idx="11"/>
@@ -441,7 +417,7 @@
         <p:nvSpPr>
           <p:cNvPr id="6" name="Slide Number Placeholder 5"/>
           <p:cNvSpPr>
-            <a:spLocks noGrp="1"/>
+            <a:spLocks noGrp="true"/>
           </p:cNvSpPr>
           <p:nvPr>
             <p:ph type="sldNum" sz="quarter" idx="12"/>
@@ -470,7 +446,6 @@
           <a:p>
             <a:fld id="{9755973C-F058-4453-9FA6-94DEAFD95B52}" type="slidenum">
               <a:rPr lang="zh-CN" altLang="en-US" smtClean="0"/>
-              <a:t>‹#›</a:t>
             </a:fld>
             <a:endParaRPr lang="zh-CN" altLang="en-US"/>
           </a:p>
@@ -478,15 +453,9 @@
       </p:sp>
       <p:pic>
         <p:nvPicPr>
-          <p:cNvPr id="8" name="图片 7">
-            <a:extLst>
-              <a:ext uri="{FF2B5EF4-FFF2-40B4-BE49-F238E27FC236}">
-                <a16:creationId xmlns:a16="http://schemas.microsoft.com/office/drawing/2014/main" id="{194A483F-9AA2-A24C-BA23-AD5256267A43}"/>
-              </a:ext>
-            </a:extLst>
-          </p:cNvPr>
+          <p:cNvPr id="8" name="图片 7"/>
           <p:cNvPicPr>
-            <a:picLocks noChangeAspect="1"/>
+            <a:picLocks noChangeAspect="true"/>
           </p:cNvPicPr>
           <p:nvPr/>
         </p:nvPicPr>
@@ -504,7 +473,7 @@
             </a:clrChange>
             <a:extLst>
               <a:ext uri="{28A0092B-C50C-407E-A947-70E740481C1C}">
-                <a14:useLocalDpi xmlns:a14="http://schemas.microsoft.com/office/drawing/2010/main" val="0"/>
+                <a14:useLocalDpi xmlns:a14="http://schemas.microsoft.com/office/drawing/2010/main" val="false"/>
               </a:ext>
             </a:extLst>
           </a:blip>
@@ -523,11 +492,6 @@
         </p:spPr>
       </p:pic>
     </p:spTree>
-    <p:extLst>
-      <p:ext uri="{BB962C8B-B14F-4D97-AF65-F5344CB8AC3E}">
-        <p14:creationId xmlns:p14="http://schemas.microsoft.com/office/powerpoint/2010/main" val="2182657402"/>
-      </p:ext>
-    </p:extLst>
   </p:cSld>
   <p:clrMapOvr>
     <a:masterClrMapping/>
@@ -536,7 +500,7 @@
 </file>
 
 <file path=ppt/slideLayouts/slideLayout10.xml><?xml version="1.0" encoding="utf-8"?>
-<p:sldLayout xmlns:a="http://schemas.openxmlformats.org/drawingml/2006/main" xmlns:r="http://schemas.openxmlformats.org/officeDocument/2006/relationships" xmlns:p="http://schemas.openxmlformats.org/presentationml/2006/main" showMasterSp="0" type="picTx" preserve="1">
+<p:sldLayout xmlns:a="http://schemas.openxmlformats.org/drawingml/2006/main" xmlns:r="http://schemas.openxmlformats.org/officeDocument/2006/relationships" xmlns:p="http://schemas.openxmlformats.org/presentationml/2006/main" type="picTx" preserve="1" showMasterSp="0">
   <p:cSld name="图片与标题">
     <p:spTree>
       <p:nvGrpSpPr>
@@ -556,7 +520,7 @@
         <p:nvSpPr>
           <p:cNvPr id="2" name="Title 1"/>
           <p:cNvSpPr>
-            <a:spLocks noGrp="1"/>
+            <a:spLocks noGrp="true"/>
           </p:cNvSpPr>
           <p:nvPr>
             <p:ph type="title"/>
@@ -597,7 +561,7 @@
         <p:nvSpPr>
           <p:cNvPr id="3" name="Picture Placeholder 2"/>
           <p:cNvSpPr>
-            <a:spLocks noGrp="1" noChangeAspect="1"/>
+            <a:spLocks noGrp="true" noChangeAspect="true"/>
           </p:cNvSpPr>
           <p:nvPr>
             <p:ph type="pic" idx="1"/>
@@ -618,35 +582,35 @@
               <a:buNone/>
               <a:defRPr sz="1600"/>
             </a:lvl1pPr>
-            <a:lvl2pPr marL="457189" indent="0">
+            <a:lvl2pPr marL="457200" indent="0">
               <a:buNone/>
               <a:defRPr sz="1600"/>
             </a:lvl2pPr>
-            <a:lvl3pPr marL="914377" indent="0">
+            <a:lvl3pPr marL="914400" indent="0">
               <a:buNone/>
               <a:defRPr sz="1600"/>
             </a:lvl3pPr>
-            <a:lvl4pPr marL="1371566" indent="0">
+            <a:lvl4pPr marL="1371600" indent="0">
               <a:buNone/>
               <a:defRPr sz="1600"/>
             </a:lvl4pPr>
-            <a:lvl5pPr marL="1828754" indent="0">
+            <a:lvl5pPr marL="1828800" indent="0">
               <a:buNone/>
               <a:defRPr sz="1600"/>
             </a:lvl5pPr>
-            <a:lvl6pPr marL="2285943" indent="0">
+            <a:lvl6pPr marL="2286000" indent="0">
               <a:buNone/>
               <a:defRPr sz="1600"/>
             </a:lvl6pPr>
-            <a:lvl7pPr marL="2743131" indent="0">
+            <a:lvl7pPr marL="2743200" indent="0">
               <a:buNone/>
               <a:defRPr sz="1600"/>
             </a:lvl7pPr>
-            <a:lvl8pPr marL="3200320" indent="0">
+            <a:lvl8pPr marL="3200400" indent="0">
               <a:buNone/>
               <a:defRPr sz="1600"/>
             </a:lvl8pPr>
-            <a:lvl9pPr marL="3657509" indent="0">
+            <a:lvl9pPr marL="3657600" indent="0">
               <a:buNone/>
               <a:defRPr sz="1600"/>
             </a:lvl9pPr>
@@ -664,7 +628,7 @@
         <p:nvSpPr>
           <p:cNvPr id="4" name="Text Placeholder 3"/>
           <p:cNvSpPr>
-            <a:spLocks noGrp="1"/>
+            <a:spLocks noGrp="true"/>
           </p:cNvSpPr>
           <p:nvPr>
             <p:ph type="body" sz="half" idx="2"/>
@@ -685,35 +649,35 @@
               <a:buNone/>
               <a:defRPr sz="1200"/>
             </a:lvl1pPr>
-            <a:lvl2pPr marL="457189" indent="0">
+            <a:lvl2pPr marL="457200" indent="0">
               <a:buNone/>
               <a:defRPr sz="1200"/>
             </a:lvl2pPr>
-            <a:lvl3pPr marL="914377" indent="0">
+            <a:lvl3pPr marL="914400" indent="0">
               <a:buNone/>
               <a:defRPr sz="1000"/>
             </a:lvl3pPr>
-            <a:lvl4pPr marL="1371566" indent="0">
+            <a:lvl4pPr marL="1371600" indent="0">
               <a:buNone/>
               <a:defRPr sz="900"/>
             </a:lvl4pPr>
-            <a:lvl5pPr marL="1828754" indent="0">
+            <a:lvl5pPr marL="1828800" indent="0">
               <a:buNone/>
               <a:defRPr sz="900"/>
             </a:lvl5pPr>
-            <a:lvl6pPr marL="2285943" indent="0">
+            <a:lvl6pPr marL="2286000" indent="0">
               <a:buNone/>
               <a:defRPr sz="900"/>
             </a:lvl6pPr>
-            <a:lvl7pPr marL="2743131" indent="0">
+            <a:lvl7pPr marL="2743200" indent="0">
               <a:buNone/>
               <a:defRPr sz="900"/>
             </a:lvl7pPr>
-            <a:lvl8pPr marL="3200320" indent="0">
+            <a:lvl8pPr marL="3200400" indent="0">
               <a:buNone/>
               <a:defRPr sz="900"/>
             </a:lvl8pPr>
-            <a:lvl9pPr marL="3657509" indent="0">
+            <a:lvl9pPr marL="3657600" indent="0">
               <a:buNone/>
               <a:defRPr sz="900"/>
             </a:lvl9pPr>
@@ -724,6 +688,7 @@
               <a:rPr lang="zh-CN" altLang="en-US"/>
               <a:t>单击此处编辑母版文本样式</a:t>
             </a:r>
+            <a:endParaRPr lang="zh-CN" altLang="en-US"/>
           </a:p>
         </p:txBody>
       </p:sp>
@@ -731,7 +696,7 @@
         <p:nvSpPr>
           <p:cNvPr id="5" name="Date Placeholder 4"/>
           <p:cNvSpPr>
-            <a:spLocks noGrp="1"/>
+            <a:spLocks noGrp="true"/>
           </p:cNvSpPr>
           <p:nvPr>
             <p:ph type="dt" sz="half" idx="10"/>
@@ -744,7 +709,6 @@
           <a:p>
             <a:fld id="{FA4629CD-B92E-4F2A-B6AE-412A1227B13B}" type="datetimeFigureOut">
               <a:rPr lang="zh-CN" altLang="en-US" smtClean="0"/>
-              <a:t>2020/12/23</a:t>
             </a:fld>
             <a:endParaRPr lang="zh-CN" altLang="en-US"/>
           </a:p>
@@ -754,7 +718,7 @@
         <p:nvSpPr>
           <p:cNvPr id="6" name="Footer Placeholder 5"/>
           <p:cNvSpPr>
-            <a:spLocks noGrp="1"/>
+            <a:spLocks noGrp="true"/>
           </p:cNvSpPr>
           <p:nvPr>
             <p:ph type="ftr" sz="quarter" idx="11"/>
@@ -773,7 +737,7 @@
         <p:nvSpPr>
           <p:cNvPr id="7" name="Slide Number Placeholder 6"/>
           <p:cNvSpPr>
-            <a:spLocks noGrp="1"/>
+            <a:spLocks noGrp="true"/>
           </p:cNvSpPr>
           <p:nvPr>
             <p:ph type="sldNum" sz="quarter" idx="12"/>
@@ -786,7 +750,6 @@
           <a:p>
             <a:fld id="{9755973C-F058-4453-9FA6-94DEAFD95B52}" type="slidenum">
               <a:rPr lang="zh-CN" altLang="en-US" smtClean="0"/>
-              <a:t>‹#›</a:t>
             </a:fld>
             <a:endParaRPr lang="zh-CN" altLang="en-US"/>
           </a:p>
@@ -794,15 +757,9 @@
       </p:sp>
       <p:sp>
         <p:nvSpPr>
-          <p:cNvPr id="8" name="Rectangle 6">
-            <a:extLst>
-              <a:ext uri="{FF2B5EF4-FFF2-40B4-BE49-F238E27FC236}">
-                <a16:creationId xmlns:a16="http://schemas.microsoft.com/office/drawing/2014/main" id="{652075E8-AF1D-904C-94C1-FC4415AEDE22}"/>
-              </a:ext>
-            </a:extLst>
-          </p:cNvPr>
+          <p:cNvPr id="8" name="Rectangle 6"/>
           <p:cNvSpPr>
-            <a:spLocks noChangeAspect="1"/>
+            <a:spLocks noChangeAspect="true"/>
           </p:cNvSpPr>
           <p:nvPr/>
         </p:nvSpPr>
@@ -838,11 +795,6 @@
         </p:style>
       </p:sp>
     </p:spTree>
-    <p:extLst>
-      <p:ext uri="{BB962C8B-B14F-4D97-AF65-F5344CB8AC3E}">
-        <p14:creationId xmlns:p14="http://schemas.microsoft.com/office/powerpoint/2010/main" val="693624180"/>
-      </p:ext>
-    </p:extLst>
   </p:cSld>
   <p:clrMapOvr>
     <a:masterClrMapping/>
@@ -871,7 +823,7 @@
         <p:nvSpPr>
           <p:cNvPr id="3" name="Vertical Text Placeholder 2"/>
           <p:cNvSpPr>
-            <a:spLocks noGrp="1"/>
+            <a:spLocks noGrp="true"/>
           </p:cNvSpPr>
           <p:nvPr>
             <p:ph type="body" orient="vert" idx="1"/>
@@ -903,6 +855,7 @@
               <a:rPr lang="zh-CN" altLang="en-US"/>
               <a:t>单击此处编辑母版文本样式</a:t>
             </a:r>
+            <a:endParaRPr lang="zh-CN" altLang="en-US"/>
           </a:p>
           <a:p>
             <a:pPr lvl="1"/>
@@ -910,6 +863,7 @@
               <a:rPr lang="zh-CN" altLang="en-US"/>
               <a:t>二级</a:t>
             </a:r>
+            <a:endParaRPr lang="zh-CN" altLang="en-US"/>
           </a:p>
           <a:p>
             <a:pPr lvl="2"/>
@@ -917,6 +871,7 @@
               <a:rPr lang="zh-CN" altLang="en-US"/>
               <a:t>三级</a:t>
             </a:r>
+            <a:endParaRPr lang="zh-CN" altLang="en-US"/>
           </a:p>
           <a:p>
             <a:pPr lvl="3"/>
@@ -924,6 +879,7 @@
               <a:rPr lang="zh-CN" altLang="en-US"/>
               <a:t>四级</a:t>
             </a:r>
+            <a:endParaRPr lang="zh-CN" altLang="en-US"/>
           </a:p>
           <a:p>
             <a:pPr lvl="4"/>
@@ -939,7 +895,7 @@
         <p:nvSpPr>
           <p:cNvPr id="4" name="Date Placeholder 3"/>
           <p:cNvSpPr>
-            <a:spLocks noGrp="1"/>
+            <a:spLocks noGrp="true"/>
           </p:cNvSpPr>
           <p:nvPr>
             <p:ph type="dt" sz="half" idx="10"/>
@@ -952,7 +908,6 @@
           <a:p>
             <a:fld id="{FA4629CD-B92E-4F2A-B6AE-412A1227B13B}" type="datetimeFigureOut">
               <a:rPr lang="zh-CN" altLang="en-US" smtClean="0"/>
-              <a:t>2020/12/23</a:t>
             </a:fld>
             <a:endParaRPr lang="zh-CN" altLang="en-US"/>
           </a:p>
@@ -962,7 +917,7 @@
         <p:nvSpPr>
           <p:cNvPr id="5" name="Footer Placeholder 4"/>
           <p:cNvSpPr>
-            <a:spLocks noGrp="1"/>
+            <a:spLocks noGrp="true"/>
           </p:cNvSpPr>
           <p:nvPr>
             <p:ph type="ftr" sz="quarter" idx="11"/>
@@ -981,7 +936,7 @@
         <p:nvSpPr>
           <p:cNvPr id="6" name="Slide Number Placeholder 5"/>
           <p:cNvSpPr>
-            <a:spLocks noGrp="1"/>
+            <a:spLocks noGrp="true"/>
           </p:cNvSpPr>
           <p:nvPr>
             <p:ph type="sldNum" sz="quarter" idx="12"/>
@@ -994,7 +949,6 @@
           <a:p>
             <a:fld id="{9755973C-F058-4453-9FA6-94DEAFD95B52}" type="slidenum">
               <a:rPr lang="zh-CN" altLang="en-US" smtClean="0"/>
-              <a:t>‹#›</a:t>
             </a:fld>
             <a:endParaRPr lang="zh-CN" altLang="en-US"/>
           </a:p>
@@ -1002,15 +956,9 @@
       </p:sp>
       <p:sp>
         <p:nvSpPr>
-          <p:cNvPr id="2" name="标题 1">
-            <a:extLst>
-              <a:ext uri="{FF2B5EF4-FFF2-40B4-BE49-F238E27FC236}">
-                <a16:creationId xmlns:a16="http://schemas.microsoft.com/office/drawing/2014/main" id="{613FAC5A-AE07-2149-BE0E-FF68E2AACCF1}"/>
-              </a:ext>
-            </a:extLst>
-          </p:cNvPr>
+          <p:cNvPr id="2" name="标题 1"/>
           <p:cNvSpPr>
-            <a:spLocks noGrp="1"/>
+            <a:spLocks noGrp="true"/>
           </p:cNvSpPr>
           <p:nvPr>
             <p:ph type="title"/>
@@ -1025,15 +973,11 @@
               <a:rPr kumimoji="1" lang="zh-CN" altLang="en-US"/>
               <a:t>单击此处编辑母版标题样式</a:t>
             </a:r>
+            <a:endParaRPr kumimoji="1" lang="zh-CN" altLang="en-US"/>
           </a:p>
         </p:txBody>
       </p:sp>
     </p:spTree>
-    <p:extLst>
-      <p:ext uri="{BB962C8B-B14F-4D97-AF65-F5344CB8AC3E}">
-        <p14:creationId xmlns:p14="http://schemas.microsoft.com/office/powerpoint/2010/main" val="2984229716"/>
-      </p:ext>
-    </p:extLst>
   </p:cSld>
   <p:clrMapOvr>
     <a:masterClrMapping/>
@@ -1042,7 +986,7 @@
 </file>
 
 <file path=ppt/slideLayouts/slideLayout12.xml><?xml version="1.0" encoding="utf-8"?>
-<p:sldLayout xmlns:a="http://schemas.openxmlformats.org/drawingml/2006/main" xmlns:r="http://schemas.openxmlformats.org/officeDocument/2006/relationships" xmlns:p="http://schemas.openxmlformats.org/presentationml/2006/main" showMasterSp="0" type="vertTitleAndTx" preserve="1">
+<p:sldLayout xmlns:a="http://schemas.openxmlformats.org/drawingml/2006/main" xmlns:r="http://schemas.openxmlformats.org/officeDocument/2006/relationships" xmlns:p="http://schemas.openxmlformats.org/presentationml/2006/main" type="vertTitleAndTx" preserve="1" showMasterSp="0">
   <p:cSld name="竖排标题与文本">
     <p:spTree>
       <p:nvGrpSpPr>
@@ -1062,7 +1006,7 @@
         <p:nvSpPr>
           <p:cNvPr id="7" name="Rectangle 6"/>
           <p:cNvSpPr>
-            <a:spLocks noChangeAspect="1"/>
+            <a:spLocks noChangeAspect="true"/>
           </p:cNvSpPr>
           <p:nvPr/>
         </p:nvSpPr>
@@ -1101,7 +1045,7 @@
         <p:nvSpPr>
           <p:cNvPr id="2" name="Vertical Title 1"/>
           <p:cNvSpPr>
-            <a:spLocks noGrp="1"/>
+            <a:spLocks noGrp="true"/>
           </p:cNvSpPr>
           <p:nvPr>
             <p:ph type="title" orient="vert"/>
@@ -1132,7 +1076,7 @@
         <p:nvSpPr>
           <p:cNvPr id="3" name="Vertical Text Placeholder 2"/>
           <p:cNvSpPr>
-            <a:spLocks noGrp="1"/>
+            <a:spLocks noGrp="true"/>
           </p:cNvSpPr>
           <p:nvPr>
             <p:ph type="body" orient="vert" idx="1"/>
@@ -1153,6 +1097,7 @@
               <a:rPr lang="zh-CN" altLang="en-US"/>
               <a:t>单击此处编辑母版文本样式</a:t>
             </a:r>
+            <a:endParaRPr lang="zh-CN" altLang="en-US"/>
           </a:p>
           <a:p>
             <a:pPr lvl="1"/>
@@ -1160,6 +1105,7 @@
               <a:rPr lang="zh-CN" altLang="en-US"/>
               <a:t>二级</a:t>
             </a:r>
+            <a:endParaRPr lang="zh-CN" altLang="en-US"/>
           </a:p>
           <a:p>
             <a:pPr lvl="2"/>
@@ -1167,6 +1113,7 @@
               <a:rPr lang="zh-CN" altLang="en-US"/>
               <a:t>三级</a:t>
             </a:r>
+            <a:endParaRPr lang="zh-CN" altLang="en-US"/>
           </a:p>
           <a:p>
             <a:pPr lvl="3"/>
@@ -1174,6 +1121,7 @@
               <a:rPr lang="zh-CN" altLang="en-US"/>
               <a:t>四级</a:t>
             </a:r>
+            <a:endParaRPr lang="zh-CN" altLang="en-US"/>
           </a:p>
           <a:p>
             <a:pPr lvl="4"/>
@@ -1189,7 +1137,7 @@
         <p:nvSpPr>
           <p:cNvPr id="4" name="Date Placeholder 3"/>
           <p:cNvSpPr>
-            <a:spLocks noGrp="1"/>
+            <a:spLocks noGrp="true"/>
           </p:cNvSpPr>
           <p:nvPr>
             <p:ph type="dt" sz="half" idx="10"/>
@@ -1218,7 +1166,6 @@
           <a:p>
             <a:fld id="{FA4629CD-B92E-4F2A-B6AE-412A1227B13B}" type="datetimeFigureOut">
               <a:rPr lang="zh-CN" altLang="en-US" smtClean="0"/>
-              <a:t>2020/12/23</a:t>
             </a:fld>
             <a:endParaRPr lang="zh-CN" altLang="en-US"/>
           </a:p>
@@ -1228,7 +1175,7 @@
         <p:nvSpPr>
           <p:cNvPr id="5" name="Footer Placeholder 4"/>
           <p:cNvSpPr>
-            <a:spLocks noGrp="1"/>
+            <a:spLocks noGrp="true"/>
           </p:cNvSpPr>
           <p:nvPr>
             <p:ph type="ftr" sz="quarter" idx="11"/>
@@ -1252,7 +1199,7 @@
         <p:nvSpPr>
           <p:cNvPr id="6" name="Slide Number Placeholder 5"/>
           <p:cNvSpPr>
-            <a:spLocks noGrp="1"/>
+            <a:spLocks noGrp="true"/>
           </p:cNvSpPr>
           <p:nvPr>
             <p:ph type="sldNum" sz="quarter" idx="12"/>
@@ -1281,7 +1228,6 @@
           <a:p>
             <a:fld id="{9755973C-F058-4453-9FA6-94DEAFD95B52}" type="slidenum">
               <a:rPr lang="zh-CN" altLang="en-US" smtClean="0"/>
-              <a:t>‹#›</a:t>
             </a:fld>
             <a:endParaRPr lang="zh-CN" altLang="en-US"/>
           </a:p>
@@ -1289,15 +1235,9 @@
       </p:sp>
       <p:pic>
         <p:nvPicPr>
-          <p:cNvPr id="9" name="图片 8">
-            <a:extLst>
-              <a:ext uri="{FF2B5EF4-FFF2-40B4-BE49-F238E27FC236}">
-                <a16:creationId xmlns:a16="http://schemas.microsoft.com/office/drawing/2014/main" id="{159FF5BF-9D10-464A-8341-1A4EA2F42106}"/>
-              </a:ext>
-            </a:extLst>
-          </p:cNvPr>
+          <p:cNvPr id="9" name="图片 8"/>
           <p:cNvPicPr>
-            <a:picLocks noChangeAspect="1"/>
+            <a:picLocks noChangeAspect="true"/>
           </p:cNvPicPr>
           <p:nvPr/>
         </p:nvPicPr>
@@ -1310,7 +1250,6 @@
               </a:schemeClr>
               <a:prstClr val="white"/>
             </a:duotone>
-            <a:alphaModFix/>
             <a:lum bright="100000"/>
           </a:blip>
           <a:stretch>
@@ -1328,11 +1267,6 @@
         </p:spPr>
       </p:pic>
     </p:spTree>
-    <p:extLst>
-      <p:ext uri="{BB962C8B-B14F-4D97-AF65-F5344CB8AC3E}">
-        <p14:creationId xmlns:p14="http://schemas.microsoft.com/office/powerpoint/2010/main" val="4108804157"/>
-      </p:ext>
-    </p:extLst>
   </p:cSld>
   <p:clrMapOvr>
     <a:masterClrMapping/>
@@ -1361,7 +1295,7 @@
         <p:nvSpPr>
           <p:cNvPr id="3" name="Content Placeholder 2"/>
           <p:cNvSpPr>
-            <a:spLocks noGrp="1"/>
+            <a:spLocks noGrp="true"/>
           </p:cNvSpPr>
           <p:nvPr>
             <p:ph idx="1"/>
@@ -1382,6 +1316,7 @@
               <a:rPr lang="zh-CN" altLang="en-US"/>
               <a:t>单击此处编辑母版文本样式</a:t>
             </a:r>
+            <a:endParaRPr lang="zh-CN" altLang="en-US"/>
           </a:p>
           <a:p>
             <a:pPr lvl="1"/>
@@ -1389,6 +1324,7 @@
               <a:rPr lang="zh-CN" altLang="en-US"/>
               <a:t>二级</a:t>
             </a:r>
+            <a:endParaRPr lang="zh-CN" altLang="en-US"/>
           </a:p>
           <a:p>
             <a:pPr lvl="2"/>
@@ -1396,6 +1332,7 @@
               <a:rPr lang="zh-CN" altLang="en-US"/>
               <a:t>三级</a:t>
             </a:r>
+            <a:endParaRPr lang="zh-CN" altLang="en-US"/>
           </a:p>
           <a:p>
             <a:pPr lvl="3"/>
@@ -1403,6 +1340,7 @@
               <a:rPr lang="zh-CN" altLang="en-US"/>
               <a:t>四级</a:t>
             </a:r>
+            <a:endParaRPr lang="zh-CN" altLang="en-US"/>
           </a:p>
           <a:p>
             <a:pPr lvl="4"/>
@@ -1418,7 +1356,7 @@
         <p:nvSpPr>
           <p:cNvPr id="4" name="Date Placeholder 3"/>
           <p:cNvSpPr>
-            <a:spLocks noGrp="1"/>
+            <a:spLocks noGrp="true"/>
           </p:cNvSpPr>
           <p:nvPr>
             <p:ph type="dt" sz="half" idx="10"/>
@@ -1431,7 +1369,6 @@
           <a:p>
             <a:fld id="{FA4629CD-B92E-4F2A-B6AE-412A1227B13B}" type="datetimeFigureOut">
               <a:rPr lang="zh-CN" altLang="en-US" smtClean="0"/>
-              <a:t>2020/12/23</a:t>
             </a:fld>
             <a:endParaRPr lang="zh-CN" altLang="en-US"/>
           </a:p>
@@ -1441,7 +1378,7 @@
         <p:nvSpPr>
           <p:cNvPr id="5" name="Footer Placeholder 4"/>
           <p:cNvSpPr>
-            <a:spLocks noGrp="1"/>
+            <a:spLocks noGrp="true"/>
           </p:cNvSpPr>
           <p:nvPr>
             <p:ph type="ftr" sz="quarter" idx="11"/>
@@ -1460,7 +1397,7 @@
         <p:nvSpPr>
           <p:cNvPr id="6" name="Slide Number Placeholder 5"/>
           <p:cNvSpPr>
-            <a:spLocks noGrp="1"/>
+            <a:spLocks noGrp="true"/>
           </p:cNvSpPr>
           <p:nvPr>
             <p:ph type="sldNum" sz="quarter" idx="12"/>
@@ -1478,7 +1415,6 @@
           <a:p>
             <a:fld id="{9755973C-F058-4453-9FA6-94DEAFD95B52}" type="slidenum">
               <a:rPr lang="zh-CN" altLang="en-US" smtClean="0"/>
-              <a:t>‹#›</a:t>
             </a:fld>
             <a:endParaRPr lang="zh-CN" altLang="en-US"/>
           </a:p>
@@ -1486,15 +1422,9 @@
       </p:sp>
       <p:sp>
         <p:nvSpPr>
-          <p:cNvPr id="2" name="标题 1">
-            <a:extLst>
-              <a:ext uri="{FF2B5EF4-FFF2-40B4-BE49-F238E27FC236}">
-                <a16:creationId xmlns:a16="http://schemas.microsoft.com/office/drawing/2014/main" id="{C5D466B2-7417-6A44-93CE-B6AD2C9CEBFC}"/>
-              </a:ext>
-            </a:extLst>
-          </p:cNvPr>
+          <p:cNvPr id="2" name="标题 1"/>
           <p:cNvSpPr>
-            <a:spLocks noGrp="1"/>
+            <a:spLocks noGrp="true"/>
           </p:cNvSpPr>
           <p:nvPr>
             <p:ph type="title"/>
@@ -1509,15 +1439,11 @@
               <a:rPr kumimoji="1" lang="zh-CN" altLang="en-US"/>
               <a:t>单击此处编辑母版标题样式</a:t>
             </a:r>
+            <a:endParaRPr kumimoji="1" lang="zh-CN" altLang="en-US"/>
           </a:p>
         </p:txBody>
       </p:sp>
     </p:spTree>
-    <p:extLst>
-      <p:ext uri="{BB962C8B-B14F-4D97-AF65-F5344CB8AC3E}">
-        <p14:creationId xmlns:p14="http://schemas.microsoft.com/office/powerpoint/2010/main" val="1757226243"/>
-      </p:ext>
-    </p:extLst>
   </p:cSld>
   <p:clrMapOvr>
     <a:masterClrMapping/>
@@ -1526,7 +1452,7 @@
 </file>
 
 <file path=ppt/slideLayouts/slideLayout3.xml><?xml version="1.0" encoding="utf-8"?>
-<p:sldLayout xmlns:a="http://schemas.openxmlformats.org/drawingml/2006/main" xmlns:r="http://schemas.openxmlformats.org/officeDocument/2006/relationships" xmlns:p="http://schemas.openxmlformats.org/presentationml/2006/main" showMasterSp="0" preserve="1">
+<p:sldLayout xmlns:a="http://schemas.openxmlformats.org/drawingml/2006/main" xmlns:r="http://schemas.openxmlformats.org/officeDocument/2006/relationships" xmlns:p="http://schemas.openxmlformats.org/presentationml/2006/main" preserve="1" showMasterSp="0">
   <p:cSld name="目录">
     <p:spTree>
       <p:nvGrpSpPr>
@@ -1544,15 +1470,9 @@
       </p:grpSpPr>
       <p:sp>
         <p:nvSpPr>
-          <p:cNvPr id="14" name="Rectangle 6">
-            <a:extLst>
-              <a:ext uri="{FF2B5EF4-FFF2-40B4-BE49-F238E27FC236}">
-                <a16:creationId xmlns:a16="http://schemas.microsoft.com/office/drawing/2014/main" id="{712CA51D-FD70-C947-AA2A-7D31051F37F6}"/>
-              </a:ext>
-            </a:extLst>
-          </p:cNvPr>
+          <p:cNvPr id="14" name="Rectangle 6"/>
           <p:cNvSpPr>
-            <a:spLocks noChangeAspect="1"/>
+            <a:spLocks noChangeAspect="true"/>
           </p:cNvSpPr>
           <p:nvPr/>
         </p:nvSpPr>
@@ -1591,7 +1511,7 @@
         <p:nvSpPr>
           <p:cNvPr id="4" name="Date Placeholder 3"/>
           <p:cNvSpPr>
-            <a:spLocks noGrp="1"/>
+            <a:spLocks noGrp="true"/>
           </p:cNvSpPr>
           <p:nvPr>
             <p:ph type="dt" sz="half" idx="10"/>
@@ -1604,7 +1524,6 @@
           <a:p>
             <a:fld id="{FA4629CD-B92E-4F2A-B6AE-412A1227B13B}" type="datetimeFigureOut">
               <a:rPr lang="zh-CN" altLang="en-US" smtClean="0"/>
-              <a:t>2020/12/23</a:t>
             </a:fld>
             <a:endParaRPr lang="zh-CN" altLang="en-US"/>
           </a:p>
@@ -1614,7 +1533,7 @@
         <p:nvSpPr>
           <p:cNvPr id="5" name="Footer Placeholder 4"/>
           <p:cNvSpPr>
-            <a:spLocks noGrp="1"/>
+            <a:spLocks noGrp="true"/>
           </p:cNvSpPr>
           <p:nvPr>
             <p:ph type="ftr" sz="quarter" idx="11"/>
@@ -1633,7 +1552,7 @@
         <p:nvSpPr>
           <p:cNvPr id="6" name="Slide Number Placeholder 5"/>
           <p:cNvSpPr>
-            <a:spLocks noGrp="1"/>
+            <a:spLocks noGrp="true"/>
           </p:cNvSpPr>
           <p:nvPr>
             <p:ph type="sldNum" sz="quarter" idx="12"/>
@@ -1651,7 +1570,6 @@
           <a:p>
             <a:fld id="{9755973C-F058-4453-9FA6-94DEAFD95B52}" type="slidenum">
               <a:rPr lang="zh-CN" altLang="en-US" smtClean="0"/>
-              <a:t>‹#›</a:t>
             </a:fld>
             <a:endParaRPr lang="zh-CN" altLang="en-US"/>
           </a:p>
@@ -1659,15 +1577,9 @@
       </p:sp>
       <p:sp>
         <p:nvSpPr>
-          <p:cNvPr id="12" name="Title 1">
-            <a:extLst>
-              <a:ext uri="{FF2B5EF4-FFF2-40B4-BE49-F238E27FC236}">
-                <a16:creationId xmlns:a16="http://schemas.microsoft.com/office/drawing/2014/main" id="{E05C3A77-996F-D547-A946-FD706C8EF29B}"/>
-              </a:ext>
-            </a:extLst>
-          </p:cNvPr>
+          <p:cNvPr id="12" name="Title 1"/>
           <p:cNvSpPr>
-            <a:spLocks noGrp="1"/>
+            <a:spLocks noGrp="true"/>
           </p:cNvSpPr>
           <p:nvPr>
             <p:ph type="title"/>
@@ -1702,15 +1614,9 @@
       </p:sp>
       <p:pic>
         <p:nvPicPr>
-          <p:cNvPr id="15" name="图片 14">
-            <a:extLst>
-              <a:ext uri="{FF2B5EF4-FFF2-40B4-BE49-F238E27FC236}">
-                <a16:creationId xmlns:a16="http://schemas.microsoft.com/office/drawing/2014/main" id="{0DD8DF0D-52C6-E541-BD5C-34EC1811C1A9}"/>
-              </a:ext>
-            </a:extLst>
-          </p:cNvPr>
+          <p:cNvPr id="15" name="图片 14"/>
           <p:cNvPicPr>
-            <a:picLocks noChangeAspect="1"/>
+            <a:picLocks noChangeAspect="true"/>
           </p:cNvPicPr>
           <p:nvPr/>
         </p:nvPicPr>
@@ -1723,7 +1629,6 @@
               </a:schemeClr>
               <a:prstClr val="white"/>
             </a:duotone>
-            <a:alphaModFix/>
             <a:lum bright="100000"/>
           </a:blip>
           <a:stretch>
@@ -1742,15 +1647,9 @@
       </p:pic>
       <p:sp>
         <p:nvSpPr>
-          <p:cNvPr id="9" name="Content Placeholder 2">
-            <a:extLst>
-              <a:ext uri="{FF2B5EF4-FFF2-40B4-BE49-F238E27FC236}">
-                <a16:creationId xmlns:a16="http://schemas.microsoft.com/office/drawing/2014/main" id="{96EA75F0-3C7C-6E4E-BC95-17186F7990B4}"/>
-              </a:ext>
-            </a:extLst>
-          </p:cNvPr>
+          <p:cNvPr id="9" name="Content Placeholder 2"/>
           <p:cNvSpPr>
-            <a:spLocks noGrp="1"/>
+            <a:spLocks noGrp="true"/>
           </p:cNvSpPr>
           <p:nvPr>
             <p:ph idx="1"/>
@@ -1789,6 +1688,7 @@
               <a:rPr lang="zh-CN" altLang="en-US"/>
               <a:t>单击此处编辑母版文本样式</a:t>
             </a:r>
+            <a:endParaRPr lang="zh-CN" altLang="en-US"/>
           </a:p>
           <a:p>
             <a:pPr lvl="1"/>
@@ -1796,6 +1696,7 @@
               <a:rPr lang="zh-CN" altLang="en-US"/>
               <a:t>二级</a:t>
             </a:r>
+            <a:endParaRPr lang="zh-CN" altLang="en-US"/>
           </a:p>
           <a:p>
             <a:pPr lvl="2"/>
@@ -1803,6 +1704,7 @@
               <a:rPr lang="zh-CN" altLang="en-US"/>
               <a:t>三级</a:t>
             </a:r>
+            <a:endParaRPr lang="zh-CN" altLang="en-US"/>
           </a:p>
           <a:p>
             <a:pPr lvl="3"/>
@@ -1810,6 +1712,7 @@
               <a:rPr lang="zh-CN" altLang="en-US"/>
               <a:t>四级</a:t>
             </a:r>
+            <a:endParaRPr lang="zh-CN" altLang="en-US"/>
           </a:p>
           <a:p>
             <a:pPr lvl="4"/>
@@ -1822,11 +1725,6 @@
         </p:txBody>
       </p:sp>
     </p:spTree>
-    <p:extLst>
-      <p:ext uri="{BB962C8B-B14F-4D97-AF65-F5344CB8AC3E}">
-        <p14:creationId xmlns:p14="http://schemas.microsoft.com/office/powerpoint/2010/main" val="1179008847"/>
-      </p:ext>
-    </p:extLst>
   </p:cSld>
   <p:clrMapOvr>
     <a:masterClrMapping/>
@@ -1835,7 +1733,7 @@
 </file>
 
 <file path=ppt/slideLayouts/slideLayout4.xml><?xml version="1.0" encoding="utf-8"?>
-<p:sldLayout xmlns:a="http://schemas.openxmlformats.org/drawingml/2006/main" xmlns:r="http://schemas.openxmlformats.org/officeDocument/2006/relationships" xmlns:p="http://schemas.openxmlformats.org/presentationml/2006/main" showMasterSp="0" type="secHead" preserve="1">
+<p:sldLayout xmlns:a="http://schemas.openxmlformats.org/drawingml/2006/main" xmlns:r="http://schemas.openxmlformats.org/officeDocument/2006/relationships" xmlns:p="http://schemas.openxmlformats.org/presentationml/2006/main" type="secHead" preserve="1" showMasterSp="0">
   <p:cSld name="节标题">
     <p:spTree>
       <p:nvGrpSpPr>
@@ -1855,7 +1753,7 @@
         <p:nvSpPr>
           <p:cNvPr id="8" name="Rectangle 7"/>
           <p:cNvSpPr>
-            <a:spLocks noChangeAspect="1"/>
+            <a:spLocks noChangeAspect="true"/>
           </p:cNvSpPr>
           <p:nvPr/>
         </p:nvSpPr>
@@ -1894,7 +1792,7 @@
         <p:nvSpPr>
           <p:cNvPr id="2" name="Title 1"/>
           <p:cNvSpPr>
-            <a:spLocks noGrp="1"/>
+            <a:spLocks noGrp="true"/>
           </p:cNvSpPr>
           <p:nvPr>
             <p:ph type="title"/>
@@ -1935,7 +1833,7 @@
         <p:nvSpPr>
           <p:cNvPr id="3" name="Text Placeholder 2"/>
           <p:cNvSpPr>
-            <a:spLocks noGrp="1"/>
+            <a:spLocks noGrp="true"/>
           </p:cNvSpPr>
           <p:nvPr>
             <p:ph type="body" idx="1"/>
@@ -1960,7 +1858,7 @@
                 </a:solidFill>
               </a:defRPr>
             </a:lvl1pPr>
-            <a:lvl2pPr marL="457189" indent="0">
+            <a:lvl2pPr marL="457200" indent="0">
               <a:buNone/>
               <a:defRPr sz="1800">
                 <a:solidFill>
@@ -1970,7 +1868,7 @@
                 </a:solidFill>
               </a:defRPr>
             </a:lvl2pPr>
-            <a:lvl3pPr marL="914377" indent="0">
+            <a:lvl3pPr marL="914400" indent="0">
               <a:buNone/>
               <a:defRPr sz="1600">
                 <a:solidFill>
@@ -1980,7 +1878,7 @@
                 </a:solidFill>
               </a:defRPr>
             </a:lvl3pPr>
-            <a:lvl4pPr marL="1371566" indent="0">
+            <a:lvl4pPr marL="1371600" indent="0">
               <a:buNone/>
               <a:defRPr sz="1400">
                 <a:solidFill>
@@ -1990,7 +1888,7 @@
                 </a:solidFill>
               </a:defRPr>
             </a:lvl4pPr>
-            <a:lvl5pPr marL="1828754" indent="0">
+            <a:lvl5pPr marL="1828800" indent="0">
               <a:buNone/>
               <a:defRPr sz="1400">
                 <a:solidFill>
@@ -2000,7 +1898,7 @@
                 </a:solidFill>
               </a:defRPr>
             </a:lvl5pPr>
-            <a:lvl6pPr marL="2285943" indent="0">
+            <a:lvl6pPr marL="2286000" indent="0">
               <a:buNone/>
               <a:defRPr sz="1400">
                 <a:solidFill>
@@ -2010,7 +1908,7 @@
                 </a:solidFill>
               </a:defRPr>
             </a:lvl6pPr>
-            <a:lvl7pPr marL="2743131" indent="0">
+            <a:lvl7pPr marL="2743200" indent="0">
               <a:buNone/>
               <a:defRPr sz="1400">
                 <a:solidFill>
@@ -2020,7 +1918,7 @@
                 </a:solidFill>
               </a:defRPr>
             </a:lvl7pPr>
-            <a:lvl8pPr marL="3200320" indent="0">
+            <a:lvl8pPr marL="3200400" indent="0">
               <a:buNone/>
               <a:defRPr sz="1400">
                 <a:solidFill>
@@ -2030,7 +1928,7 @@
                 </a:solidFill>
               </a:defRPr>
             </a:lvl8pPr>
-            <a:lvl9pPr marL="3657509" indent="0">
+            <a:lvl9pPr marL="3657600" indent="0">
               <a:buNone/>
               <a:defRPr sz="1400">
                 <a:solidFill>
@@ -2047,6 +1945,7 @@
               <a:rPr lang="zh-CN" altLang="en-US"/>
               <a:t>单击此处编辑母版文本样式</a:t>
             </a:r>
+            <a:endParaRPr lang="zh-CN" altLang="en-US"/>
           </a:p>
         </p:txBody>
       </p:sp>
@@ -2054,7 +1953,7 @@
         <p:nvSpPr>
           <p:cNvPr id="4" name="Date Placeholder 3"/>
           <p:cNvSpPr>
-            <a:spLocks noGrp="1"/>
+            <a:spLocks noGrp="true"/>
           </p:cNvSpPr>
           <p:nvPr>
             <p:ph type="dt" sz="half" idx="10"/>
@@ -2078,7 +1977,6 @@
           <a:p>
             <a:fld id="{FA4629CD-B92E-4F2A-B6AE-412A1227B13B}" type="datetimeFigureOut">
               <a:rPr lang="zh-CN" altLang="en-US" smtClean="0"/>
-              <a:t>2020/12/23</a:t>
             </a:fld>
             <a:endParaRPr lang="zh-CN" altLang="en-US"/>
           </a:p>
@@ -2088,7 +1986,7 @@
         <p:nvSpPr>
           <p:cNvPr id="5" name="Footer Placeholder 4"/>
           <p:cNvSpPr>
-            <a:spLocks noGrp="1"/>
+            <a:spLocks noGrp="true"/>
           </p:cNvSpPr>
           <p:nvPr>
             <p:ph type="ftr" sz="quarter" idx="11"/>
@@ -2118,7 +2016,7 @@
         <p:nvSpPr>
           <p:cNvPr id="6" name="Slide Number Placeholder 5"/>
           <p:cNvSpPr>
-            <a:spLocks noGrp="1"/>
+            <a:spLocks noGrp="true"/>
           </p:cNvSpPr>
           <p:nvPr>
             <p:ph type="sldNum" sz="quarter" idx="12"/>
@@ -2142,7 +2040,6 @@
           <a:p>
             <a:fld id="{9755973C-F058-4453-9FA6-94DEAFD95B52}" type="slidenum">
               <a:rPr lang="zh-CN" altLang="en-US" smtClean="0"/>
-              <a:t>‹#›</a:t>
             </a:fld>
             <a:endParaRPr lang="zh-CN" altLang="en-US"/>
           </a:p>
@@ -2150,15 +2047,9 @@
       </p:sp>
       <p:pic>
         <p:nvPicPr>
-          <p:cNvPr id="10" name="图片 9">
-            <a:extLst>
-              <a:ext uri="{FF2B5EF4-FFF2-40B4-BE49-F238E27FC236}">
-                <a16:creationId xmlns:a16="http://schemas.microsoft.com/office/drawing/2014/main" id="{D5ED7C10-B7EC-CE4D-B410-A99267152767}"/>
-              </a:ext>
-            </a:extLst>
-          </p:cNvPr>
+          <p:cNvPr id="10" name="图片 9"/>
           <p:cNvPicPr>
-            <a:picLocks noChangeAspect="1"/>
+            <a:picLocks noChangeAspect="true"/>
           </p:cNvPicPr>
           <p:nvPr/>
         </p:nvPicPr>
@@ -2171,7 +2062,6 @@
               </a:schemeClr>
               <a:prstClr val="white"/>
             </a:duotone>
-            <a:alphaModFix/>
             <a:lum bright="100000"/>
           </a:blip>
           <a:stretch>
@@ -2189,11 +2079,6 @@
         </p:spPr>
       </p:pic>
     </p:spTree>
-    <p:extLst>
-      <p:ext uri="{BB962C8B-B14F-4D97-AF65-F5344CB8AC3E}">
-        <p14:creationId xmlns:p14="http://schemas.microsoft.com/office/powerpoint/2010/main" val="1701832442"/>
-      </p:ext>
-    </p:extLst>
   </p:cSld>
   <p:clrMapOvr>
     <a:masterClrMapping/>
@@ -2222,7 +2107,7 @@
         <p:nvSpPr>
           <p:cNvPr id="3" name="Content Placeholder 2"/>
           <p:cNvSpPr>
-            <a:spLocks noGrp="1"/>
+            <a:spLocks noGrp="true"/>
           </p:cNvSpPr>
           <p:nvPr>
             <p:ph sz="half" idx="1"/>
@@ -2245,6 +2130,7 @@
               <a:rPr lang="zh-CN" altLang="en-US"/>
               <a:t>单击此处编辑母版文本样式</a:t>
             </a:r>
+            <a:endParaRPr lang="zh-CN" altLang="en-US"/>
           </a:p>
           <a:p>
             <a:pPr lvl="1"/>
@@ -2252,6 +2138,7 @@
               <a:rPr lang="zh-CN" altLang="en-US"/>
               <a:t>二级</a:t>
             </a:r>
+            <a:endParaRPr lang="zh-CN" altLang="en-US"/>
           </a:p>
           <a:p>
             <a:pPr lvl="2"/>
@@ -2259,6 +2146,7 @@
               <a:rPr lang="zh-CN" altLang="en-US"/>
               <a:t>三级</a:t>
             </a:r>
+            <a:endParaRPr lang="zh-CN" altLang="en-US"/>
           </a:p>
           <a:p>
             <a:pPr lvl="3"/>
@@ -2266,6 +2154,7 @@
               <a:rPr lang="zh-CN" altLang="en-US"/>
               <a:t>四级</a:t>
             </a:r>
+            <a:endParaRPr lang="zh-CN" altLang="en-US"/>
           </a:p>
           <a:p>
             <a:pPr lvl="4"/>
@@ -2281,7 +2170,7 @@
         <p:nvSpPr>
           <p:cNvPr id="4" name="Content Placeholder 3"/>
           <p:cNvSpPr>
-            <a:spLocks noGrp="1"/>
+            <a:spLocks noGrp="true"/>
           </p:cNvSpPr>
           <p:nvPr>
             <p:ph sz="half" idx="2"/>
@@ -2304,6 +2193,7 @@
               <a:rPr lang="zh-CN" altLang="en-US"/>
               <a:t>单击此处编辑母版文本样式</a:t>
             </a:r>
+            <a:endParaRPr lang="zh-CN" altLang="en-US"/>
           </a:p>
           <a:p>
             <a:pPr lvl="1"/>
@@ -2311,6 +2201,7 @@
               <a:rPr lang="zh-CN" altLang="en-US"/>
               <a:t>二级</a:t>
             </a:r>
+            <a:endParaRPr lang="zh-CN" altLang="en-US"/>
           </a:p>
           <a:p>
             <a:pPr lvl="2"/>
@@ -2318,6 +2209,7 @@
               <a:rPr lang="zh-CN" altLang="en-US"/>
               <a:t>三级</a:t>
             </a:r>
+            <a:endParaRPr lang="zh-CN" altLang="en-US"/>
           </a:p>
           <a:p>
             <a:pPr lvl="3"/>
@@ -2325,6 +2217,7 @@
               <a:rPr lang="zh-CN" altLang="en-US"/>
               <a:t>四级</a:t>
             </a:r>
+            <a:endParaRPr lang="zh-CN" altLang="en-US"/>
           </a:p>
           <a:p>
             <a:pPr lvl="4"/>
@@ -2340,7 +2233,7 @@
         <p:nvSpPr>
           <p:cNvPr id="5" name="Date Placeholder 4"/>
           <p:cNvSpPr>
-            <a:spLocks noGrp="1"/>
+            <a:spLocks noGrp="true"/>
           </p:cNvSpPr>
           <p:nvPr>
             <p:ph type="dt" sz="half" idx="10"/>
@@ -2353,7 +2246,6 @@
           <a:p>
             <a:fld id="{FA4629CD-B92E-4F2A-B6AE-412A1227B13B}" type="datetimeFigureOut">
               <a:rPr lang="zh-CN" altLang="en-US" smtClean="0"/>
-              <a:t>2020/12/23</a:t>
             </a:fld>
             <a:endParaRPr lang="zh-CN" altLang="en-US"/>
           </a:p>
@@ -2363,7 +2255,7 @@
         <p:nvSpPr>
           <p:cNvPr id="6" name="Footer Placeholder 5"/>
           <p:cNvSpPr>
-            <a:spLocks noGrp="1"/>
+            <a:spLocks noGrp="true"/>
           </p:cNvSpPr>
           <p:nvPr>
             <p:ph type="ftr" sz="quarter" idx="11"/>
@@ -2382,7 +2274,7 @@
         <p:nvSpPr>
           <p:cNvPr id="7" name="Slide Number Placeholder 6"/>
           <p:cNvSpPr>
-            <a:spLocks noGrp="1"/>
+            <a:spLocks noGrp="true"/>
           </p:cNvSpPr>
           <p:nvPr>
             <p:ph type="sldNum" sz="quarter" idx="12"/>
@@ -2395,7 +2287,6 @@
           <a:p>
             <a:fld id="{9755973C-F058-4453-9FA6-94DEAFD95B52}" type="slidenum">
               <a:rPr lang="zh-CN" altLang="en-US" smtClean="0"/>
-              <a:t>‹#›</a:t>
             </a:fld>
             <a:endParaRPr lang="zh-CN" altLang="en-US"/>
           </a:p>
@@ -2403,15 +2294,9 @@
       </p:sp>
       <p:sp>
         <p:nvSpPr>
-          <p:cNvPr id="2" name="标题 1">
-            <a:extLst>
-              <a:ext uri="{FF2B5EF4-FFF2-40B4-BE49-F238E27FC236}">
-                <a16:creationId xmlns:a16="http://schemas.microsoft.com/office/drawing/2014/main" id="{66943B4F-7DD9-1B4F-B557-A91CFB8F74EC}"/>
-              </a:ext>
-            </a:extLst>
-          </p:cNvPr>
+          <p:cNvPr id="2" name="标题 1"/>
           <p:cNvSpPr>
-            <a:spLocks noGrp="1"/>
+            <a:spLocks noGrp="true"/>
           </p:cNvSpPr>
           <p:nvPr>
             <p:ph type="title"/>
@@ -2426,15 +2311,11 @@
               <a:rPr kumimoji="1" lang="zh-CN" altLang="en-US"/>
               <a:t>单击此处编辑母版标题样式</a:t>
             </a:r>
+            <a:endParaRPr kumimoji="1" lang="zh-CN" altLang="en-US"/>
           </a:p>
         </p:txBody>
       </p:sp>
     </p:spTree>
-    <p:extLst>
-      <p:ext uri="{BB962C8B-B14F-4D97-AF65-F5344CB8AC3E}">
-        <p14:creationId xmlns:p14="http://schemas.microsoft.com/office/powerpoint/2010/main" val="192637670"/>
-      </p:ext>
-    </p:extLst>
   </p:cSld>
   <p:clrMapOvr>
     <a:masterClrMapping/>
@@ -2463,7 +2344,7 @@
         <p:nvSpPr>
           <p:cNvPr id="3" name="Text Placeholder 2"/>
           <p:cNvSpPr>
-            <a:spLocks noGrp="1"/>
+            <a:spLocks noGrp="true"/>
           </p:cNvSpPr>
           <p:nvPr>
             <p:ph type="body" idx="1"/>
@@ -2488,35 +2369,35 @@
                 </a:solidFill>
               </a:defRPr>
             </a:lvl1pPr>
-            <a:lvl2pPr marL="457189" indent="0">
+            <a:lvl2pPr marL="457200" indent="0">
               <a:buNone/>
               <a:defRPr sz="2000" b="1"/>
             </a:lvl2pPr>
-            <a:lvl3pPr marL="914377" indent="0">
+            <a:lvl3pPr marL="914400" indent="0">
               <a:buNone/>
               <a:defRPr sz="1800" b="1"/>
             </a:lvl3pPr>
-            <a:lvl4pPr marL="1371566" indent="0">
+            <a:lvl4pPr marL="1371600" indent="0">
               <a:buNone/>
               <a:defRPr sz="1600" b="1"/>
             </a:lvl4pPr>
-            <a:lvl5pPr marL="1828754" indent="0">
+            <a:lvl5pPr marL="1828800" indent="0">
               <a:buNone/>
               <a:defRPr sz="1600" b="1"/>
             </a:lvl5pPr>
-            <a:lvl6pPr marL="2285943" indent="0">
+            <a:lvl6pPr marL="2286000" indent="0">
               <a:buNone/>
               <a:defRPr sz="1600" b="1"/>
             </a:lvl6pPr>
-            <a:lvl7pPr marL="2743131" indent="0">
+            <a:lvl7pPr marL="2743200" indent="0">
               <a:buNone/>
               <a:defRPr sz="1600" b="1"/>
             </a:lvl7pPr>
-            <a:lvl8pPr marL="3200320" indent="0">
+            <a:lvl8pPr marL="3200400" indent="0">
               <a:buNone/>
               <a:defRPr sz="1600" b="1"/>
             </a:lvl8pPr>
-            <a:lvl9pPr marL="3657509" indent="0">
+            <a:lvl9pPr marL="3657600" indent="0">
               <a:buNone/>
               <a:defRPr sz="1600" b="1"/>
             </a:lvl9pPr>
@@ -2527,6 +2408,7 @@
               <a:rPr lang="zh-CN" altLang="en-US"/>
               <a:t>单击此处编辑母版文本样式</a:t>
             </a:r>
+            <a:endParaRPr lang="zh-CN" altLang="en-US"/>
           </a:p>
         </p:txBody>
       </p:sp>
@@ -2534,7 +2416,7 @@
         <p:nvSpPr>
           <p:cNvPr id="4" name="Content Placeholder 3"/>
           <p:cNvSpPr>
-            <a:spLocks noGrp="1"/>
+            <a:spLocks noGrp="true"/>
           </p:cNvSpPr>
           <p:nvPr>
             <p:ph sz="half" idx="2"/>
@@ -2557,6 +2439,7 @@
               <a:rPr lang="zh-CN" altLang="en-US"/>
               <a:t>单击此处编辑母版文本样式</a:t>
             </a:r>
+            <a:endParaRPr lang="zh-CN" altLang="en-US"/>
           </a:p>
           <a:p>
             <a:pPr lvl="1"/>
@@ -2564,6 +2447,7 @@
               <a:rPr lang="zh-CN" altLang="en-US"/>
               <a:t>二级</a:t>
             </a:r>
+            <a:endParaRPr lang="zh-CN" altLang="en-US"/>
           </a:p>
           <a:p>
             <a:pPr lvl="2"/>
@@ -2571,6 +2455,7 @@
               <a:rPr lang="zh-CN" altLang="en-US"/>
               <a:t>三级</a:t>
             </a:r>
+            <a:endParaRPr lang="zh-CN" altLang="en-US"/>
           </a:p>
           <a:p>
             <a:pPr lvl="3"/>
@@ -2578,6 +2463,7 @@
               <a:rPr lang="zh-CN" altLang="en-US"/>
               <a:t>四级</a:t>
             </a:r>
+            <a:endParaRPr lang="zh-CN" altLang="en-US"/>
           </a:p>
           <a:p>
             <a:pPr lvl="4"/>
@@ -2593,7 +2479,7 @@
         <p:nvSpPr>
           <p:cNvPr id="5" name="Text Placeholder 4"/>
           <p:cNvSpPr>
-            <a:spLocks noGrp="1"/>
+            <a:spLocks noGrp="true"/>
           </p:cNvSpPr>
           <p:nvPr>
             <p:ph type="body" sz="quarter" idx="3"/>
@@ -2618,35 +2504,35 @@
                 </a:solidFill>
               </a:defRPr>
             </a:lvl1pPr>
-            <a:lvl2pPr marL="457189" indent="0">
+            <a:lvl2pPr marL="457200" indent="0">
               <a:buNone/>
               <a:defRPr sz="2000" b="1"/>
             </a:lvl2pPr>
-            <a:lvl3pPr marL="914377" indent="0">
+            <a:lvl3pPr marL="914400" indent="0">
               <a:buNone/>
               <a:defRPr sz="1800" b="1"/>
             </a:lvl3pPr>
-            <a:lvl4pPr marL="1371566" indent="0">
+            <a:lvl4pPr marL="1371600" indent="0">
               <a:buNone/>
               <a:defRPr sz="1600" b="1"/>
             </a:lvl4pPr>
-            <a:lvl5pPr marL="1828754" indent="0">
+            <a:lvl5pPr marL="1828800" indent="0">
               <a:buNone/>
               <a:defRPr sz="1600" b="1"/>
             </a:lvl5pPr>
-            <a:lvl6pPr marL="2285943" indent="0">
+            <a:lvl6pPr marL="2286000" indent="0">
               <a:buNone/>
               <a:defRPr sz="1600" b="1"/>
             </a:lvl6pPr>
-            <a:lvl7pPr marL="2743131" indent="0">
+            <a:lvl7pPr marL="2743200" indent="0">
               <a:buNone/>
               <a:defRPr sz="1600" b="1"/>
             </a:lvl7pPr>
-            <a:lvl8pPr marL="3200320" indent="0">
+            <a:lvl8pPr marL="3200400" indent="0">
               <a:buNone/>
               <a:defRPr sz="1600" b="1"/>
             </a:lvl8pPr>
-            <a:lvl9pPr marL="3657509" indent="0">
+            <a:lvl9pPr marL="3657600" indent="0">
               <a:buNone/>
               <a:defRPr sz="1600" b="1"/>
             </a:lvl9pPr>
@@ -2657,6 +2543,7 @@
               <a:rPr lang="zh-CN" altLang="en-US"/>
               <a:t>单击此处编辑母版文本样式</a:t>
             </a:r>
+            <a:endParaRPr lang="zh-CN" altLang="en-US"/>
           </a:p>
         </p:txBody>
       </p:sp>
@@ -2664,7 +2551,7 @@
         <p:nvSpPr>
           <p:cNvPr id="6" name="Content Placeholder 5"/>
           <p:cNvSpPr>
-            <a:spLocks noGrp="1"/>
+            <a:spLocks noGrp="true"/>
           </p:cNvSpPr>
           <p:nvPr>
             <p:ph sz="quarter" idx="4"/>
@@ -2687,6 +2574,7 @@
               <a:rPr lang="zh-CN" altLang="en-US"/>
               <a:t>单击此处编辑母版文本样式</a:t>
             </a:r>
+            <a:endParaRPr lang="zh-CN" altLang="en-US"/>
           </a:p>
           <a:p>
             <a:pPr lvl="1"/>
@@ -2694,6 +2582,7 @@
               <a:rPr lang="zh-CN" altLang="en-US"/>
               <a:t>二级</a:t>
             </a:r>
+            <a:endParaRPr lang="zh-CN" altLang="en-US"/>
           </a:p>
           <a:p>
             <a:pPr lvl="2"/>
@@ -2701,6 +2590,7 @@
               <a:rPr lang="zh-CN" altLang="en-US"/>
               <a:t>三级</a:t>
             </a:r>
+            <a:endParaRPr lang="zh-CN" altLang="en-US"/>
           </a:p>
           <a:p>
             <a:pPr lvl="3"/>
@@ -2708,6 +2598,7 @@
               <a:rPr lang="zh-CN" altLang="en-US"/>
               <a:t>四级</a:t>
             </a:r>
+            <a:endParaRPr lang="zh-CN" altLang="en-US"/>
           </a:p>
           <a:p>
             <a:pPr lvl="4"/>
@@ -2723,7 +2614,7 @@
         <p:nvSpPr>
           <p:cNvPr id="7" name="Date Placeholder 6"/>
           <p:cNvSpPr>
-            <a:spLocks noGrp="1"/>
+            <a:spLocks noGrp="true"/>
           </p:cNvSpPr>
           <p:nvPr>
             <p:ph type="dt" sz="half" idx="10"/>
@@ -2736,7 +2627,6 @@
           <a:p>
             <a:fld id="{FA4629CD-B92E-4F2A-B6AE-412A1227B13B}" type="datetimeFigureOut">
               <a:rPr lang="zh-CN" altLang="en-US" smtClean="0"/>
-              <a:t>2020/12/23</a:t>
             </a:fld>
             <a:endParaRPr lang="zh-CN" altLang="en-US"/>
           </a:p>
@@ -2746,7 +2636,7 @@
         <p:nvSpPr>
           <p:cNvPr id="8" name="Footer Placeholder 7"/>
           <p:cNvSpPr>
-            <a:spLocks noGrp="1"/>
+            <a:spLocks noGrp="true"/>
           </p:cNvSpPr>
           <p:nvPr>
             <p:ph type="ftr" sz="quarter" idx="11"/>
@@ -2765,7 +2655,7 @@
         <p:nvSpPr>
           <p:cNvPr id="9" name="Slide Number Placeholder 8"/>
           <p:cNvSpPr>
-            <a:spLocks noGrp="1"/>
+            <a:spLocks noGrp="true"/>
           </p:cNvSpPr>
           <p:nvPr>
             <p:ph type="sldNum" sz="quarter" idx="12"/>
@@ -2778,7 +2668,6 @@
           <a:p>
             <a:fld id="{9755973C-F058-4453-9FA6-94DEAFD95B52}" type="slidenum">
               <a:rPr lang="zh-CN" altLang="en-US" smtClean="0"/>
-              <a:t>‹#›</a:t>
             </a:fld>
             <a:endParaRPr lang="zh-CN" altLang="en-US"/>
           </a:p>
@@ -2786,15 +2675,9 @@
       </p:sp>
       <p:sp>
         <p:nvSpPr>
-          <p:cNvPr id="2" name="标题 1">
-            <a:extLst>
-              <a:ext uri="{FF2B5EF4-FFF2-40B4-BE49-F238E27FC236}">
-                <a16:creationId xmlns:a16="http://schemas.microsoft.com/office/drawing/2014/main" id="{9CB22468-F02A-F448-8B18-5B7757B695E7}"/>
-              </a:ext>
-            </a:extLst>
-          </p:cNvPr>
+          <p:cNvPr id="2" name="标题 1"/>
           <p:cNvSpPr>
-            <a:spLocks noGrp="1"/>
+            <a:spLocks noGrp="true"/>
           </p:cNvSpPr>
           <p:nvPr>
             <p:ph type="title"/>
@@ -2809,15 +2692,11 @@
               <a:rPr kumimoji="1" lang="zh-CN" altLang="en-US"/>
               <a:t>单击此处编辑母版标题样式</a:t>
             </a:r>
+            <a:endParaRPr kumimoji="1" lang="zh-CN" altLang="en-US"/>
           </a:p>
         </p:txBody>
       </p:sp>
     </p:spTree>
-    <p:extLst>
-      <p:ext uri="{BB962C8B-B14F-4D97-AF65-F5344CB8AC3E}">
-        <p14:creationId xmlns:p14="http://schemas.microsoft.com/office/powerpoint/2010/main" val="3830291935"/>
-      </p:ext>
-    </p:extLst>
   </p:cSld>
   <p:clrMapOvr>
     <a:masterClrMapping/>
@@ -2846,7 +2725,7 @@
         <p:nvSpPr>
           <p:cNvPr id="3" name="Date Placeholder 2"/>
           <p:cNvSpPr>
-            <a:spLocks noGrp="1"/>
+            <a:spLocks noGrp="true"/>
           </p:cNvSpPr>
           <p:nvPr>
             <p:ph type="dt" sz="half" idx="10"/>
@@ -2859,7 +2738,6 @@
           <a:p>
             <a:fld id="{FA4629CD-B92E-4F2A-B6AE-412A1227B13B}" type="datetimeFigureOut">
               <a:rPr lang="zh-CN" altLang="en-US" smtClean="0"/>
-              <a:t>2020/12/23</a:t>
             </a:fld>
             <a:endParaRPr lang="zh-CN" altLang="en-US"/>
           </a:p>
@@ -2869,7 +2747,7 @@
         <p:nvSpPr>
           <p:cNvPr id="4" name="Footer Placeholder 3"/>
           <p:cNvSpPr>
-            <a:spLocks noGrp="1"/>
+            <a:spLocks noGrp="true"/>
           </p:cNvSpPr>
           <p:nvPr>
             <p:ph type="ftr" sz="quarter" idx="11"/>
@@ -2888,7 +2766,7 @@
         <p:nvSpPr>
           <p:cNvPr id="5" name="Slide Number Placeholder 4"/>
           <p:cNvSpPr>
-            <a:spLocks noGrp="1"/>
+            <a:spLocks noGrp="true"/>
           </p:cNvSpPr>
           <p:nvPr>
             <p:ph type="sldNum" sz="quarter" idx="12"/>
@@ -2901,7 +2779,6 @@
           <a:p>
             <a:fld id="{9755973C-F058-4453-9FA6-94DEAFD95B52}" type="slidenum">
               <a:rPr lang="zh-CN" altLang="en-US" smtClean="0"/>
-              <a:t>‹#›</a:t>
             </a:fld>
             <a:endParaRPr lang="zh-CN" altLang="en-US"/>
           </a:p>
@@ -2909,15 +2786,9 @@
       </p:sp>
       <p:sp>
         <p:nvSpPr>
-          <p:cNvPr id="2" name="标题 1">
-            <a:extLst>
-              <a:ext uri="{FF2B5EF4-FFF2-40B4-BE49-F238E27FC236}">
-                <a16:creationId xmlns:a16="http://schemas.microsoft.com/office/drawing/2014/main" id="{7B770DA6-1AF1-C940-AA73-A65453BE0367}"/>
-              </a:ext>
-            </a:extLst>
-          </p:cNvPr>
+          <p:cNvPr id="2" name="标题 1"/>
           <p:cNvSpPr>
-            <a:spLocks noGrp="1"/>
+            <a:spLocks noGrp="true"/>
           </p:cNvSpPr>
           <p:nvPr>
             <p:ph type="title"/>
@@ -2932,15 +2803,11 @@
               <a:rPr kumimoji="1" lang="zh-CN" altLang="en-US"/>
               <a:t>单击此处编辑母版标题样式</a:t>
             </a:r>
+            <a:endParaRPr kumimoji="1" lang="zh-CN" altLang="en-US"/>
           </a:p>
         </p:txBody>
       </p:sp>
     </p:spTree>
-    <p:extLst>
-      <p:ext uri="{BB962C8B-B14F-4D97-AF65-F5344CB8AC3E}">
-        <p14:creationId xmlns:p14="http://schemas.microsoft.com/office/powerpoint/2010/main" val="1455657883"/>
-      </p:ext>
-    </p:extLst>
   </p:cSld>
   <p:clrMapOvr>
     <a:masterClrMapping/>
@@ -2949,7 +2816,7 @@
 </file>
 
 <file path=ppt/slideLayouts/slideLayout8.xml><?xml version="1.0" encoding="utf-8"?>
-<p:sldLayout xmlns:a="http://schemas.openxmlformats.org/drawingml/2006/main" xmlns:r="http://schemas.openxmlformats.org/officeDocument/2006/relationships" xmlns:p="http://schemas.openxmlformats.org/presentationml/2006/main" showMasterSp="0" type="blank" preserve="1">
+<p:sldLayout xmlns:a="http://schemas.openxmlformats.org/drawingml/2006/main" xmlns:r="http://schemas.openxmlformats.org/officeDocument/2006/relationships" xmlns:p="http://schemas.openxmlformats.org/presentationml/2006/main" type="blank" preserve="1" showMasterSp="0">
   <p:cSld name="空白">
     <p:spTree>
       <p:nvGrpSpPr>
@@ -2969,7 +2836,7 @@
         <p:nvSpPr>
           <p:cNvPr id="2" name="Date Placeholder 1"/>
           <p:cNvSpPr>
-            <a:spLocks noGrp="1"/>
+            <a:spLocks noGrp="true"/>
           </p:cNvSpPr>
           <p:nvPr>
             <p:ph type="dt" sz="half" idx="10"/>
@@ -2982,7 +2849,6 @@
           <a:p>
             <a:fld id="{FA4629CD-B92E-4F2A-B6AE-412A1227B13B}" type="datetimeFigureOut">
               <a:rPr lang="zh-CN" altLang="en-US" smtClean="0"/>
-              <a:t>2020/12/23</a:t>
             </a:fld>
             <a:endParaRPr lang="zh-CN" altLang="en-US"/>
           </a:p>
@@ -2992,7 +2858,7 @@
         <p:nvSpPr>
           <p:cNvPr id="3" name="Footer Placeholder 2"/>
           <p:cNvSpPr>
-            <a:spLocks noGrp="1"/>
+            <a:spLocks noGrp="true"/>
           </p:cNvSpPr>
           <p:nvPr>
             <p:ph type="ftr" sz="quarter" idx="11"/>
@@ -3011,7 +2877,7 @@
         <p:nvSpPr>
           <p:cNvPr id="4" name="Slide Number Placeholder 3"/>
           <p:cNvSpPr>
-            <a:spLocks noGrp="1"/>
+            <a:spLocks noGrp="true"/>
           </p:cNvSpPr>
           <p:nvPr>
             <p:ph type="sldNum" sz="quarter" idx="12"/>
@@ -3024,7 +2890,6 @@
           <a:p>
             <a:fld id="{9755973C-F058-4453-9FA6-94DEAFD95B52}" type="slidenum">
               <a:rPr lang="zh-CN" altLang="en-US" smtClean="0"/>
-              <a:t>‹#›</a:t>
             </a:fld>
             <a:endParaRPr lang="zh-CN" altLang="en-US"/>
           </a:p>
@@ -3032,15 +2897,9 @@
       </p:sp>
       <p:sp>
         <p:nvSpPr>
-          <p:cNvPr id="5" name="Rectangle 6">
-            <a:extLst>
-              <a:ext uri="{FF2B5EF4-FFF2-40B4-BE49-F238E27FC236}">
-                <a16:creationId xmlns:a16="http://schemas.microsoft.com/office/drawing/2014/main" id="{31DAF1E9-59CF-2D42-8740-6D200FC4192A}"/>
-              </a:ext>
-            </a:extLst>
-          </p:cNvPr>
+          <p:cNvPr id="5" name="Rectangle 6"/>
           <p:cNvSpPr>
-            <a:spLocks noChangeAspect="1"/>
+            <a:spLocks noChangeAspect="true"/>
           </p:cNvSpPr>
           <p:nvPr/>
         </p:nvSpPr>
@@ -3076,11 +2935,6 @@
         </p:style>
       </p:sp>
     </p:spTree>
-    <p:extLst>
-      <p:ext uri="{BB962C8B-B14F-4D97-AF65-F5344CB8AC3E}">
-        <p14:creationId xmlns:p14="http://schemas.microsoft.com/office/powerpoint/2010/main" val="1878297572"/>
-      </p:ext>
-    </p:extLst>
   </p:cSld>
   <p:clrMapOvr>
     <a:masterClrMapping/>
@@ -3089,7 +2943,7 @@
 </file>
 
 <file path=ppt/slideLayouts/slideLayout9.xml><?xml version="1.0" encoding="utf-8"?>
-<p:sldLayout xmlns:a="http://schemas.openxmlformats.org/drawingml/2006/main" xmlns:r="http://schemas.openxmlformats.org/officeDocument/2006/relationships" xmlns:p="http://schemas.openxmlformats.org/presentationml/2006/main" showMasterSp="0" type="objTx" preserve="1">
+<p:sldLayout xmlns:a="http://schemas.openxmlformats.org/drawingml/2006/main" xmlns:r="http://schemas.openxmlformats.org/officeDocument/2006/relationships" xmlns:p="http://schemas.openxmlformats.org/presentationml/2006/main" type="objTx" preserve="1" showMasterSp="0">
   <p:cSld name="内容与标题">
     <p:spTree>
       <p:nvGrpSpPr>
@@ -3107,15 +2961,9 @@
       </p:grpSpPr>
       <p:sp>
         <p:nvSpPr>
-          <p:cNvPr id="11" name="Rectangle 7">
-            <a:extLst>
-              <a:ext uri="{FF2B5EF4-FFF2-40B4-BE49-F238E27FC236}">
-                <a16:creationId xmlns:a16="http://schemas.microsoft.com/office/drawing/2014/main" id="{001B2277-AA70-E141-BC48-4D053E71C76E}"/>
-              </a:ext>
-            </a:extLst>
-          </p:cNvPr>
+          <p:cNvPr id="11" name="Rectangle 7"/>
           <p:cNvSpPr>
-            <a:spLocks noChangeAspect="1"/>
+            <a:spLocks noChangeAspect="true"/>
           </p:cNvSpPr>
           <p:nvPr/>
         </p:nvSpPr>
@@ -3152,15 +3000,9 @@
       </p:sp>
       <p:pic>
         <p:nvPicPr>
-          <p:cNvPr id="12" name="图片 11">
-            <a:extLst>
-              <a:ext uri="{FF2B5EF4-FFF2-40B4-BE49-F238E27FC236}">
-                <a16:creationId xmlns:a16="http://schemas.microsoft.com/office/drawing/2014/main" id="{499F1C42-7202-F94A-974A-BB8A86D24033}"/>
-              </a:ext>
-            </a:extLst>
-          </p:cNvPr>
+          <p:cNvPr id="12" name="图片 11"/>
           <p:cNvPicPr>
-            <a:picLocks noChangeAspect="1"/>
+            <a:picLocks noChangeAspect="true"/>
           </p:cNvPicPr>
           <p:nvPr/>
         </p:nvPicPr>
@@ -3173,7 +3015,6 @@
               </a:schemeClr>
               <a:prstClr val="white"/>
             </a:duotone>
-            <a:alphaModFix/>
             <a:lum bright="100000"/>
           </a:blip>
           <a:stretch>
@@ -3194,7 +3035,7 @@
         <p:nvSpPr>
           <p:cNvPr id="2" name="Title 1"/>
           <p:cNvSpPr>
-            <a:spLocks noGrp="1"/>
+            <a:spLocks noGrp="true"/>
           </p:cNvSpPr>
           <p:nvPr>
             <p:ph type="title"/>
@@ -3235,7 +3076,7 @@
         <p:nvSpPr>
           <p:cNvPr id="3" name="Content Placeholder 2"/>
           <p:cNvSpPr>
-            <a:spLocks noGrp="1"/>
+            <a:spLocks noGrp="true"/>
           </p:cNvSpPr>
           <p:nvPr>
             <p:ph idx="1"/>
@@ -3322,6 +3163,7 @@
               <a:rPr lang="zh-CN" altLang="en-US"/>
               <a:t>单击此处编辑母版文本样式</a:t>
             </a:r>
+            <a:endParaRPr lang="zh-CN" altLang="en-US"/>
           </a:p>
           <a:p>
             <a:pPr lvl="1"/>
@@ -3329,6 +3171,7 @@
               <a:rPr lang="zh-CN" altLang="en-US"/>
               <a:t>二级</a:t>
             </a:r>
+            <a:endParaRPr lang="zh-CN" altLang="en-US"/>
           </a:p>
           <a:p>
             <a:pPr lvl="2"/>
@@ -3336,6 +3179,7 @@
               <a:rPr lang="zh-CN" altLang="en-US"/>
               <a:t>三级</a:t>
             </a:r>
+            <a:endParaRPr lang="zh-CN" altLang="en-US"/>
           </a:p>
           <a:p>
             <a:pPr lvl="3"/>
@@ -3343,6 +3187,7 @@
               <a:rPr lang="zh-CN" altLang="en-US"/>
               <a:t>四级</a:t>
             </a:r>
+            <a:endParaRPr lang="zh-CN" altLang="en-US"/>
           </a:p>
           <a:p>
             <a:pPr lvl="4"/>
@@ -3358,7 +3203,7 @@
         <p:nvSpPr>
           <p:cNvPr id="4" name="Text Placeholder 3"/>
           <p:cNvSpPr>
-            <a:spLocks noGrp="1"/>
+            <a:spLocks noGrp="true"/>
           </p:cNvSpPr>
           <p:nvPr>
             <p:ph type="body" sz="half" idx="2"/>
@@ -3383,35 +3228,35 @@
                 </a:solidFill>
               </a:defRPr>
             </a:lvl1pPr>
-            <a:lvl2pPr marL="457189" indent="0">
+            <a:lvl2pPr marL="457200" indent="0">
               <a:buNone/>
               <a:defRPr sz="1100"/>
             </a:lvl2pPr>
-            <a:lvl3pPr marL="914377" indent="0">
+            <a:lvl3pPr marL="914400" indent="0">
               <a:buNone/>
               <a:defRPr sz="1000"/>
             </a:lvl3pPr>
-            <a:lvl4pPr marL="1371566" indent="0">
+            <a:lvl4pPr marL="1371600" indent="0">
               <a:buNone/>
               <a:defRPr sz="900"/>
             </a:lvl4pPr>
-            <a:lvl5pPr marL="1828754" indent="0">
+            <a:lvl5pPr marL="1828800" indent="0">
               <a:buNone/>
               <a:defRPr sz="900"/>
             </a:lvl5pPr>
-            <a:lvl6pPr marL="2285943" indent="0">
+            <a:lvl6pPr marL="2286000" indent="0">
               <a:buNone/>
               <a:defRPr sz="900"/>
             </a:lvl6pPr>
-            <a:lvl7pPr marL="2743131" indent="0">
+            <a:lvl7pPr marL="2743200" indent="0">
               <a:buNone/>
               <a:defRPr sz="900"/>
             </a:lvl7pPr>
-            <a:lvl8pPr marL="3200320" indent="0">
+            <a:lvl8pPr marL="3200400" indent="0">
               <a:buNone/>
               <a:defRPr sz="900"/>
             </a:lvl8pPr>
-            <a:lvl9pPr marL="3657509" indent="0">
+            <a:lvl9pPr marL="3657600" indent="0">
               <a:buNone/>
               <a:defRPr sz="900"/>
             </a:lvl9pPr>
@@ -3422,6 +3267,7 @@
               <a:rPr lang="zh-CN" altLang="en-US"/>
               <a:t>单击此处编辑母版文本样式</a:t>
             </a:r>
+            <a:endParaRPr lang="zh-CN" altLang="en-US"/>
           </a:p>
         </p:txBody>
       </p:sp>
@@ -3429,7 +3275,7 @@
         <p:nvSpPr>
           <p:cNvPr id="5" name="Date Placeholder 4"/>
           <p:cNvSpPr>
-            <a:spLocks noGrp="1"/>
+            <a:spLocks noGrp="true"/>
           </p:cNvSpPr>
           <p:nvPr>
             <p:ph type="dt" sz="half" idx="10"/>
@@ -3453,7 +3299,6 @@
           <a:p>
             <a:fld id="{FA4629CD-B92E-4F2A-B6AE-412A1227B13B}" type="datetimeFigureOut">
               <a:rPr lang="zh-CN" altLang="en-US" smtClean="0"/>
-              <a:t>2020/12/23</a:t>
             </a:fld>
             <a:endParaRPr lang="zh-CN" altLang="en-US"/>
           </a:p>
@@ -3463,7 +3308,7 @@
         <p:nvSpPr>
           <p:cNvPr id="6" name="Footer Placeholder 5"/>
           <p:cNvSpPr>
-            <a:spLocks noGrp="1"/>
+            <a:spLocks noGrp="true"/>
           </p:cNvSpPr>
           <p:nvPr>
             <p:ph type="ftr" sz="quarter" idx="11"/>
@@ -3493,7 +3338,7 @@
         <p:nvSpPr>
           <p:cNvPr id="7" name="Slide Number Placeholder 6"/>
           <p:cNvSpPr>
-            <a:spLocks noGrp="1"/>
+            <a:spLocks noGrp="true"/>
           </p:cNvSpPr>
           <p:nvPr>
             <p:ph type="sldNum" sz="quarter" idx="12"/>
@@ -3517,18 +3362,12 @@
           <a:p>
             <a:fld id="{9755973C-F058-4453-9FA6-94DEAFD95B52}" type="slidenum">
               <a:rPr lang="zh-CN" altLang="en-US" smtClean="0"/>
-              <a:t>‹#›</a:t>
             </a:fld>
             <a:endParaRPr lang="zh-CN" altLang="en-US"/>
           </a:p>
         </p:txBody>
       </p:sp>
     </p:spTree>
-    <p:extLst>
-      <p:ext uri="{BB962C8B-B14F-4D97-AF65-F5344CB8AC3E}">
-        <p14:creationId xmlns:p14="http://schemas.microsoft.com/office/powerpoint/2010/main" val="2213674379"/>
-      </p:ext>
-    </p:extLst>
   </p:cSld>
   <p:clrMapOvr>
     <a:masterClrMapping/>
@@ -3541,7 +3380,7 @@
   <p:cSld>
     <p:bg>
       <p:bgPr>
-        <a:gradFill flip="none" rotWithShape="1">
+        <a:gradFill flip="none" rotWithShape="true">
           <a:gsLst>
             <a:gs pos="0">
               <a:srgbClr val="E1DFE2"/>
@@ -3555,7 +3394,7 @@
               <a:srgbClr val="E1DFE2"/>
             </a:gs>
           </a:gsLst>
-          <a:lin ang="0" scaled="1"/>
+          <a:lin ang="0" scaled="true"/>
           <a:tileRect/>
         </a:gradFill>
         <a:effectLst/>
@@ -3577,15 +3416,9 @@
       </p:grpSpPr>
       <p:sp>
         <p:nvSpPr>
-          <p:cNvPr id="16" name="Rectangle 6">
-            <a:extLst>
-              <a:ext uri="{FF2B5EF4-FFF2-40B4-BE49-F238E27FC236}">
-                <a16:creationId xmlns:a16="http://schemas.microsoft.com/office/drawing/2014/main" id="{D2BB52D3-7EE7-624D-A686-4D1AE1F2C90A}"/>
-              </a:ext>
-            </a:extLst>
-          </p:cNvPr>
+          <p:cNvPr id="16" name="Rectangle 6"/>
           <p:cNvSpPr>
-            <a:spLocks noChangeAspect="1"/>
+            <a:spLocks noChangeAspect="true"/>
           </p:cNvSpPr>
           <p:nvPr/>
         </p:nvSpPr>
@@ -3624,7 +3457,7 @@
         <p:nvSpPr>
           <p:cNvPr id="2" name="Title Placeholder 1"/>
           <p:cNvSpPr>
-            <a:spLocks noGrp="1"/>
+            <a:spLocks noGrp="true"/>
           </p:cNvSpPr>
           <p:nvPr>
             <p:ph type="title"/>
@@ -3657,7 +3490,7 @@
         <p:nvSpPr>
           <p:cNvPr id="3" name="Text Placeholder 2"/>
           <p:cNvSpPr>
-            <a:spLocks noGrp="1"/>
+            <a:spLocks noGrp="true"/>
           </p:cNvSpPr>
           <p:nvPr>
             <p:ph type="body" idx="1"/>
@@ -3683,6 +3516,7 @@
               <a:rPr lang="zh-CN" altLang="en-US"/>
               <a:t>单击此处编辑母版文本样式</a:t>
             </a:r>
+            <a:endParaRPr lang="zh-CN" altLang="en-US"/>
           </a:p>
           <a:p>
             <a:pPr lvl="1"/>
@@ -3690,6 +3524,7 @@
               <a:rPr lang="zh-CN" altLang="en-US"/>
               <a:t>二级</a:t>
             </a:r>
+            <a:endParaRPr lang="zh-CN" altLang="en-US"/>
           </a:p>
           <a:p>
             <a:pPr lvl="2"/>
@@ -3697,6 +3532,7 @@
               <a:rPr lang="zh-CN" altLang="en-US"/>
               <a:t>三级</a:t>
             </a:r>
+            <a:endParaRPr lang="zh-CN" altLang="en-US"/>
           </a:p>
           <a:p>
             <a:pPr lvl="3"/>
@@ -3704,6 +3540,7 @@
               <a:rPr lang="zh-CN" altLang="en-US"/>
               <a:t>四级</a:t>
             </a:r>
+            <a:endParaRPr lang="zh-CN" altLang="en-US"/>
           </a:p>
           <a:p>
             <a:pPr lvl="4"/>
@@ -3719,7 +3556,7 @@
         <p:nvSpPr>
           <p:cNvPr id="4" name="Date Placeholder 3"/>
           <p:cNvSpPr>
-            <a:spLocks noGrp="1"/>
+            <a:spLocks noGrp="true"/>
           </p:cNvSpPr>
           <p:nvPr>
             <p:ph type="dt" sz="half" idx="2"/>
@@ -3748,7 +3585,6 @@
           <a:p>
             <a:fld id="{FA4629CD-B92E-4F2A-B6AE-412A1227B13B}" type="datetimeFigureOut">
               <a:rPr lang="zh-CN" altLang="en-US" smtClean="0"/>
-              <a:t>2020/12/23</a:t>
             </a:fld>
             <a:endParaRPr lang="zh-CN" altLang="en-US"/>
           </a:p>
@@ -3758,7 +3594,7 @@
         <p:nvSpPr>
           <p:cNvPr id="5" name="Footer Placeholder 4"/>
           <p:cNvSpPr>
-            <a:spLocks noGrp="1"/>
+            <a:spLocks noGrp="true"/>
           </p:cNvSpPr>
           <p:nvPr>
             <p:ph type="ftr" sz="quarter" idx="3"/>
@@ -3793,7 +3629,7 @@
         <p:nvSpPr>
           <p:cNvPr id="6" name="Slide Number Placeholder 5"/>
           <p:cNvSpPr>
-            <a:spLocks noGrp="1"/>
+            <a:spLocks noGrp="true"/>
           </p:cNvSpPr>
           <p:nvPr>
             <p:ph type="sldNum" sz="quarter" idx="4"/>
@@ -3822,7 +3658,6 @@
           <a:p>
             <a:fld id="{9755973C-F058-4453-9FA6-94DEAFD95B52}" type="slidenum">
               <a:rPr lang="zh-CN" altLang="en-US" smtClean="0"/>
-              <a:t>‹#›</a:t>
             </a:fld>
             <a:endParaRPr lang="zh-CN" altLang="en-US"/>
           </a:p>
@@ -3830,15 +3665,9 @@
       </p:sp>
       <p:sp>
         <p:nvSpPr>
-          <p:cNvPr id="11" name="Rectangle 6">
-            <a:extLst>
-              <a:ext uri="{FF2B5EF4-FFF2-40B4-BE49-F238E27FC236}">
-                <a16:creationId xmlns:a16="http://schemas.microsoft.com/office/drawing/2014/main" id="{27018390-25F4-D64E-878B-24CA2E1122C5}"/>
-              </a:ext>
-            </a:extLst>
-          </p:cNvPr>
+          <p:cNvPr id="11" name="Rectangle 6"/>
           <p:cNvSpPr>
-            <a:spLocks noChangeAspect="1"/>
+            <a:spLocks noChangeAspect="true"/>
           </p:cNvSpPr>
           <p:nvPr/>
         </p:nvSpPr>
@@ -3875,20 +3704,14 @@
       </p:sp>
       <p:pic>
         <p:nvPicPr>
-          <p:cNvPr id="17" name="图片 16">
-            <a:extLst>
-              <a:ext uri="{FF2B5EF4-FFF2-40B4-BE49-F238E27FC236}">
-                <a16:creationId xmlns:a16="http://schemas.microsoft.com/office/drawing/2014/main" id="{CAF9D175-885C-1A49-B3DA-29DD434BF3A9}"/>
-              </a:ext>
-            </a:extLst>
-          </p:cNvPr>
+          <p:cNvPr id="17" name="图片 16"/>
           <p:cNvPicPr>
-            <a:picLocks noChangeAspect="1"/>
+            <a:picLocks noChangeAspect="true"/>
           </p:cNvPicPr>
           <p:nvPr/>
         </p:nvPicPr>
         <p:blipFill>
-          <a:blip r:embed="rId14">
+          <a:blip r:embed="rId13">
             <a:duotone>
               <a:schemeClr val="bg2">
                 <a:shade val="45000"/>
@@ -3896,7 +3719,6 @@
               </a:schemeClr>
               <a:prstClr val="white"/>
             </a:duotone>
-            <a:alphaModFix/>
             <a:lum bright="100000"/>
           </a:blip>
           <a:stretch>
@@ -3914,30 +3736,25 @@
         </p:spPr>
       </p:pic>
     </p:spTree>
-    <p:extLst>
-      <p:ext uri="{BB962C8B-B14F-4D97-AF65-F5344CB8AC3E}">
-        <p14:creationId xmlns:p14="http://schemas.microsoft.com/office/powerpoint/2010/main" val="2947225526"/>
-      </p:ext>
-    </p:extLst>
   </p:cSld>
   <p:clrMap bg1="lt1" tx1="dk1" bg2="lt2" tx2="dk2" accent1="accent1" accent2="accent2" accent3="accent3" accent4="accent4" accent5="accent5" accent6="accent6" hlink="hlink" folHlink="folHlink"/>
   <p:sldLayoutIdLst>
-    <p:sldLayoutId id="2147483661" r:id="rId1"/>
-    <p:sldLayoutId id="2147483662" r:id="rId2"/>
-    <p:sldLayoutId id="2147483663" r:id="rId3"/>
-    <p:sldLayoutId id="2147483664" r:id="rId4"/>
-    <p:sldLayoutId id="2147483665" r:id="rId5"/>
-    <p:sldLayoutId id="2147483666" r:id="rId6"/>
-    <p:sldLayoutId id="2147483667" r:id="rId7"/>
-    <p:sldLayoutId id="2147483668" r:id="rId8"/>
-    <p:sldLayoutId id="2147483669" r:id="rId9"/>
-    <p:sldLayoutId id="2147483670" r:id="rId10"/>
-    <p:sldLayoutId id="2147483671" r:id="rId11"/>
-    <p:sldLayoutId id="2147483672" r:id="rId12"/>
+    <p:sldLayoutId id="2147483649" r:id="rId1"/>
+    <p:sldLayoutId id="2147483650" r:id="rId2"/>
+    <p:sldLayoutId id="2147483651" r:id="rId3"/>
+    <p:sldLayoutId id="2147483652" r:id="rId4"/>
+    <p:sldLayoutId id="2147483653" r:id="rId5"/>
+    <p:sldLayoutId id="2147483654" r:id="rId6"/>
+    <p:sldLayoutId id="2147483655" r:id="rId7"/>
+    <p:sldLayoutId id="2147483656" r:id="rId8"/>
+    <p:sldLayoutId id="2147483657" r:id="rId9"/>
+    <p:sldLayoutId id="2147483658" r:id="rId10"/>
+    <p:sldLayoutId id="2147483659" r:id="rId11"/>
+    <p:sldLayoutId id="2147483660" r:id="rId12"/>
   </p:sldLayoutIdLst>
   <p:txStyles>
     <p:titleStyle>
-      <a:lvl1pPr algn="l" defTabSz="457189" rtl="0" eaLnBrk="1" latinLnBrk="0" hangingPunct="1">
+      <a:lvl1pPr algn="l" defTabSz="457200" rtl="0" eaLnBrk="1" latinLnBrk="0" hangingPunct="1">
         <a:spcBef>
           <a:spcPct val="0"/>
         </a:spcBef>
@@ -4009,7 +3826,7 @@
       </a:lvl9pPr>
     </p:titleStyle>
     <p:bodyStyle>
-      <a:lvl1pPr marL="305992" indent="-305992" algn="l" defTabSz="457189" rtl="0" eaLnBrk="1" latinLnBrk="0" hangingPunct="1">
+      <a:lvl1pPr marL="306070" indent="-306070" algn="l" defTabSz="457200" rtl="0" eaLnBrk="1" latinLnBrk="0" hangingPunct="1">
         <a:spcBef>
           <a:spcPct val="20000"/>
         </a:spcBef>
@@ -4031,7 +3848,7 @@
           <a:cs typeface="+mn-cs"/>
         </a:defRPr>
       </a:lvl1pPr>
-      <a:lvl2pPr marL="629984" indent="-305992" algn="l" defTabSz="457189" rtl="0" eaLnBrk="1" latinLnBrk="0" hangingPunct="1">
+      <a:lvl2pPr marL="629920" indent="-306070" algn="l" defTabSz="457200" rtl="0" eaLnBrk="1" latinLnBrk="0" hangingPunct="1">
         <a:spcBef>
           <a:spcPct val="20000"/>
         </a:spcBef>
@@ -4053,7 +3870,7 @@
           <a:cs typeface="+mn-cs"/>
         </a:defRPr>
       </a:lvl2pPr>
-      <a:lvl3pPr marL="899978" indent="-269993" algn="l" defTabSz="457189" rtl="0" eaLnBrk="1" latinLnBrk="0" hangingPunct="1">
+      <a:lvl3pPr marL="899795" indent="-269875" algn="l" defTabSz="457200" rtl="0" eaLnBrk="1" latinLnBrk="0" hangingPunct="1">
         <a:spcBef>
           <a:spcPct val="20000"/>
         </a:spcBef>
@@ -4075,7 +3892,7 @@
           <a:cs typeface="+mn-cs"/>
         </a:defRPr>
       </a:lvl3pPr>
-      <a:lvl4pPr marL="1241969" indent="-233994" algn="l" defTabSz="457189" rtl="0" eaLnBrk="1" latinLnBrk="0" hangingPunct="1">
+      <a:lvl4pPr marL="1242060" indent="-233680" algn="l" defTabSz="457200" rtl="0" eaLnBrk="1" latinLnBrk="0" hangingPunct="1">
         <a:spcBef>
           <a:spcPct val="20000"/>
         </a:spcBef>
@@ -4097,7 +3914,7 @@
           <a:cs typeface="+mn-cs"/>
         </a:defRPr>
       </a:lvl4pPr>
-      <a:lvl5pPr marL="1601960" indent="-233994" algn="l" defTabSz="457189" rtl="0" eaLnBrk="1" latinLnBrk="0" hangingPunct="1">
+      <a:lvl5pPr marL="1602105" indent="-233680" algn="l" defTabSz="457200" rtl="0" eaLnBrk="1" latinLnBrk="0" hangingPunct="1">
         <a:spcBef>
           <a:spcPct val="20000"/>
         </a:spcBef>
@@ -4119,7 +3936,7 @@
           <a:cs typeface="+mn-cs"/>
         </a:defRPr>
       </a:lvl5pPr>
-      <a:lvl6pPr marL="1899953" indent="-228594" algn="l" defTabSz="457189" rtl="0" eaLnBrk="1" latinLnBrk="0" hangingPunct="1">
+      <a:lvl6pPr marL="1899920" indent="-228600" algn="l" defTabSz="457200" rtl="0" eaLnBrk="1" latinLnBrk="0" hangingPunct="1">
         <a:spcBef>
           <a:spcPct val="20000"/>
         </a:spcBef>
@@ -4141,7 +3958,7 @@
           <a:cs typeface="+mn-cs"/>
         </a:defRPr>
       </a:lvl6pPr>
-      <a:lvl7pPr marL="2199945" indent="-228594" algn="l" defTabSz="457189" rtl="0" eaLnBrk="1" latinLnBrk="0" hangingPunct="1">
+      <a:lvl7pPr marL="2199640" indent="-228600" algn="l" defTabSz="457200" rtl="0" eaLnBrk="1" latinLnBrk="0" hangingPunct="1">
         <a:spcBef>
           <a:spcPct val="20000"/>
         </a:spcBef>
@@ -4163,7 +3980,7 @@
           <a:cs typeface="+mn-cs"/>
         </a:defRPr>
       </a:lvl7pPr>
-      <a:lvl8pPr marL="2499938" indent="-228594" algn="l" defTabSz="457189" rtl="0" eaLnBrk="1" latinLnBrk="0" hangingPunct="1">
+      <a:lvl8pPr marL="2499995" indent="-228600" algn="l" defTabSz="457200" rtl="0" eaLnBrk="1" latinLnBrk="0" hangingPunct="1">
         <a:spcBef>
           <a:spcPct val="20000"/>
         </a:spcBef>
@@ -4185,7 +4002,7 @@
           <a:cs typeface="+mn-cs"/>
         </a:defRPr>
       </a:lvl8pPr>
-      <a:lvl9pPr marL="2799930" indent="-228594" algn="l" defTabSz="457189" rtl="0" eaLnBrk="1" latinLnBrk="0" hangingPunct="1">
+      <a:lvl9pPr marL="2799715" indent="-228600" algn="l" defTabSz="457200" rtl="0" eaLnBrk="1" latinLnBrk="0" hangingPunct="1">
         <a:spcBef>
           <a:spcPct val="20000"/>
         </a:spcBef>
@@ -4212,7 +4029,7 @@
       <a:defPPr>
         <a:defRPr lang="en-US"/>
       </a:defPPr>
-      <a:lvl1pPr marL="0" algn="l" defTabSz="457189" rtl="0" eaLnBrk="1" latinLnBrk="0" hangingPunct="1">
+      <a:lvl1pPr marL="0" algn="l" defTabSz="457200" rtl="0" eaLnBrk="1" latinLnBrk="0" hangingPunct="1">
         <a:defRPr sz="1800" kern="1200">
           <a:solidFill>
             <a:schemeClr val="tx1"/>
@@ -4222,7 +4039,7 @@
           <a:cs typeface="+mn-cs"/>
         </a:defRPr>
       </a:lvl1pPr>
-      <a:lvl2pPr marL="457189" algn="l" defTabSz="457189" rtl="0" eaLnBrk="1" latinLnBrk="0" hangingPunct="1">
+      <a:lvl2pPr marL="457200" algn="l" defTabSz="457200" rtl="0" eaLnBrk="1" latinLnBrk="0" hangingPunct="1">
         <a:defRPr sz="1800" kern="1200">
           <a:solidFill>
             <a:schemeClr val="tx1"/>
@@ -4232,7 +4049,7 @@
           <a:cs typeface="+mn-cs"/>
         </a:defRPr>
       </a:lvl2pPr>
-      <a:lvl3pPr marL="914377" algn="l" defTabSz="457189" rtl="0" eaLnBrk="1" latinLnBrk="0" hangingPunct="1">
+      <a:lvl3pPr marL="914400" algn="l" defTabSz="457200" rtl="0" eaLnBrk="1" latinLnBrk="0" hangingPunct="1">
         <a:defRPr sz="1800" kern="1200">
           <a:solidFill>
             <a:schemeClr val="tx1"/>
@@ -4242,7 +4059,7 @@
           <a:cs typeface="+mn-cs"/>
         </a:defRPr>
       </a:lvl3pPr>
-      <a:lvl4pPr marL="1371566" algn="l" defTabSz="457189" rtl="0" eaLnBrk="1" latinLnBrk="0" hangingPunct="1">
+      <a:lvl4pPr marL="1371600" algn="l" defTabSz="457200" rtl="0" eaLnBrk="1" latinLnBrk="0" hangingPunct="1">
         <a:defRPr sz="1800" kern="1200">
           <a:solidFill>
             <a:schemeClr val="tx1"/>
@@ -4252,7 +4069,7 @@
           <a:cs typeface="+mn-cs"/>
         </a:defRPr>
       </a:lvl4pPr>
-      <a:lvl5pPr marL="1828754" algn="l" defTabSz="457189" rtl="0" eaLnBrk="1" latinLnBrk="0" hangingPunct="1">
+      <a:lvl5pPr marL="1828800" algn="l" defTabSz="457200" rtl="0" eaLnBrk="1" latinLnBrk="0" hangingPunct="1">
         <a:defRPr sz="1800" kern="1200">
           <a:solidFill>
             <a:schemeClr val="tx1"/>
@@ -4262,7 +4079,7 @@
           <a:cs typeface="+mn-cs"/>
         </a:defRPr>
       </a:lvl5pPr>
-      <a:lvl6pPr marL="2285943" algn="l" defTabSz="457189" rtl="0" eaLnBrk="1" latinLnBrk="0" hangingPunct="1">
+      <a:lvl6pPr marL="2286000" algn="l" defTabSz="457200" rtl="0" eaLnBrk="1" latinLnBrk="0" hangingPunct="1">
         <a:defRPr sz="1800" kern="1200">
           <a:solidFill>
             <a:schemeClr val="tx1"/>
@@ -4272,7 +4089,7 @@
           <a:cs typeface="+mn-cs"/>
         </a:defRPr>
       </a:lvl6pPr>
-      <a:lvl7pPr marL="2743131" algn="l" defTabSz="457189" rtl="0" eaLnBrk="1" latinLnBrk="0" hangingPunct="1">
+      <a:lvl7pPr marL="2743200" algn="l" defTabSz="457200" rtl="0" eaLnBrk="1" latinLnBrk="0" hangingPunct="1">
         <a:defRPr sz="1800" kern="1200">
           <a:solidFill>
             <a:schemeClr val="tx1"/>
@@ -4282,7 +4099,7 @@
           <a:cs typeface="+mn-cs"/>
         </a:defRPr>
       </a:lvl7pPr>
-      <a:lvl8pPr marL="3200320" algn="l" defTabSz="457189" rtl="0" eaLnBrk="1" latinLnBrk="0" hangingPunct="1">
+      <a:lvl8pPr marL="3200400" algn="l" defTabSz="457200" rtl="0" eaLnBrk="1" latinLnBrk="0" hangingPunct="1">
         <a:defRPr sz="1800" kern="1200">
           <a:solidFill>
             <a:schemeClr val="tx1"/>
@@ -4292,7 +4109,7 @@
           <a:cs typeface="+mn-cs"/>
         </a:defRPr>
       </a:lvl8pPr>
-      <a:lvl9pPr marL="3657509" algn="l" defTabSz="457189" rtl="0" eaLnBrk="1" latinLnBrk="0" hangingPunct="1">
+      <a:lvl9pPr marL="3657600" algn="l" defTabSz="457200" rtl="0" eaLnBrk="1" latinLnBrk="0" hangingPunct="1">
         <a:defRPr sz="1800" kern="1200">
           <a:solidFill>
             <a:schemeClr val="tx1"/>
@@ -4326,15 +4143,9 @@
       </p:grpSpPr>
       <p:sp>
         <p:nvSpPr>
-          <p:cNvPr id="2" name="标题 1">
-            <a:extLst>
-              <a:ext uri="{FF2B5EF4-FFF2-40B4-BE49-F238E27FC236}">
-                <a16:creationId xmlns:a16="http://schemas.microsoft.com/office/drawing/2014/main" id="{10A64FCA-DC01-4CF6-A2AF-0BAA3FE2B25A}"/>
-              </a:ext>
-            </a:extLst>
-          </p:cNvPr>
+          <p:cNvPr id="2" name="标题 1"/>
           <p:cNvSpPr>
-            <a:spLocks noGrp="1"/>
+            <a:spLocks noGrp="true"/>
           </p:cNvSpPr>
           <p:nvPr>
             <p:ph type="title"/>
@@ -4364,15 +4175,9 @@
       </p:sp>
       <p:sp>
         <p:nvSpPr>
-          <p:cNvPr id="3" name="副标题 2">
-            <a:extLst>
-              <a:ext uri="{FF2B5EF4-FFF2-40B4-BE49-F238E27FC236}">
-                <a16:creationId xmlns:a16="http://schemas.microsoft.com/office/drawing/2014/main" id="{27BF5787-6CD7-46D0-8DB9-D455407A3D5D}"/>
-              </a:ext>
-            </a:extLst>
-          </p:cNvPr>
+          <p:cNvPr id="3" name="副标题 2"/>
           <p:cNvSpPr>
-            <a:spLocks noGrp="1"/>
+            <a:spLocks noGrp="true"/>
           </p:cNvSpPr>
           <p:nvPr>
             <p:ph type="body" idx="1"/>
@@ -4396,15 +4201,13 @@
               </a:rPr>
               <a:t>Advanced network management 2020</a:t>
             </a:r>
+            <a:endParaRPr lang="en-US" altLang="zh-CN">
+              <a:ea typeface="华文中宋"/>
+            </a:endParaRPr>
           </a:p>
         </p:txBody>
       </p:sp>
     </p:spTree>
-    <p:extLst>
-      <p:ext uri="{BB962C8B-B14F-4D97-AF65-F5344CB8AC3E}">
-        <p14:creationId xmlns:p14="http://schemas.microsoft.com/office/powerpoint/2010/main" val="1844476865"/>
-      </p:ext>
-    </p:extLst>
   </p:cSld>
   <p:clrMapOvr>
     <a:masterClrMapping/>
@@ -4431,15 +4234,9 @@
       </p:grpSpPr>
       <p:sp>
         <p:nvSpPr>
-          <p:cNvPr id="2" name="标题 1">
-            <a:extLst>
-              <a:ext uri="{FF2B5EF4-FFF2-40B4-BE49-F238E27FC236}">
-                <a16:creationId xmlns:a16="http://schemas.microsoft.com/office/drawing/2014/main" id="{72CF7376-AE31-4ED0-A68E-08839DBE76E3}"/>
-              </a:ext>
-            </a:extLst>
-          </p:cNvPr>
+          <p:cNvPr id="2" name="标题 1"/>
           <p:cNvSpPr>
-            <a:spLocks noGrp="1"/>
+            <a:spLocks noGrp="true"/>
           </p:cNvSpPr>
           <p:nvPr>
             <p:ph type="title"/>
@@ -4460,13 +4257,7 @@
       </p:sp>
       <p:sp>
         <p:nvSpPr>
-          <p:cNvPr id="7" name="Rectangle: Rounded Corners 6">
-            <a:extLst>
-              <a:ext uri="{FF2B5EF4-FFF2-40B4-BE49-F238E27FC236}">
-                <a16:creationId xmlns:a16="http://schemas.microsoft.com/office/drawing/2014/main" id="{87AF1379-C7F9-49AB-B2AE-A763E53267D6}"/>
-              </a:ext>
-            </a:extLst>
-          </p:cNvPr>
+          <p:cNvPr id="7" name="Rectangle: Rounded Corners 6"/>
           <p:cNvSpPr/>
           <p:nvPr/>
         </p:nvSpPr>
@@ -4504,18 +4295,13 @@
               <a:rPr lang="en-US"/>
               <a:t>ESB Data</a:t>
             </a:r>
+            <a:endParaRPr lang="en-US"/>
           </a:p>
         </p:txBody>
       </p:sp>
       <p:cxnSp>
         <p:nvCxnSpPr>
-          <p:cNvPr id="8" name="Straight Arrow Connector 7">
-            <a:extLst>
-              <a:ext uri="{FF2B5EF4-FFF2-40B4-BE49-F238E27FC236}">
-                <a16:creationId xmlns:a16="http://schemas.microsoft.com/office/drawing/2014/main" id="{8410ACE0-464A-4AAD-8A22-961B506DC19B}"/>
-              </a:ext>
-            </a:extLst>
-          </p:cNvPr>
+          <p:cNvPr id="8" name="Straight Arrow Connector 7"/>
           <p:cNvCxnSpPr/>
           <p:nvPr/>
         </p:nvCxnSpPr>
@@ -4548,13 +4334,7 @@
       </p:cxnSp>
       <p:sp>
         <p:nvSpPr>
-          <p:cNvPr id="9" name="Rectangle: Rounded Corners 8">
-            <a:extLst>
-              <a:ext uri="{FF2B5EF4-FFF2-40B4-BE49-F238E27FC236}">
-                <a16:creationId xmlns:a16="http://schemas.microsoft.com/office/drawing/2014/main" id="{53FF7E67-6B44-4883-944F-A85125D29266}"/>
-              </a:ext>
-            </a:extLst>
-          </p:cNvPr>
+          <p:cNvPr id="9" name="Rectangle: Rounded Corners 8"/>
           <p:cNvSpPr/>
           <p:nvPr/>
         </p:nvSpPr>
@@ -4592,18 +4372,13 @@
               <a:rPr lang="en-US"/>
               <a:t>Trace Data</a:t>
             </a:r>
-          </a:p>
-        </p:txBody>
-      </p:sp>
-      <p:sp>
-        <p:nvSpPr>
-          <p:cNvPr id="10" name="Rectangle: Rounded Corners 9">
-            <a:extLst>
-              <a:ext uri="{FF2B5EF4-FFF2-40B4-BE49-F238E27FC236}">
-                <a16:creationId xmlns:a16="http://schemas.microsoft.com/office/drawing/2014/main" id="{A4B4FB09-18F6-4E2B-B5E7-9C231B7B5175}"/>
-              </a:ext>
-            </a:extLst>
-          </p:cNvPr>
+            <a:endParaRPr lang="en-US"/>
+          </a:p>
+        </p:txBody>
+      </p:sp>
+      <p:sp>
+        <p:nvSpPr>
+          <p:cNvPr id="10" name="Rectangle: Rounded Corners 9"/>
           <p:cNvSpPr/>
           <p:nvPr/>
         </p:nvSpPr>
@@ -4641,21 +4416,14 @@
               <a:rPr lang="en-US"/>
               <a:t>Node Localization</a:t>
             </a:r>
+            <a:endParaRPr lang="en-US"/>
           </a:p>
         </p:txBody>
       </p:sp>
       <p:cxnSp>
         <p:nvCxnSpPr>
-          <p:cNvPr id="11" name="Straight Arrow Connector 10">
-            <a:extLst>
-              <a:ext uri="{FF2B5EF4-FFF2-40B4-BE49-F238E27FC236}">
-                <a16:creationId xmlns:a16="http://schemas.microsoft.com/office/drawing/2014/main" id="{1F66F597-8F3A-49B6-BE84-D744429B0A21}"/>
-              </a:ext>
-            </a:extLst>
-          </p:cNvPr>
-          <p:cNvCxnSpPr>
-            <a:cxnSpLocks/>
-          </p:cNvCxnSpPr>
+          <p:cNvPr id="11" name="Straight Arrow Connector 10"/>
+          <p:cNvCxnSpPr/>
           <p:nvPr/>
         </p:nvCxnSpPr>
         <p:spPr>
@@ -4687,14 +4455,8 @@
       </p:cxnSp>
       <p:sp>
         <p:nvSpPr>
-          <p:cNvPr id="12" name="TextBox 11">
-            <a:extLst>
-              <a:ext uri="{FF2B5EF4-FFF2-40B4-BE49-F238E27FC236}">
-                <a16:creationId xmlns:a16="http://schemas.microsoft.com/office/drawing/2014/main" id="{7A7EF3C7-7098-4C98-9794-F49A46A65E67}"/>
-              </a:ext>
-            </a:extLst>
-          </p:cNvPr>
-          <p:cNvSpPr txBox="1"/>
+          <p:cNvPr id="12" name="TextBox 11"/>
+          <p:cNvSpPr txBox="true"/>
           <p:nvPr/>
         </p:nvSpPr>
         <p:spPr>
@@ -4708,10 +4470,7 @@
           <a:noFill/>
         </p:spPr>
         <p:txBody>
-          <a:bodyPr rot="0" spcFirstLastPara="0" vertOverflow="overflow" horzOverflow="overflow" vert="horz" wrap="square" lIns="91440" tIns="45720" rIns="91440" bIns="45720" numCol="1" spcCol="0" rtlCol="0" fromWordArt="0" anchor="t" anchorCtr="0" forceAA="0" compatLnSpc="1">
-            <a:prstTxWarp prst="textNoShape">
-              <a:avLst/>
-            </a:prstTxWarp>
+          <a:bodyPr rot="0" spcFirstLastPara="0" vertOverflow="overflow" horzOverflow="overflow" vert="horz" wrap="square" lIns="91440" tIns="45720" rIns="91440" bIns="45720" numCol="1" spcCol="0" rtlCol="0" fromWordArt="false" anchor="t" anchorCtr="false" forceAA="false" compatLnSpc="true">
             <a:spAutoFit/>
           </a:bodyPr>
           <a:lstStyle/>
@@ -4732,14 +4491,8 @@
       </p:sp>
       <p:sp>
         <p:nvSpPr>
-          <p:cNvPr id="13" name="TextBox 12">
-            <a:extLst>
-              <a:ext uri="{FF2B5EF4-FFF2-40B4-BE49-F238E27FC236}">
-                <a16:creationId xmlns:a16="http://schemas.microsoft.com/office/drawing/2014/main" id="{7651A24A-2F92-4BCE-AC7E-BC93CCAD681C}"/>
-              </a:ext>
-            </a:extLst>
-          </p:cNvPr>
-          <p:cNvSpPr txBox="1"/>
+          <p:cNvPr id="13" name="TextBox 12"/>
+          <p:cNvSpPr txBox="true"/>
           <p:nvPr/>
         </p:nvSpPr>
         <p:spPr>
@@ -4753,10 +4506,7 @@
           <a:noFill/>
         </p:spPr>
         <p:txBody>
-          <a:bodyPr rot="0" spcFirstLastPara="0" vertOverflow="overflow" horzOverflow="overflow" vert="horz" wrap="square" lIns="91440" tIns="45720" rIns="91440" bIns="45720" numCol="1" spcCol="0" rtlCol="0" fromWordArt="0" anchor="t" anchorCtr="0" forceAA="0" compatLnSpc="1">
-            <a:prstTxWarp prst="textNoShape">
-              <a:avLst/>
-            </a:prstTxWarp>
+          <a:bodyPr rot="0" spcFirstLastPara="0" vertOverflow="overflow" horzOverflow="overflow" vert="horz" wrap="square" lIns="91440" tIns="45720" rIns="91440" bIns="45720" numCol="1" spcCol="0" rtlCol="0" fromWordArt="false" anchor="t" anchorCtr="false" forceAA="false" compatLnSpc="true">
             <a:spAutoFit/>
           </a:bodyPr>
           <a:lstStyle/>
@@ -4776,13 +4526,7 @@
       </p:sp>
       <p:sp>
         <p:nvSpPr>
-          <p:cNvPr id="16" name="Rectangle: Rounded Corners 15">
-            <a:extLst>
-              <a:ext uri="{FF2B5EF4-FFF2-40B4-BE49-F238E27FC236}">
-                <a16:creationId xmlns:a16="http://schemas.microsoft.com/office/drawing/2014/main" id="{895F0D87-F353-4F38-9FE3-AE76865B3C29}"/>
-              </a:ext>
-            </a:extLst>
-          </p:cNvPr>
+          <p:cNvPr id="16" name="Rectangle: Rounded Corners 15"/>
           <p:cNvSpPr/>
           <p:nvPr/>
         </p:nvSpPr>
@@ -4820,25 +4564,18 @@
               <a:rPr lang="en-US"/>
               <a:t>Root Cause</a:t>
             </a:r>
+            <a:endParaRPr lang="en-US"/>
           </a:p>
         </p:txBody>
       </p:sp>
       <p:cxnSp>
         <p:nvCxnSpPr>
-          <p:cNvPr id="17" name="Straight Arrow Connector 16">
-            <a:extLst>
-              <a:ext uri="{FF2B5EF4-FFF2-40B4-BE49-F238E27FC236}">
-                <a16:creationId xmlns:a16="http://schemas.microsoft.com/office/drawing/2014/main" id="{05E13B6C-1EAB-48FB-AB94-FB5D81BCA1E3}"/>
-              </a:ext>
-            </a:extLst>
-          </p:cNvPr>
-          <p:cNvCxnSpPr>
-            <a:cxnSpLocks/>
-          </p:cNvCxnSpPr>
+          <p:cNvPr id="17" name="Straight Arrow Connector 16"/>
+          <p:cNvCxnSpPr/>
           <p:nvPr/>
         </p:nvCxnSpPr>
         <p:spPr>
-          <a:xfrm flipH="1">
+          <a:xfrm flipH="true">
             <a:off x="6595578" y="3130399"/>
             <a:ext cx="3807897" cy="1680212"/>
           </a:xfrm>
@@ -4866,14 +4603,8 @@
       </p:cxnSp>
       <p:sp>
         <p:nvSpPr>
-          <p:cNvPr id="18" name="TextBox 17">
-            <a:extLst>
-              <a:ext uri="{FF2B5EF4-FFF2-40B4-BE49-F238E27FC236}">
-                <a16:creationId xmlns:a16="http://schemas.microsoft.com/office/drawing/2014/main" id="{3C3275BD-250A-4DD9-8EE0-AA0F63604C83}"/>
-              </a:ext>
-            </a:extLst>
-          </p:cNvPr>
-          <p:cNvSpPr txBox="1"/>
+          <p:cNvPr id="18" name="TextBox 17"/>
+          <p:cNvSpPr txBox="true"/>
           <p:nvPr/>
         </p:nvSpPr>
         <p:spPr>
@@ -4887,10 +4618,7 @@
           <a:noFill/>
         </p:spPr>
         <p:txBody>
-          <a:bodyPr rot="0" spcFirstLastPara="0" vertOverflow="overflow" horzOverflow="overflow" vert="horz" wrap="square" lIns="91440" tIns="45720" rIns="91440" bIns="45720" numCol="1" spcCol="0" rtlCol="0" fromWordArt="0" anchor="t" anchorCtr="0" forceAA="0" compatLnSpc="1">
-            <a:prstTxWarp prst="textNoShape">
-              <a:avLst/>
-            </a:prstTxWarp>
+          <a:bodyPr rot="0" spcFirstLastPara="0" vertOverflow="overflow" horzOverflow="overflow" vert="horz" wrap="square" lIns="91440" tIns="45720" rIns="91440" bIns="45720" numCol="1" spcCol="0" rtlCol="0" fromWordArt="false" anchor="t" anchorCtr="false" forceAA="false" compatLnSpc="true">
             <a:spAutoFit/>
           </a:bodyPr>
           <a:lstStyle/>
@@ -4910,14 +4638,8 @@
       </p:sp>
       <p:sp>
         <p:nvSpPr>
-          <p:cNvPr id="19" name="TextBox 18">
-            <a:extLst>
-              <a:ext uri="{FF2B5EF4-FFF2-40B4-BE49-F238E27FC236}">
-                <a16:creationId xmlns:a16="http://schemas.microsoft.com/office/drawing/2014/main" id="{8FA40B04-FE2C-4FC4-AD27-76BABCD985B2}"/>
-              </a:ext>
-            </a:extLst>
-          </p:cNvPr>
-          <p:cNvSpPr txBox="1"/>
+          <p:cNvPr id="19" name="TextBox 18"/>
+          <p:cNvSpPr txBox="true"/>
           <p:nvPr/>
         </p:nvSpPr>
         <p:spPr>
@@ -4931,10 +4653,7 @@
           <a:noFill/>
         </p:spPr>
         <p:txBody>
-          <a:bodyPr rot="0" spcFirstLastPara="0" vertOverflow="overflow" horzOverflow="overflow" vert="horz" wrap="square" lIns="91440" tIns="45720" rIns="91440" bIns="45720" numCol="1" spcCol="0" rtlCol="0" fromWordArt="0" anchor="t" anchorCtr="0" forceAA="0" compatLnSpc="1">
-            <a:prstTxWarp prst="textNoShape">
-              <a:avLst/>
-            </a:prstTxWarp>
+          <a:bodyPr rot="0" spcFirstLastPara="0" vertOverflow="overflow" horzOverflow="overflow" vert="horz" wrap="square" lIns="91440" tIns="45720" rIns="91440" bIns="45720" numCol="1" spcCol="0" rtlCol="0" fromWordArt="false" anchor="t" anchorCtr="false" forceAA="false" compatLnSpc="true">
             <a:spAutoFit/>
           </a:bodyPr>
           <a:lstStyle/>
@@ -4955,14 +4674,8 @@
       </p:sp>
       <p:sp>
         <p:nvSpPr>
-          <p:cNvPr id="20" name="TextBox 19">
-            <a:extLst>
-              <a:ext uri="{FF2B5EF4-FFF2-40B4-BE49-F238E27FC236}">
-                <a16:creationId xmlns:a16="http://schemas.microsoft.com/office/drawing/2014/main" id="{58F7E665-2804-4BB6-A008-6275D16A71BD}"/>
-              </a:ext>
-            </a:extLst>
-          </p:cNvPr>
-          <p:cNvSpPr txBox="1"/>
+          <p:cNvPr id="20" name="TextBox 19"/>
+          <p:cNvSpPr txBox="true"/>
           <p:nvPr/>
         </p:nvSpPr>
         <p:spPr>
@@ -4976,10 +4689,7 @@
           <a:noFill/>
         </p:spPr>
         <p:txBody>
-          <a:bodyPr rot="0" spcFirstLastPara="0" vertOverflow="overflow" horzOverflow="overflow" vert="horz" wrap="square" lIns="91440" tIns="45720" rIns="91440" bIns="45720" numCol="1" spcCol="0" rtlCol="0" fromWordArt="0" anchor="t" anchorCtr="0" forceAA="0" compatLnSpc="1">
-            <a:prstTxWarp prst="textNoShape">
-              <a:avLst/>
-            </a:prstTxWarp>
+          <a:bodyPr rot="0" spcFirstLastPara="0" vertOverflow="overflow" horzOverflow="overflow" vert="horz" wrap="square" lIns="91440" tIns="45720" rIns="91440" bIns="45720" numCol="1" spcCol="0" rtlCol="0" fromWordArt="false" anchor="t" anchorCtr="false" forceAA="false" compatLnSpc="true">
             <a:spAutoFit/>
           </a:bodyPr>
           <a:lstStyle/>
@@ -5000,14 +4710,8 @@
       </p:sp>
       <p:sp>
         <p:nvSpPr>
-          <p:cNvPr id="21" name="TextBox 20">
-            <a:extLst>
-              <a:ext uri="{FF2B5EF4-FFF2-40B4-BE49-F238E27FC236}">
-                <a16:creationId xmlns:a16="http://schemas.microsoft.com/office/drawing/2014/main" id="{BE8CB8B3-FC5E-4BB9-97FC-74EE46DC64D6}"/>
-              </a:ext>
-            </a:extLst>
-          </p:cNvPr>
-          <p:cNvSpPr txBox="1"/>
+          <p:cNvPr id="21" name="TextBox 20"/>
+          <p:cNvSpPr txBox="true"/>
           <p:nvPr/>
         </p:nvSpPr>
         <p:spPr>
@@ -5021,10 +4725,7 @@
           <a:noFill/>
         </p:spPr>
         <p:txBody>
-          <a:bodyPr rot="0" spcFirstLastPara="0" vertOverflow="overflow" horzOverflow="overflow" vert="horz" wrap="square" lIns="91440" tIns="45720" rIns="91440" bIns="45720" numCol="1" spcCol="0" rtlCol="0" fromWordArt="0" anchor="t" anchorCtr="0" forceAA="0" compatLnSpc="1">
-            <a:prstTxWarp prst="textNoShape">
-              <a:avLst/>
-            </a:prstTxWarp>
+          <a:bodyPr rot="0" spcFirstLastPara="0" vertOverflow="overflow" horzOverflow="overflow" vert="horz" wrap="square" lIns="91440" tIns="45720" rIns="91440" bIns="45720" numCol="1" spcCol="0" rtlCol="0" fromWordArt="false" anchor="t" anchorCtr="false" forceAA="false" compatLnSpc="true">
             <a:spAutoFit/>
           </a:bodyPr>
           <a:lstStyle/>
@@ -5047,11 +4748,6 @@
         </p:txBody>
       </p:sp>
     </p:spTree>
-    <p:extLst>
-      <p:ext uri="{BB962C8B-B14F-4D97-AF65-F5344CB8AC3E}">
-        <p14:creationId xmlns:p14="http://schemas.microsoft.com/office/powerpoint/2010/main" val="1883319320"/>
-      </p:ext>
-    </p:extLst>
   </p:cSld>
   <p:clrMapOvr>
     <a:masterClrMapping/>
@@ -5078,15 +4774,9 @@
       </p:grpSpPr>
       <p:sp>
         <p:nvSpPr>
-          <p:cNvPr id="3" name="内容占位符 2">
-            <a:extLst>
-              <a:ext uri="{FF2B5EF4-FFF2-40B4-BE49-F238E27FC236}">
-                <a16:creationId xmlns:a16="http://schemas.microsoft.com/office/drawing/2014/main" id="{81E5C317-AB9B-4A1B-9CB5-F8DF5DF761B6}"/>
-              </a:ext>
-            </a:extLst>
-          </p:cNvPr>
+          <p:cNvPr id="3" name="内容占位符 2"/>
           <p:cNvSpPr>
-            <a:spLocks noGrp="1"/>
+            <a:spLocks noGrp="true"/>
           </p:cNvSpPr>
           <p:nvPr>
             <p:ph idx="1"/>
@@ -5115,6 +4805,7 @@
               <a:rPr lang="en-US" altLang="zh-CN"/>
               <a:t>Extreme Studentized Deviate (ESD) Anomaly Detection</a:t>
             </a:r>
+            <a:endParaRPr lang="en-US" altLang="zh-CN"/>
           </a:p>
           <a:p>
             <a:pPr marL="0" indent="0">
@@ -5124,6 +4815,7 @@
               <a:rPr lang="en-US" altLang="zh-CN"/>
               <a:t>	</a:t>
             </a:r>
+            <a:endParaRPr lang="en-US" altLang="zh-CN"/>
           </a:p>
           <a:p>
             <a:pPr marL="0" indent="0">
@@ -5155,6 +4847,7 @@
               <a:rPr lang="en-US" altLang="zh-CN"/>
               <a:t>Compute for anomaly score</a:t>
             </a:r>
+            <a:endParaRPr lang="en-US" altLang="zh-CN"/>
           </a:p>
           <a:p>
             <a:pPr marL="305435" indent="-305435"/>
@@ -5172,15 +4865,9 @@
       </p:sp>
       <p:sp>
         <p:nvSpPr>
-          <p:cNvPr id="2" name="标题 1">
-            <a:extLst>
-              <a:ext uri="{FF2B5EF4-FFF2-40B4-BE49-F238E27FC236}">
-                <a16:creationId xmlns:a16="http://schemas.microsoft.com/office/drawing/2014/main" id="{71125DA3-DECF-4976-A407-CFA714B77FD0}"/>
-              </a:ext>
-            </a:extLst>
-          </p:cNvPr>
+          <p:cNvPr id="2" name="标题 1"/>
           <p:cNvSpPr>
-            <a:spLocks noGrp="1"/>
+            <a:spLocks noGrp="true"/>
           </p:cNvSpPr>
           <p:nvPr>
             <p:ph type="title"/>
@@ -5199,18 +4886,12 @@
           </a:p>
         </p:txBody>
       </p:sp>
-      <mc:AlternateContent xmlns:mc="http://schemas.openxmlformats.org/markup-compatibility/2006" xmlns:a14="http://schemas.microsoft.com/office/drawing/2010/main">
-        <mc:Choice Requires="a14">
+      <mc:AlternateContent xmlns:mc="http://schemas.openxmlformats.org/markup-compatibility/2006">
+        <mc:Choice xmlns:a14="http://schemas.microsoft.com/office/drawing/2010/main" Requires="a14">
           <p:sp>
             <p:nvSpPr>
-              <p:cNvPr id="8" name="文本框 7">
-                <a:extLst>
-                  <a:ext uri="{FF2B5EF4-FFF2-40B4-BE49-F238E27FC236}">
-                    <a16:creationId xmlns:a16="http://schemas.microsoft.com/office/drawing/2014/main" id="{8D21AA46-7D27-4113-A841-06364CE89592}"/>
-                  </a:ext>
-                </a:extLst>
-              </p:cNvPr>
-              <p:cNvSpPr txBox="1"/>
+              <p:cNvPr id="8" name="文本框 7"/>
+              <p:cNvSpPr txBox="true"/>
               <p:nvPr/>
             </p:nvSpPr>
             <p:spPr>
@@ -5229,7 +4910,6 @@
               </a:bodyPr>
               <a:lstStyle/>
               <a:p>
-                <a:pPr/>
                 <a14:m>
                   <m:oMathPara xmlns:m="http://schemas.openxmlformats.org/officeDocument/2006/math">
                     <m:oMathParaPr>
@@ -5394,18 +5074,12 @@
             </p:txBody>
           </p:sp>
         </mc:Choice>
-        <mc:Fallback xmlns="">
+        <mc:Fallback>
           <p:sp>
             <p:nvSpPr>
-              <p:cNvPr id="8" name="文本框 7">
-                <a:extLst>
-                  <a:ext uri="{FF2B5EF4-FFF2-40B4-BE49-F238E27FC236}">
-                    <a16:creationId xmlns:a16="http://schemas.microsoft.com/office/drawing/2014/main" id="{8D21AA46-7D27-4113-A841-06364CE89592}"/>
-                  </a:ext>
-                </a:extLst>
-              </p:cNvPr>
-              <p:cNvSpPr txBox="1">
-                <a:spLocks noRot="1" noChangeAspect="1" noMove="1" noResize="1" noEditPoints="1" noAdjustHandles="1" noChangeArrowheads="1" noChangeShapeType="1" noTextEdit="1"/>
+              <p:cNvPr id="8" name="文本框 7"/>
+              <p:cNvSpPr txBox="true">
+                <a:spLocks noRot="true" noChangeAspect="true" noMove="true" noResize="true" noEditPoints="true" noAdjustHandles="true" noChangeArrowheads="true" noChangeShapeType="true" noTextEdit="true"/>
               </p:cNvSpPr>
               <p:nvPr/>
             </p:nvSpPr>
@@ -5417,10 +5091,10 @@
               <a:prstGeom prst="rect">
                 <a:avLst/>
               </a:prstGeom>
-              <a:blipFill>
-                <a:blip r:embed="rId2"/>
+              <a:blipFill rotWithShape="true">
+                <a:blip r:embed="rId1"/>
                 <a:stretch>
-                  <a:fillRect/>
+                  <a:fillRect l="-1" t="-72" r="9" b="26"/>
                 </a:stretch>
               </a:blipFill>
             </p:spPr>
@@ -5429,7 +5103,7 @@
               <a:lstStyle/>
               <a:p>
                 <a:r>
-                  <a:rPr lang="en-US">
+                  <a:rPr lang="en-US" altLang="en-US">
                     <a:noFill/>
                   </a:rPr>
                   <a:t> </a:t>
@@ -5441,28 +5115,24 @@
       </mc:AlternateContent>
       <p:pic>
         <p:nvPicPr>
-          <p:cNvPr id="10" name="图片 9" descr="图片包含 图形用户界面&#10;&#10;描述已自动生成">
-            <a:extLst>
-              <a:ext uri="{FF2B5EF4-FFF2-40B4-BE49-F238E27FC236}">
-                <a16:creationId xmlns:a16="http://schemas.microsoft.com/office/drawing/2014/main" id="{B6F610EF-BA89-46CA-A0C0-4CF69F7121A6}"/>
-              </a:ext>
-            </a:extLst>
-          </p:cNvPr>
+          <p:cNvPr id="10" name="图片 9" descr="图片包含 图形用户界面&#10;&#10;描述已自动生成"/>
           <p:cNvPicPr>
-            <a:picLocks noChangeAspect="1"/>
+            <a:picLocks noChangeAspect="true"/>
           </p:cNvPicPr>
           <p:nvPr/>
         </p:nvPicPr>
-        <p:blipFill rotWithShape="1">
-          <a:blip r:embed="rId3">
+        <p:blipFill rotWithShape="true">
+          <a:blip r:embed="rId2">
             <a:extLst>
               <a:ext uri="{28A0092B-C50C-407E-A947-70E740481C1C}">
-                <a14:useLocalDpi xmlns:a14="http://schemas.microsoft.com/office/drawing/2010/main" val="0"/>
+                <a14:useLocalDpi xmlns:a14="http://schemas.microsoft.com/office/drawing/2010/main" val="false"/>
               </a:ext>
             </a:extLst>
           </a:blip>
           <a:srcRect l="1567" t="1391" r="1623" b="1515"/>
-          <a:stretch/>
+          <a:stretch>
+            <a:fillRect/>
+          </a:stretch>
         </p:blipFill>
         <p:spPr>
           <a:xfrm>
@@ -5474,18 +5144,12 @@
           </a:prstGeom>
         </p:spPr>
       </p:pic>
-      <mc:AlternateContent xmlns:mc="http://schemas.openxmlformats.org/markup-compatibility/2006" xmlns:a14="http://schemas.microsoft.com/office/drawing/2010/main">
-        <mc:Choice Requires="a14">
+      <mc:AlternateContent xmlns:mc="http://schemas.openxmlformats.org/markup-compatibility/2006">
+        <mc:Choice xmlns:a14="http://schemas.microsoft.com/office/drawing/2010/main" Requires="a14">
           <p:sp>
             <p:nvSpPr>
-              <p:cNvPr id="12" name="文本框 11">
-                <a:extLst>
-                  <a:ext uri="{FF2B5EF4-FFF2-40B4-BE49-F238E27FC236}">
-                    <a16:creationId xmlns:a16="http://schemas.microsoft.com/office/drawing/2014/main" id="{8C6C3F4B-E605-4950-8679-DCDAD9306355}"/>
-                  </a:ext>
-                </a:extLst>
-              </p:cNvPr>
-              <p:cNvSpPr txBox="1"/>
+              <p:cNvPr id="12" name="文本框 11"/>
+              <p:cNvSpPr txBox="true"/>
               <p:nvPr/>
             </p:nvSpPr>
             <p:spPr>
@@ -5504,7 +5168,6 @@
               </a:bodyPr>
               <a:lstStyle/>
               <a:p>
-                <a:pPr/>
                 <a14:m>
                   <m:oMathPara xmlns:m="http://schemas.openxmlformats.org/officeDocument/2006/math">
                     <m:oMathParaPr>
@@ -5649,7 +5312,19 @@
                         <a:rPr lang="zh-CN" altLang="en-US" i="0">
                           <a:latin typeface="Cambria Math" panose="02040503050406030204" pitchFamily="18" charset="0"/>
                         </a:rPr>
-                        <m:t> 1≤</m:t>
+                        <m:t> </m:t>
+                      </m:r>
+                      <m:r>
+                        <a:rPr lang="zh-CN" altLang="en-US" i="0">
+                          <a:latin typeface="Cambria Math" panose="02040503050406030204" pitchFamily="18" charset="0"/>
+                        </a:rPr>
+                        <m:t>1</m:t>
+                      </m:r>
+                      <m:r>
+                        <a:rPr lang="zh-CN" altLang="en-US" i="0">
+                          <a:latin typeface="Cambria Math" panose="02040503050406030204" pitchFamily="18" charset="0"/>
+                        </a:rPr>
+                        <m:t>≤</m:t>
                       </m:r>
                       <m:r>
                         <a:rPr lang="zh-CN" altLang="en-US" i="1">
@@ -5677,18 +5352,12 @@
             </p:txBody>
           </p:sp>
         </mc:Choice>
-        <mc:Fallback xmlns="">
+        <mc:Fallback>
           <p:sp>
             <p:nvSpPr>
-              <p:cNvPr id="12" name="文本框 11">
-                <a:extLst>
-                  <a:ext uri="{FF2B5EF4-FFF2-40B4-BE49-F238E27FC236}">
-                    <a16:creationId xmlns:a16="http://schemas.microsoft.com/office/drawing/2014/main" id="{8C6C3F4B-E605-4950-8679-DCDAD9306355}"/>
-                  </a:ext>
-                </a:extLst>
-              </p:cNvPr>
-              <p:cNvSpPr txBox="1">
-                <a:spLocks noRot="1" noChangeAspect="1" noMove="1" noResize="1" noEditPoints="1" noAdjustHandles="1" noChangeArrowheads="1" noChangeShapeType="1" noTextEdit="1"/>
+              <p:cNvPr id="12" name="文本框 11"/>
+              <p:cNvSpPr txBox="true">
+                <a:spLocks noRot="true" noChangeAspect="true" noMove="true" noResize="true" noEditPoints="true" noAdjustHandles="true" noChangeArrowheads="true" noChangeShapeType="true" noTextEdit="true"/>
               </p:cNvSpPr>
               <p:nvPr/>
             </p:nvSpPr>
@@ -5700,10 +5369,10 @@
               <a:prstGeom prst="rect">
                 <a:avLst/>
               </a:prstGeom>
-              <a:blipFill>
-                <a:blip r:embed="rId4"/>
+              <a:blipFill rotWithShape="true">
+                <a:blip r:embed="rId3"/>
                 <a:stretch>
-                  <a:fillRect/>
+                  <a:fillRect t="-52" r="1" b="32"/>
                 </a:stretch>
               </a:blipFill>
             </p:spPr>
@@ -5712,7 +5381,7 @@
               <a:lstStyle/>
               <a:p>
                 <a:r>
-                  <a:rPr lang="en-US">
+                  <a:rPr lang="en-US" altLang="en-US">
                     <a:noFill/>
                   </a:rPr>
                   <a:t> </a:t>
@@ -5722,18 +5391,12 @@
           </p:sp>
         </mc:Fallback>
       </mc:AlternateContent>
-      <mc:AlternateContent xmlns:mc="http://schemas.openxmlformats.org/markup-compatibility/2006" xmlns:a14="http://schemas.microsoft.com/office/drawing/2010/main">
-        <mc:Choice Requires="a14">
+      <mc:AlternateContent xmlns:mc="http://schemas.openxmlformats.org/markup-compatibility/2006">
+        <mc:Choice xmlns:a14="http://schemas.microsoft.com/office/drawing/2010/main" Requires="a14">
           <p:sp>
             <p:nvSpPr>
-              <p:cNvPr id="14" name="文本框 13">
-                <a:extLst>
-                  <a:ext uri="{FF2B5EF4-FFF2-40B4-BE49-F238E27FC236}">
-                    <a16:creationId xmlns:a16="http://schemas.microsoft.com/office/drawing/2014/main" id="{B23A5EAB-75AD-4E4D-A516-5E484D9C9864}"/>
-                  </a:ext>
-                </a:extLst>
-              </p:cNvPr>
-              <p:cNvSpPr txBox="1"/>
+              <p:cNvPr id="14" name="文本框 13"/>
+              <p:cNvSpPr txBox="true"/>
               <p:nvPr/>
             </p:nvSpPr>
             <p:spPr>
@@ -5752,7 +5415,6 @@
               </a:bodyPr>
               <a:lstStyle/>
               <a:p>
-                <a:pPr/>
                 <a14:m>
                   <m:oMathPara xmlns:m="http://schemas.openxmlformats.org/officeDocument/2006/math">
                     <m:oMathParaPr>
@@ -5900,7 +5562,13 @@
                                 <a:rPr lang="zh-CN" altLang="en-US" i="0">
                                   <a:latin typeface="Cambria Math" panose="02040503050406030204" pitchFamily="18" charset="0"/>
                                 </a:rPr>
-                                <m:t>−1</m:t>
+                                <m:t>−</m:t>
+                              </m:r>
+                              <m:r>
+                                <a:rPr lang="zh-CN" altLang="en-US" i="0">
+                                  <a:latin typeface="Cambria Math" panose="02040503050406030204" pitchFamily="18" charset="0"/>
+                                </a:rPr>
+                                <m:t>1</m:t>
                               </m:r>
                             </m:sub>
                           </m:sSub>
@@ -5954,7 +5622,19 @@
                                     <a:rPr lang="zh-CN" altLang="en-US" i="0">
                                       <a:latin typeface="Cambria Math" panose="02040503050406030204" pitchFamily="18" charset="0"/>
                                     </a:rPr>
-                                    <m:t>−1+</m:t>
+                                    <m:t>−</m:t>
+                                  </m:r>
+                                  <m:r>
+                                    <a:rPr lang="zh-CN" altLang="en-US" i="0">
+                                      <a:latin typeface="Cambria Math" panose="02040503050406030204" pitchFamily="18" charset="0"/>
+                                    </a:rPr>
+                                    <m:t>1</m:t>
+                                  </m:r>
+                                  <m:r>
+                                    <a:rPr lang="zh-CN" altLang="en-US" i="0">
+                                      <a:latin typeface="Cambria Math" panose="02040503050406030204" pitchFamily="18" charset="0"/>
+                                    </a:rPr>
+                                    <m:t>+</m:t>
                                   </m:r>
                                   <m:sSubSup>
                                     <m:sSubSupPr>
@@ -6010,7 +5690,13 @@
                                         <a:rPr lang="zh-CN" altLang="en-US" i="0">
                                           <a:latin typeface="Cambria Math" panose="02040503050406030204" pitchFamily="18" charset="0"/>
                                         </a:rPr>
-                                        <m:t>−1</m:t>
+                                        <m:t>−</m:t>
+                                      </m:r>
+                                      <m:r>
+                                        <a:rPr lang="zh-CN" altLang="en-US" i="0">
+                                          <a:latin typeface="Cambria Math" panose="02040503050406030204" pitchFamily="18" charset="0"/>
+                                        </a:rPr>
+                                        <m:t>1</m:t>
                                       </m:r>
                                     </m:sub>
                                     <m:sup>
@@ -6058,7 +5744,13 @@
                                     <a:rPr lang="zh-CN" altLang="en-US" i="0">
                                       <a:latin typeface="Cambria Math" panose="02040503050406030204" pitchFamily="18" charset="0"/>
                                     </a:rPr>
-                                    <m:t>+1</m:t>
+                                    <m:t>+</m:t>
+                                  </m:r>
+                                  <m:r>
+                                    <a:rPr lang="zh-CN" altLang="en-US" i="0">
+                                      <a:latin typeface="Cambria Math" panose="02040503050406030204" pitchFamily="18" charset="0"/>
+                                    </a:rPr>
+                                    <m:t>1</m:t>
                                   </m:r>
                                 </m:e>
                               </m:d>
@@ -6070,7 +5762,19 @@
                         <a:rPr lang="zh-CN" altLang="en-US" i="0">
                           <a:latin typeface="Cambria Math" panose="02040503050406030204" pitchFamily="18" charset="0"/>
                         </a:rPr>
-                        <m:t>, 1≤</m:t>
+                        <m:t>, </m:t>
+                      </m:r>
+                      <m:r>
+                        <a:rPr lang="zh-CN" altLang="en-US" i="0">
+                          <a:latin typeface="Cambria Math" panose="02040503050406030204" pitchFamily="18" charset="0"/>
+                        </a:rPr>
+                        <m:t>1</m:t>
+                      </m:r>
+                      <m:r>
+                        <a:rPr lang="zh-CN" altLang="en-US" i="0">
+                          <a:latin typeface="Cambria Math" panose="02040503050406030204" pitchFamily="18" charset="0"/>
+                        </a:rPr>
+                        <m:t>≤</m:t>
                       </m:r>
                       <m:r>
                         <a:rPr lang="zh-CN" altLang="en-US" i="1">
@@ -6098,18 +5802,12 @@
             </p:txBody>
           </p:sp>
         </mc:Choice>
-        <mc:Fallback xmlns="">
+        <mc:Fallback>
           <p:sp>
             <p:nvSpPr>
-              <p:cNvPr id="14" name="文本框 13">
-                <a:extLst>
-                  <a:ext uri="{FF2B5EF4-FFF2-40B4-BE49-F238E27FC236}">
-                    <a16:creationId xmlns:a16="http://schemas.microsoft.com/office/drawing/2014/main" id="{B23A5EAB-75AD-4E4D-A516-5E484D9C9864}"/>
-                  </a:ext>
-                </a:extLst>
-              </p:cNvPr>
-              <p:cNvSpPr txBox="1">
-                <a:spLocks noRot="1" noChangeAspect="1" noMove="1" noResize="1" noEditPoints="1" noAdjustHandles="1" noChangeArrowheads="1" noChangeShapeType="1" noTextEdit="1"/>
+              <p:cNvPr id="14" name="文本框 13"/>
+              <p:cNvSpPr txBox="true">
+                <a:spLocks noRot="true" noChangeAspect="true" noMove="true" noResize="true" noEditPoints="true" noAdjustHandles="true" noChangeArrowheads="true" noChangeShapeType="true" noTextEdit="true"/>
               </p:cNvSpPr>
               <p:nvPr/>
             </p:nvSpPr>
@@ -6121,10 +5819,10 @@
               <a:prstGeom prst="rect">
                 <a:avLst/>
               </a:prstGeom>
-              <a:blipFill>
-                <a:blip r:embed="rId5"/>
+              <a:blipFill rotWithShape="true">
+                <a:blip r:embed="rId4"/>
                 <a:stretch>
-                  <a:fillRect/>
+                  <a:fillRect l="-8" t="-13" r="10" b="17"/>
                 </a:stretch>
               </a:blipFill>
             </p:spPr>
@@ -6133,7 +5831,7 @@
               <a:lstStyle/>
               <a:p>
                 <a:r>
-                  <a:rPr lang="en-US">
+                  <a:rPr lang="en-US" altLang="en-US">
                     <a:noFill/>
                   </a:rPr>
                   <a:t> </a:t>
@@ -6143,18 +5841,12 @@
           </p:sp>
         </mc:Fallback>
       </mc:AlternateContent>
-      <mc:AlternateContent xmlns:mc="http://schemas.openxmlformats.org/markup-compatibility/2006" xmlns:a14="http://schemas.microsoft.com/office/drawing/2010/main">
-        <mc:Choice Requires="a14">
+      <mc:AlternateContent xmlns:mc="http://schemas.openxmlformats.org/markup-compatibility/2006">
+        <mc:Choice xmlns:a14="http://schemas.microsoft.com/office/drawing/2010/main" Requires="a14">
           <p:sp>
             <p:nvSpPr>
-              <p:cNvPr id="16" name="文本框 15">
-                <a:extLst>
-                  <a:ext uri="{FF2B5EF4-FFF2-40B4-BE49-F238E27FC236}">
-                    <a16:creationId xmlns:a16="http://schemas.microsoft.com/office/drawing/2014/main" id="{CC44C1A6-DDFE-4D9A-812E-9158FB491946}"/>
-                  </a:ext>
-                </a:extLst>
-              </p:cNvPr>
-              <p:cNvSpPr txBox="1"/>
+              <p:cNvPr id="16" name="文本框 15"/>
+              <p:cNvSpPr txBox="true"/>
               <p:nvPr/>
             </p:nvSpPr>
             <p:spPr>
@@ -6173,7 +5865,6 @@
               </a:bodyPr>
               <a:lstStyle/>
               <a:p>
-                <a:pPr/>
                 <a14:m>
                   <m:oMathPara xmlns:m="http://schemas.openxmlformats.org/officeDocument/2006/math">
                     <m:oMathParaPr>
@@ -6296,18 +5987,12 @@
             </p:txBody>
           </p:sp>
         </mc:Choice>
-        <mc:Fallback xmlns="">
+        <mc:Fallback>
           <p:sp>
             <p:nvSpPr>
-              <p:cNvPr id="16" name="文本框 15">
-                <a:extLst>
-                  <a:ext uri="{FF2B5EF4-FFF2-40B4-BE49-F238E27FC236}">
-                    <a16:creationId xmlns:a16="http://schemas.microsoft.com/office/drawing/2014/main" id="{CC44C1A6-DDFE-4D9A-812E-9158FB491946}"/>
-                  </a:ext>
-                </a:extLst>
-              </p:cNvPr>
-              <p:cNvSpPr txBox="1">
-                <a:spLocks noRot="1" noChangeAspect="1" noMove="1" noResize="1" noEditPoints="1" noAdjustHandles="1" noChangeArrowheads="1" noChangeShapeType="1" noTextEdit="1"/>
+              <p:cNvPr id="16" name="文本框 15"/>
+              <p:cNvSpPr txBox="true">
+                <a:spLocks noRot="true" noChangeAspect="true" noMove="true" noResize="true" noEditPoints="true" noAdjustHandles="true" noChangeArrowheads="true" noChangeShapeType="true" noTextEdit="true"/>
               </p:cNvSpPr>
               <p:nvPr/>
             </p:nvSpPr>
@@ -6319,10 +6004,10 @@
               <a:prstGeom prst="rect">
                 <a:avLst/>
               </a:prstGeom>
-              <a:blipFill>
-                <a:blip r:embed="rId6"/>
+              <a:blipFill rotWithShape="true">
+                <a:blip r:embed="rId5"/>
                 <a:stretch>
-                  <a:fillRect/>
+                  <a:fillRect l="-8" t="-111" r="10" b="47"/>
                 </a:stretch>
               </a:blipFill>
             </p:spPr>
@@ -6331,7 +6016,7 @@
               <a:lstStyle/>
               <a:p>
                 <a:r>
-                  <a:rPr lang="en-US">
+                  <a:rPr lang="en-US" altLang="en-US">
                     <a:noFill/>
                   </a:rPr>
                   <a:t> </a:t>
@@ -6342,11 +6027,6 @@
         </mc:Fallback>
       </mc:AlternateContent>
     </p:spTree>
-    <p:extLst>
-      <p:ext uri="{BB962C8B-B14F-4D97-AF65-F5344CB8AC3E}">
-        <p14:creationId xmlns:p14="http://schemas.microsoft.com/office/powerpoint/2010/main" val="163665813"/>
-      </p:ext>
-    </p:extLst>
   </p:cSld>
   <p:clrMapOvr>
     <a:masterClrMapping/>
@@ -6373,15 +6053,9 @@
       </p:grpSpPr>
       <p:sp>
         <p:nvSpPr>
-          <p:cNvPr id="2" name="内容占位符 1">
-            <a:extLst>
-              <a:ext uri="{FF2B5EF4-FFF2-40B4-BE49-F238E27FC236}">
-                <a16:creationId xmlns:a16="http://schemas.microsoft.com/office/drawing/2014/main" id="{755682D5-A682-4A5C-A623-18D9737A5032}"/>
-              </a:ext>
-            </a:extLst>
-          </p:cNvPr>
+          <p:cNvPr id="2" name="内容占位符 1"/>
           <p:cNvSpPr>
-            <a:spLocks noGrp="1"/>
+            <a:spLocks noGrp="true"/>
           </p:cNvSpPr>
           <p:nvPr>
             <p:ph idx="1"/>
@@ -6397,6 +6071,7 @@
               <a:rPr lang="en-US" altLang="zh-CN"/>
               <a:t>Construct Score Table</a:t>
             </a:r>
+            <a:endParaRPr lang="en-US" altLang="zh-CN"/>
           </a:p>
           <a:p>
             <a:pPr marL="305435" indent="-305435"/>
@@ -6404,6 +6079,7 @@
               <a:rPr lang="en-US" altLang="zh-CN"/>
               <a:t>Find for the most anomalous service</a:t>
             </a:r>
+            <a:endParaRPr lang="en-US" altLang="zh-CN"/>
           </a:p>
           <a:p>
             <a:pPr marL="305435" indent="-305435"/>
@@ -6419,15 +6095,9 @@
       </p:sp>
       <p:sp>
         <p:nvSpPr>
-          <p:cNvPr id="3" name="标题 2">
-            <a:extLst>
-              <a:ext uri="{FF2B5EF4-FFF2-40B4-BE49-F238E27FC236}">
-                <a16:creationId xmlns:a16="http://schemas.microsoft.com/office/drawing/2014/main" id="{5DE7016B-5E17-4A31-BFD0-B5AC2B3A7AC9}"/>
-              </a:ext>
-            </a:extLst>
-          </p:cNvPr>
+          <p:cNvPr id="3" name="标题 2"/>
           <p:cNvSpPr>
-            <a:spLocks noGrp="1"/>
+            <a:spLocks noGrp="true"/>
           </p:cNvSpPr>
           <p:nvPr>
             <p:ph type="title"/>
@@ -6447,11 +6117,6 @@
         </p:txBody>
       </p:sp>
     </p:spTree>
-    <p:extLst>
-      <p:ext uri="{BB962C8B-B14F-4D97-AF65-F5344CB8AC3E}">
-        <p14:creationId xmlns:p14="http://schemas.microsoft.com/office/powerpoint/2010/main" val="1810499056"/>
-      </p:ext>
-    </p:extLst>
   </p:cSld>
   <p:clrMapOvr>
     <a:masterClrMapping/>
@@ -6478,15 +6143,9 @@
       </p:grpSpPr>
       <p:sp>
         <p:nvSpPr>
-          <p:cNvPr id="3" name="Title 2">
-            <a:extLst>
-              <a:ext uri="{FF2B5EF4-FFF2-40B4-BE49-F238E27FC236}">
-                <a16:creationId xmlns:a16="http://schemas.microsoft.com/office/drawing/2014/main" id="{AE16EE8C-18B7-4869-9DB7-79A10138C44E}"/>
-              </a:ext>
-            </a:extLst>
-          </p:cNvPr>
+          <p:cNvPr id="3" name="Title 2"/>
           <p:cNvSpPr>
-            <a:spLocks noGrp="1"/>
+            <a:spLocks noGrp="true"/>
           </p:cNvSpPr>
           <p:nvPr>
             <p:ph type="title"/>
@@ -6501,21 +6160,14 @@
               <a:rPr lang="en-US"/>
               <a:t>Example Anomaly score table</a:t>
             </a:r>
-          </a:p>
-        </p:txBody>
-      </p:sp>
-      <p:sp>
-        <p:nvSpPr>
-          <p:cNvPr id="14" name="Title 2">
-            <a:extLst>
-              <a:ext uri="{FF2B5EF4-FFF2-40B4-BE49-F238E27FC236}">
-                <a16:creationId xmlns:a16="http://schemas.microsoft.com/office/drawing/2014/main" id="{417FC859-2612-4375-8967-FE1EC5BFBC0E}"/>
-              </a:ext>
-            </a:extLst>
-          </p:cNvPr>
-          <p:cNvSpPr txBox="1">
-            <a:spLocks/>
-          </p:cNvSpPr>
+            <a:endParaRPr lang="en-US"/>
+          </a:p>
+        </p:txBody>
+      </p:sp>
+      <p:sp>
+        <p:nvSpPr>
+          <p:cNvPr id="14" name="Title 2"/>
+          <p:cNvSpPr txBox="true"/>
           <p:nvPr/>
         </p:nvSpPr>
         <p:spPr>
@@ -6532,7 +6184,7 @@
             <a:normAutofit/>
           </a:bodyPr>
           <a:lstStyle>
-            <a:lvl1pPr algn="l" defTabSz="457189" rtl="0" eaLnBrk="1" latinLnBrk="0" hangingPunct="1">
+            <a:lvl1pPr algn="l" defTabSz="457200" rtl="0" eaLnBrk="1" latinLnBrk="0" hangingPunct="1">
               <a:spcBef>
                 <a:spcPct val="0"/>
               </a:spcBef>
@@ -6612,27 +6264,28 @@
               </a:rPr>
               <a:t>Send os_021 to host KPI detection</a:t>
             </a:r>
+            <a:endParaRPr lang="en-US">
+              <a:solidFill>
+                <a:schemeClr val="tx1"/>
+              </a:solidFill>
+            </a:endParaRPr>
           </a:p>
         </p:txBody>
       </p:sp>
       <p:pic>
         <p:nvPicPr>
-          <p:cNvPr id="15" name="Picture 15" descr="A screen shot of a computer&#10;&#10;Description automatically generated">
-            <a:extLst>
-              <a:ext uri="{FF2B5EF4-FFF2-40B4-BE49-F238E27FC236}">
-                <a16:creationId xmlns:a16="http://schemas.microsoft.com/office/drawing/2014/main" id="{38A759BA-A54B-4AF2-BFDD-5584B095BCAF}"/>
-              </a:ext>
-            </a:extLst>
-          </p:cNvPr>
+          <p:cNvPr id="15" name="Picture 15" descr="A screen shot of a computer&#10;&#10;Description automatically generated"/>
           <p:cNvPicPr>
-            <a:picLocks noChangeAspect="1"/>
+            <a:picLocks noChangeAspect="true"/>
           </p:cNvPicPr>
           <p:nvPr/>
         </p:nvPicPr>
-        <p:blipFill rotWithShape="1">
-          <a:blip r:embed="rId2"/>
+        <p:blipFill rotWithShape="true">
+          <a:blip r:embed="rId1"/>
           <a:srcRect t="1755" r="-53" b="6109"/>
-          <a:stretch/>
+          <a:stretch>
+            <a:fillRect/>
+          </a:stretch>
         </p:blipFill>
         <p:spPr>
           <a:xfrm>
@@ -6646,13 +6299,7 @@
       </p:pic>
       <p:cxnSp>
         <p:nvCxnSpPr>
-          <p:cNvPr id="16" name="Straight Arrow Connector 15">
-            <a:extLst>
-              <a:ext uri="{FF2B5EF4-FFF2-40B4-BE49-F238E27FC236}">
-                <a16:creationId xmlns:a16="http://schemas.microsoft.com/office/drawing/2014/main" id="{E482FA9C-E3EC-47AA-95E8-03A16FD43000}"/>
-              </a:ext>
-            </a:extLst>
-          </p:cNvPr>
+          <p:cNvPr id="16" name="Straight Arrow Connector 15"/>
           <p:cNvCxnSpPr/>
           <p:nvPr/>
         </p:nvCxnSpPr>
@@ -6687,20 +6334,12 @@
       </p:cxnSp>
       <p:cxnSp>
         <p:nvCxnSpPr>
-          <p:cNvPr id="17" name="Straight Arrow Connector 16">
-            <a:extLst>
-              <a:ext uri="{FF2B5EF4-FFF2-40B4-BE49-F238E27FC236}">
-                <a16:creationId xmlns:a16="http://schemas.microsoft.com/office/drawing/2014/main" id="{F62356DA-F865-43A0-BA50-79AAAA611FB7}"/>
-              </a:ext>
-            </a:extLst>
-          </p:cNvPr>
-          <p:cNvCxnSpPr>
-            <a:cxnSpLocks/>
-          </p:cNvCxnSpPr>
+          <p:cNvPr id="17" name="Straight Arrow Connector 16"/>
+          <p:cNvCxnSpPr/>
           <p:nvPr/>
         </p:nvCxnSpPr>
         <p:spPr>
-          <a:xfrm flipH="1" flipV="1">
+          <a:xfrm flipH="true" flipV="true">
             <a:off x="10107318" y="1777059"/>
             <a:ext cx="9408" cy="2427113"/>
           </a:xfrm>
@@ -6729,11 +6368,6 @@
         </p:style>
       </p:cxnSp>
     </p:spTree>
-    <p:extLst>
-      <p:ext uri="{BB962C8B-B14F-4D97-AF65-F5344CB8AC3E}">
-        <p14:creationId xmlns:p14="http://schemas.microsoft.com/office/powerpoint/2010/main" val="2118629650"/>
-      </p:ext>
-    </p:extLst>
   </p:cSld>
   <p:clrMapOvr>
     <a:masterClrMapping/>
@@ -6760,15 +6394,9 @@
       </p:grpSpPr>
       <p:sp>
         <p:nvSpPr>
-          <p:cNvPr id="2" name="标题 1">
-            <a:extLst>
-              <a:ext uri="{FF2B5EF4-FFF2-40B4-BE49-F238E27FC236}">
-                <a16:creationId xmlns:a16="http://schemas.microsoft.com/office/drawing/2014/main" id="{BFBABE2D-D4C4-4956-B9D2-DDF5B260AF05}"/>
-              </a:ext>
-            </a:extLst>
-          </p:cNvPr>
+          <p:cNvPr id="2" name="标题 1"/>
           <p:cNvSpPr>
-            <a:spLocks noGrp="1"/>
+            <a:spLocks noGrp="true"/>
           </p:cNvSpPr>
           <p:nvPr>
             <p:ph type="title"/>
@@ -6789,13 +6417,7 @@
       </p:sp>
       <p:sp>
         <p:nvSpPr>
-          <p:cNvPr id="4" name="Rectangle: Rounded Corners 3">
-            <a:extLst>
-              <a:ext uri="{FF2B5EF4-FFF2-40B4-BE49-F238E27FC236}">
-                <a16:creationId xmlns:a16="http://schemas.microsoft.com/office/drawing/2014/main" id="{5956D870-EBE1-4658-B32D-1ADDDE871EB7}"/>
-              </a:ext>
-            </a:extLst>
-          </p:cNvPr>
+          <p:cNvPr id="4" name="Rectangle: Rounded Corners 3"/>
           <p:cNvSpPr/>
           <p:nvPr/>
         </p:nvSpPr>
@@ -6837,18 +6459,13 @@
               <a:rPr lang="en-US"/>
               <a:t> of anomalous host</a:t>
             </a:r>
-          </a:p>
-        </p:txBody>
-      </p:sp>
-      <p:sp>
-        <p:nvSpPr>
-          <p:cNvPr id="7" name="Rectangle: Rounded Corners 6">
-            <a:extLst>
-              <a:ext uri="{FF2B5EF4-FFF2-40B4-BE49-F238E27FC236}">
-                <a16:creationId xmlns:a16="http://schemas.microsoft.com/office/drawing/2014/main" id="{6728ABDD-66BE-4442-9008-352254485409}"/>
-              </a:ext>
-            </a:extLst>
-          </p:cNvPr>
+            <a:endParaRPr lang="en-US"/>
+          </a:p>
+        </p:txBody>
+      </p:sp>
+      <p:sp>
+        <p:nvSpPr>
+          <p:cNvPr id="7" name="Rectangle: Rounded Corners 6"/>
           <p:cNvSpPr/>
           <p:nvPr/>
         </p:nvSpPr>
@@ -6886,19 +6503,14 @@
               <a:rPr lang="en-US"/>
               <a:t>KPI Data for Host</a:t>
             </a:r>
-          </a:p>
-        </p:txBody>
-      </p:sp>
-      <p:sp>
-        <p:nvSpPr>
-          <p:cNvPr id="5" name="TextBox 4">
-            <a:extLst>
-              <a:ext uri="{FF2B5EF4-FFF2-40B4-BE49-F238E27FC236}">
-                <a16:creationId xmlns:a16="http://schemas.microsoft.com/office/drawing/2014/main" id="{A9953A6B-74F3-4211-AEDA-1AF89CD10473}"/>
-              </a:ext>
-            </a:extLst>
-          </p:cNvPr>
-          <p:cNvSpPr txBox="1"/>
+            <a:endParaRPr lang="en-US"/>
+          </a:p>
+        </p:txBody>
+      </p:sp>
+      <p:sp>
+        <p:nvSpPr>
+          <p:cNvPr id="5" name="TextBox 4"/>
+          <p:cNvSpPr txBox="true"/>
           <p:nvPr/>
         </p:nvSpPr>
         <p:spPr>
@@ -6912,10 +6524,7 @@
           <a:noFill/>
         </p:spPr>
         <p:txBody>
-          <a:bodyPr rot="0" spcFirstLastPara="0" vertOverflow="overflow" horzOverflow="overflow" vert="horz" wrap="square" lIns="91440" tIns="45720" rIns="91440" bIns="45720" numCol="1" spcCol="0" rtlCol="0" fromWordArt="0" anchor="t" anchorCtr="0" forceAA="0" compatLnSpc="1">
-            <a:prstTxWarp prst="textNoShape">
-              <a:avLst/>
-            </a:prstTxWarp>
+          <a:bodyPr rot="0" spcFirstLastPara="0" vertOverflow="overflow" horzOverflow="overflow" vert="horz" wrap="square" lIns="91440" tIns="45720" rIns="91440" bIns="45720" numCol="1" spcCol="0" rtlCol="0" fromWordArt="false" anchor="t" anchorCtr="false" forceAA="false" compatLnSpc="true">
             <a:spAutoFit/>
           </a:bodyPr>
           <a:lstStyle/>
@@ -6928,18 +6537,17 @@
               </a:rPr>
               <a:t>Filter KPI data by Host</a:t>
             </a:r>
-          </a:p>
-        </p:txBody>
-      </p:sp>
-      <p:sp>
-        <p:nvSpPr>
-          <p:cNvPr id="11" name="Rectangle: Rounded Corners 10">
-            <a:extLst>
-              <a:ext uri="{FF2B5EF4-FFF2-40B4-BE49-F238E27FC236}">
-                <a16:creationId xmlns:a16="http://schemas.microsoft.com/office/drawing/2014/main" id="{4690C7E2-FE8D-427E-A013-04EBAB6E73A1}"/>
-              </a:ext>
-            </a:extLst>
-          </p:cNvPr>
+            <a:endParaRPr lang="en-US">
+              <a:solidFill>
+                <a:srgbClr val="3D3D3D"/>
+              </a:solidFill>
+            </a:endParaRPr>
+          </a:p>
+        </p:txBody>
+      </p:sp>
+      <p:sp>
+        <p:nvSpPr>
+          <p:cNvPr id="11" name="Rectangle: Rounded Corners 10"/>
           <p:cNvSpPr/>
           <p:nvPr/>
         </p:nvSpPr>
@@ -6977,19 +6585,14 @@
               <a:rPr lang="en-US"/>
               <a:t>Output a score for each KPI</a:t>
             </a:r>
-          </a:p>
-        </p:txBody>
-      </p:sp>
-      <p:sp>
-        <p:nvSpPr>
-          <p:cNvPr id="6" name="TextBox 5">
-            <a:extLst>
-              <a:ext uri="{FF2B5EF4-FFF2-40B4-BE49-F238E27FC236}">
-                <a16:creationId xmlns:a16="http://schemas.microsoft.com/office/drawing/2014/main" id="{79E510BB-1D22-4C8A-A6CC-8F5BD42ECF46}"/>
-              </a:ext>
-            </a:extLst>
-          </p:cNvPr>
-          <p:cNvSpPr txBox="1"/>
+            <a:endParaRPr lang="en-US"/>
+          </a:p>
+        </p:txBody>
+      </p:sp>
+      <p:sp>
+        <p:nvSpPr>
+          <p:cNvPr id="6" name="TextBox 5"/>
+          <p:cNvSpPr txBox="true"/>
           <p:nvPr/>
         </p:nvSpPr>
         <p:spPr>
@@ -7003,10 +6606,7 @@
           <a:noFill/>
         </p:spPr>
         <p:txBody>
-          <a:bodyPr rot="0" spcFirstLastPara="0" vertOverflow="overflow" horzOverflow="overflow" vert="horz" wrap="square" lIns="91440" tIns="45720" rIns="91440" bIns="45720" numCol="1" spcCol="0" rtlCol="0" fromWordArt="0" anchor="t" anchorCtr="0" forceAA="0" compatLnSpc="1">
-            <a:prstTxWarp prst="textNoShape">
-              <a:avLst/>
-            </a:prstTxWarp>
+          <a:bodyPr rot="0" spcFirstLastPara="0" vertOverflow="overflow" horzOverflow="overflow" vert="horz" wrap="square" lIns="91440" tIns="45720" rIns="91440" bIns="45720" numCol="1" spcCol="0" rtlCol="0" fromWordArt="false" anchor="t" anchorCtr="false" forceAA="false" compatLnSpc="true">
             <a:spAutoFit/>
           </a:bodyPr>
           <a:lstStyle/>
@@ -7025,13 +6625,7 @@
       </p:sp>
       <p:sp>
         <p:nvSpPr>
-          <p:cNvPr id="12" name="Rectangle: Rounded Corners 11">
-            <a:extLst>
-              <a:ext uri="{FF2B5EF4-FFF2-40B4-BE49-F238E27FC236}">
-                <a16:creationId xmlns:a16="http://schemas.microsoft.com/office/drawing/2014/main" id="{D012BB63-F54A-4629-A4B7-050BC8F5FB52}"/>
-              </a:ext>
-            </a:extLst>
-          </p:cNvPr>
+          <p:cNvPr id="12" name="Rectangle: Rounded Corners 11"/>
           <p:cNvSpPr/>
           <p:nvPr/>
         </p:nvSpPr>
@@ -7069,21 +6663,14 @@
               <a:rPr lang="en-US"/>
               <a:t>Return KPI(s) with highest score(s)</a:t>
             </a:r>
+            <a:endParaRPr lang="en-US"/>
           </a:p>
         </p:txBody>
       </p:sp>
       <p:cxnSp>
         <p:nvCxnSpPr>
-          <p:cNvPr id="33" name="连接符: 曲线 32">
-            <a:extLst>
-              <a:ext uri="{FF2B5EF4-FFF2-40B4-BE49-F238E27FC236}">
-                <a16:creationId xmlns:a16="http://schemas.microsoft.com/office/drawing/2014/main" id="{5ACAA5A6-C16B-4BC6-AE88-693975B0794F}"/>
-              </a:ext>
-            </a:extLst>
-          </p:cNvPr>
-          <p:cNvCxnSpPr>
-            <a:cxnSpLocks/>
-          </p:cNvCxnSpPr>
+          <p:cNvPr id="33" name="连接符: 曲线 32"/>
+          <p:cNvCxnSpPr/>
           <p:nvPr/>
         </p:nvCxnSpPr>
         <p:spPr>
@@ -7117,13 +6704,7 @@
       </p:cxnSp>
       <p:cxnSp>
         <p:nvCxnSpPr>
-          <p:cNvPr id="35" name="连接符: 曲线 34">
-            <a:extLst>
-              <a:ext uri="{FF2B5EF4-FFF2-40B4-BE49-F238E27FC236}">
-                <a16:creationId xmlns:a16="http://schemas.microsoft.com/office/drawing/2014/main" id="{4504596D-EE90-414E-B657-542030247FC9}"/>
-              </a:ext>
-            </a:extLst>
-          </p:cNvPr>
+          <p:cNvPr id="35" name="连接符: 曲线 34"/>
           <p:cNvCxnSpPr/>
           <p:nvPr/>
         </p:nvCxnSpPr>
@@ -7158,13 +6739,7 @@
       </p:cxnSp>
       <p:cxnSp>
         <p:nvCxnSpPr>
-          <p:cNvPr id="37" name="连接符: 曲线 36">
-            <a:extLst>
-              <a:ext uri="{FF2B5EF4-FFF2-40B4-BE49-F238E27FC236}">
-                <a16:creationId xmlns:a16="http://schemas.microsoft.com/office/drawing/2014/main" id="{2AAD6559-EAE8-4D32-B1DF-A245556A255C}"/>
-              </a:ext>
-            </a:extLst>
-          </p:cNvPr>
+          <p:cNvPr id="37" name="连接符: 曲线 36"/>
           <p:cNvCxnSpPr/>
           <p:nvPr/>
         </p:nvCxnSpPr>
@@ -7198,11 +6773,6 @@
         </p:style>
       </p:cxnSp>
     </p:spTree>
-    <p:extLst>
-      <p:ext uri="{BB962C8B-B14F-4D97-AF65-F5344CB8AC3E}">
-        <p14:creationId xmlns:p14="http://schemas.microsoft.com/office/powerpoint/2010/main" val="854016122"/>
-      </p:ext>
-    </p:extLst>
   </p:cSld>
   <p:clrMapOvr>
     <a:masterClrMapping/>
@@ -7229,15 +6799,9 @@
       </p:grpSpPr>
       <p:sp>
         <p:nvSpPr>
-          <p:cNvPr id="2" name="内容占位符 1">
-            <a:extLst>
-              <a:ext uri="{FF2B5EF4-FFF2-40B4-BE49-F238E27FC236}">
-                <a16:creationId xmlns:a16="http://schemas.microsoft.com/office/drawing/2014/main" id="{BF8DB5B0-E672-4123-B6DF-14D29E9585CF}"/>
-              </a:ext>
-            </a:extLst>
-          </p:cNvPr>
+          <p:cNvPr id="2" name="内容占位符 1"/>
           <p:cNvSpPr>
-            <a:spLocks noGrp="1"/>
+            <a:spLocks noGrp="true"/>
           </p:cNvSpPr>
           <p:nvPr>
             <p:ph idx="1"/>
@@ -7274,6 +6838,9 @@
               </a:rPr>
               <a:t>Working with time series</a:t>
             </a:r>
+            <a:endParaRPr lang="en-US" altLang="zh-CN">
+              <a:ea typeface="华文中宋"/>
+            </a:endParaRPr>
           </a:p>
           <a:p>
             <a:pPr marL="342900" indent="-342900">
@@ -7285,6 +6852,9 @@
               </a:rPr>
               <a:t>Detect anomalies using clustering</a:t>
             </a:r>
+            <a:endParaRPr lang="en-US" altLang="zh-CN">
+              <a:ea typeface="华文中宋"/>
+            </a:endParaRPr>
           </a:p>
           <a:p>
             <a:pPr marL="342900" indent="-342900">
@@ -7296,20 +6866,17 @@
               </a:rPr>
               <a:t>Don't overcomplicate the problem</a:t>
             </a:r>
-          </a:p>
-        </p:txBody>
-      </p:sp>
-      <p:sp>
-        <p:nvSpPr>
-          <p:cNvPr id="3" name="标题 2">
-            <a:extLst>
-              <a:ext uri="{FF2B5EF4-FFF2-40B4-BE49-F238E27FC236}">
-                <a16:creationId xmlns:a16="http://schemas.microsoft.com/office/drawing/2014/main" id="{D94B431E-DED9-43F7-825D-B3DF94439B9E}"/>
-              </a:ext>
-            </a:extLst>
-          </p:cNvPr>
+            <a:endParaRPr lang="en-US" altLang="zh-CN">
+              <a:ea typeface="华文中宋"/>
+            </a:endParaRPr>
+          </a:p>
+        </p:txBody>
+      </p:sp>
+      <p:sp>
+        <p:nvSpPr>
+          <p:cNvPr id="3" name="标题 2"/>
           <p:cNvSpPr>
-            <a:spLocks noGrp="1"/>
+            <a:spLocks noGrp="true"/>
           </p:cNvSpPr>
           <p:nvPr>
             <p:ph type="title"/>
@@ -7332,20 +6899,14 @@
       </p:sp>
       <p:sp>
         <p:nvSpPr>
-          <p:cNvPr id="4" name="文本框 3">
-            <a:extLst>
-              <a:ext uri="{FF2B5EF4-FFF2-40B4-BE49-F238E27FC236}">
-                <a16:creationId xmlns:a16="http://schemas.microsoft.com/office/drawing/2014/main" id="{5B4F5966-C308-46D8-853F-7FF75D927A1B}"/>
-              </a:ext>
-            </a:extLst>
-          </p:cNvPr>
-          <p:cNvSpPr txBox="1"/>
+          <p:cNvPr id="4" name="文本框 3"/>
+          <p:cNvSpPr txBox="true"/>
           <p:nvPr/>
         </p:nvSpPr>
         <p:spPr>
           <a:xfrm>
-            <a:off x="574222" y="3751489"/>
-            <a:ext cx="5158467" cy="369332"/>
+            <a:off x="574040" y="3751580"/>
+            <a:ext cx="6190615" cy="368300"/>
           </a:xfrm>
           <a:prstGeom prst="rect">
             <a:avLst/>
@@ -7353,10 +6914,7 @@
           <a:noFill/>
         </p:spPr>
         <p:txBody>
-          <a:bodyPr rot="0" spcFirstLastPara="0" vertOverflow="overflow" horzOverflow="overflow" vert="horz" wrap="square" lIns="91440" tIns="45720" rIns="91440" bIns="45720" numCol="1" spcCol="0" rtlCol="0" fromWordArt="0" anchor="t" anchorCtr="0" forceAA="0" compatLnSpc="1">
-            <a:prstTxWarp prst="textNoShape">
-              <a:avLst/>
-            </a:prstTxWarp>
+          <a:bodyPr rot="0" spcFirstLastPara="0" vertOverflow="overflow" horzOverflow="overflow" vert="horz" wrap="square" lIns="91440" tIns="45720" rIns="91440" bIns="45720" numCol="1" spcCol="0" rtlCol="0" fromWordArt="false" anchor="t" anchorCtr="false" forceAA="false" compatLnSpc="true">
             <a:spAutoFit/>
           </a:bodyPr>
           <a:lstStyle/>
@@ -7376,15 +6934,13 @@
               </a:rPr>
               <a:t>​</a:t>
             </a:r>
+            <a:endParaRPr lang="zh-CN" altLang="en-US">
+              <a:ea typeface="华文中宋"/>
+            </a:endParaRPr>
           </a:p>
         </p:txBody>
       </p:sp>
     </p:spTree>
-    <p:extLst>
-      <p:ext uri="{BB962C8B-B14F-4D97-AF65-F5344CB8AC3E}">
-        <p14:creationId xmlns:p14="http://schemas.microsoft.com/office/powerpoint/2010/main" val="3958312480"/>
-      </p:ext>
-    </p:extLst>
   </p:cSld>
   <p:clrMapOvr>
     <a:masterClrMapping/>
@@ -7489,15 +7045,9 @@
       </p:grpSpPr>
       <p:sp>
         <p:nvSpPr>
-          <p:cNvPr id="2" name="标题 1">
-            <a:extLst>
-              <a:ext uri="{FF2B5EF4-FFF2-40B4-BE49-F238E27FC236}">
-                <a16:creationId xmlns:a16="http://schemas.microsoft.com/office/drawing/2014/main" id="{0C34A65F-E8BB-4C48-948C-87419CD990D8}"/>
-              </a:ext>
-            </a:extLst>
-          </p:cNvPr>
+          <p:cNvPr id="2" name="标题 1"/>
           <p:cNvSpPr>
-            <a:spLocks noGrp="1"/>
+            <a:spLocks noGrp="true"/>
           </p:cNvSpPr>
           <p:nvPr>
             <p:ph type="title"/>
@@ -7549,11 +7099,6 @@
         </p:txBody>
       </p:sp>
     </p:spTree>
-    <p:extLst>
-      <p:ext uri="{BB962C8B-B14F-4D97-AF65-F5344CB8AC3E}">
-        <p14:creationId xmlns:p14="http://schemas.microsoft.com/office/powerpoint/2010/main" val="2415192451"/>
-      </p:ext>
-    </p:extLst>
   </p:cSld>
   <p:clrMapOvr>
     <a:masterClrMapping/>
@@ -7580,15 +7125,9 @@
       </p:grpSpPr>
       <p:sp>
         <p:nvSpPr>
-          <p:cNvPr id="3" name="内容占位符 2">
-            <a:extLst>
-              <a:ext uri="{FF2B5EF4-FFF2-40B4-BE49-F238E27FC236}">
-                <a16:creationId xmlns:a16="http://schemas.microsoft.com/office/drawing/2014/main" id="{CBF70067-6637-434D-BDBB-DFF9E67611F3}"/>
-              </a:ext>
-            </a:extLst>
-          </p:cNvPr>
+          <p:cNvPr id="3" name="内容占位符 2"/>
           <p:cNvSpPr>
-            <a:spLocks noGrp="1"/>
+            <a:spLocks noGrp="true"/>
           </p:cNvSpPr>
           <p:nvPr>
             <p:ph idx="1"/>
@@ -7700,15 +7239,9 @@
       </p:sp>
       <p:sp>
         <p:nvSpPr>
-          <p:cNvPr id="2" name="标题 1">
-            <a:extLst>
-              <a:ext uri="{FF2B5EF4-FFF2-40B4-BE49-F238E27FC236}">
-                <a16:creationId xmlns:a16="http://schemas.microsoft.com/office/drawing/2014/main" id="{C35F2E39-C044-473D-8182-84ADB12816BC}"/>
-              </a:ext>
-            </a:extLst>
-          </p:cNvPr>
+          <p:cNvPr id="2" name="标题 1"/>
           <p:cNvSpPr>
-            <a:spLocks noGrp="1"/>
+            <a:spLocks noGrp="true"/>
           </p:cNvSpPr>
           <p:nvPr>
             <p:ph type="title"/>
@@ -7725,25 +7258,22 @@
               </a:rPr>
               <a:t>OUr team</a:t>
             </a:r>
+            <a:endParaRPr lang="en-US" altLang="zh-CN">
+              <a:ea typeface="华文中宋"/>
+            </a:endParaRPr>
           </a:p>
         </p:txBody>
       </p:sp>
       <p:pic>
         <p:nvPicPr>
-          <p:cNvPr id="4" name="Picture 4" descr="A picture containing chart&#10;&#10;Description automatically generated">
-            <a:extLst>
-              <a:ext uri="{FF2B5EF4-FFF2-40B4-BE49-F238E27FC236}">
-                <a16:creationId xmlns:a16="http://schemas.microsoft.com/office/drawing/2014/main" id="{45DFB6B0-0C36-4935-A093-92B22287E73C}"/>
-              </a:ext>
-            </a:extLst>
-          </p:cNvPr>
+          <p:cNvPr id="4" name="Picture 4" descr="A picture containing chart&#10;&#10;Description automatically generated"/>
           <p:cNvPicPr>
-            <a:picLocks noChangeAspect="1"/>
+            <a:picLocks noChangeAspect="true"/>
           </p:cNvPicPr>
           <p:nvPr/>
         </p:nvPicPr>
         <p:blipFill>
-          <a:blip r:embed="rId2"/>
+          <a:blip r:embed="rId1"/>
           <a:stretch>
             <a:fillRect/>
           </a:stretch>
@@ -7759,11 +7289,6 @@
         </p:spPr>
       </p:pic>
     </p:spTree>
-    <p:extLst>
-      <p:ext uri="{BB962C8B-B14F-4D97-AF65-F5344CB8AC3E}">
-        <p14:creationId xmlns:p14="http://schemas.microsoft.com/office/powerpoint/2010/main" val="2206146578"/>
-      </p:ext>
-    </p:extLst>
   </p:cSld>
   <p:clrMapOvr>
     <a:masterClrMapping/>
@@ -7790,15 +7315,9 @@
       </p:grpSpPr>
       <p:sp>
         <p:nvSpPr>
-          <p:cNvPr id="3" name="内容占位符 2">
-            <a:extLst>
-              <a:ext uri="{FF2B5EF4-FFF2-40B4-BE49-F238E27FC236}">
-                <a16:creationId xmlns:a16="http://schemas.microsoft.com/office/drawing/2014/main" id="{CBF70067-6637-434D-BDBB-DFF9E67611F3}"/>
-              </a:ext>
-            </a:extLst>
-          </p:cNvPr>
+          <p:cNvPr id="3" name="内容占位符 2"/>
           <p:cNvSpPr>
-            <a:spLocks noGrp="1"/>
+            <a:spLocks noGrp="true"/>
           </p:cNvSpPr>
           <p:nvPr>
             <p:ph idx="1"/>
@@ -7847,6 +7366,9 @@
               </a:rPr>
               <a:t>Trace data faulty service detection</a:t>
             </a:r>
+            <a:endParaRPr lang="en-US" altLang="zh-CN" sz="2000">
+              <a:ea typeface="华文中宋"/>
+            </a:endParaRPr>
           </a:p>
           <a:p>
             <a:pPr marL="457200" indent="-457200">
@@ -7858,6 +7380,9 @@
               </a:rPr>
               <a:t>Host KPIs data root cause localization</a:t>
             </a:r>
+            <a:endParaRPr lang="en-US" altLang="zh-CN" sz="2000">
+              <a:ea typeface="华文中宋"/>
+            </a:endParaRPr>
           </a:p>
           <a:p>
             <a:pPr marL="305435" indent="-305435">
@@ -7878,15 +7403,9 @@
       </p:sp>
       <p:sp>
         <p:nvSpPr>
-          <p:cNvPr id="2" name="标题 1">
-            <a:extLst>
-              <a:ext uri="{FF2B5EF4-FFF2-40B4-BE49-F238E27FC236}">
-                <a16:creationId xmlns:a16="http://schemas.microsoft.com/office/drawing/2014/main" id="{C35F2E39-C044-473D-8182-84ADB12816BC}"/>
-              </a:ext>
-            </a:extLst>
-          </p:cNvPr>
+          <p:cNvPr id="2" name="标题 1"/>
           <p:cNvSpPr>
-            <a:spLocks noGrp="1"/>
+            <a:spLocks noGrp="true"/>
           </p:cNvSpPr>
           <p:nvPr>
             <p:ph type="title"/>
@@ -7903,15 +7422,13 @@
               </a:rPr>
               <a:t>Our method</a:t>
             </a:r>
+            <a:endParaRPr lang="en-US" altLang="zh-CN">
+              <a:ea typeface="华文中宋"/>
+            </a:endParaRPr>
           </a:p>
         </p:txBody>
       </p:sp>
     </p:spTree>
-    <p:extLst>
-      <p:ext uri="{BB962C8B-B14F-4D97-AF65-F5344CB8AC3E}">
-        <p14:creationId xmlns:p14="http://schemas.microsoft.com/office/powerpoint/2010/main" val="1437246749"/>
-      </p:ext>
-    </p:extLst>
   </p:cSld>
   <p:clrMapOvr>
     <a:masterClrMapping/>
@@ -7938,15 +7455,9 @@
       </p:grpSpPr>
       <p:sp>
         <p:nvSpPr>
-          <p:cNvPr id="2" name="标题 1">
-            <a:extLst>
-              <a:ext uri="{FF2B5EF4-FFF2-40B4-BE49-F238E27FC236}">
-                <a16:creationId xmlns:a16="http://schemas.microsoft.com/office/drawing/2014/main" id="{C35F2E39-C044-473D-8182-84ADB12816BC}"/>
-              </a:ext>
-            </a:extLst>
-          </p:cNvPr>
+          <p:cNvPr id="2" name="标题 1"/>
           <p:cNvSpPr>
-            <a:spLocks noGrp="1"/>
+            <a:spLocks noGrp="true"/>
           </p:cNvSpPr>
           <p:nvPr>
             <p:ph type="title"/>
@@ -7972,20 +7483,14 @@
       </p:sp>
       <p:pic>
         <p:nvPicPr>
-          <p:cNvPr id="4" name="Picture 4" descr="Table&#10;&#10;Description automatically generated">
-            <a:extLst>
-              <a:ext uri="{FF2B5EF4-FFF2-40B4-BE49-F238E27FC236}">
-                <a16:creationId xmlns:a16="http://schemas.microsoft.com/office/drawing/2014/main" id="{3F764FD1-2D41-42A3-9D27-1319EE08681F}"/>
-              </a:ext>
-            </a:extLst>
-          </p:cNvPr>
+          <p:cNvPr id="4" name="Picture 4" descr="Table&#10;&#10;Description automatically generated"/>
           <p:cNvPicPr>
-            <a:picLocks noChangeAspect="1"/>
+            <a:picLocks noChangeAspect="true"/>
           </p:cNvPicPr>
           <p:nvPr/>
         </p:nvPicPr>
         <p:blipFill>
-          <a:blip r:embed="rId2"/>
+          <a:blip r:embed="rId1"/>
           <a:stretch>
             <a:fillRect/>
           </a:stretch>
@@ -8002,16 +7507,8 @@
       </p:pic>
       <p:sp>
         <p:nvSpPr>
-          <p:cNvPr id="8" name="内容占位符 2">
-            <a:extLst>
-              <a:ext uri="{FF2B5EF4-FFF2-40B4-BE49-F238E27FC236}">
-                <a16:creationId xmlns:a16="http://schemas.microsoft.com/office/drawing/2014/main" id="{70E57E26-0387-48CF-AC04-435A36CE12C2}"/>
-              </a:ext>
-            </a:extLst>
-          </p:cNvPr>
-          <p:cNvSpPr txBox="1">
-            <a:spLocks/>
-          </p:cNvSpPr>
+          <p:cNvPr id="8" name="内容占位符 2"/>
+          <p:cNvSpPr txBox="true"/>
           <p:nvPr/>
         </p:nvSpPr>
         <p:spPr>
@@ -8028,7 +7525,7 @@
             <a:normAutofit fontScale="92500" lnSpcReduction="20000"/>
           </a:bodyPr>
           <a:lstStyle>
-            <a:lvl1pPr marL="305992" indent="-305992" algn="l" defTabSz="457189" rtl="0" eaLnBrk="1" latinLnBrk="0" hangingPunct="1">
+            <a:lvl1pPr marL="306070" indent="-306070" algn="l" defTabSz="457200" rtl="0" eaLnBrk="1" latinLnBrk="0" hangingPunct="1">
               <a:spcBef>
                 <a:spcPct val="20000"/>
               </a:spcBef>
@@ -8050,7 +7547,7 @@
                 <a:cs typeface="+mn-cs"/>
               </a:defRPr>
             </a:lvl1pPr>
-            <a:lvl2pPr marL="629984" indent="-305992" algn="l" defTabSz="457189" rtl="0" eaLnBrk="1" latinLnBrk="0" hangingPunct="1">
+            <a:lvl2pPr marL="629920" indent="-306070" algn="l" defTabSz="457200" rtl="0" eaLnBrk="1" latinLnBrk="0" hangingPunct="1">
               <a:spcBef>
                 <a:spcPct val="20000"/>
               </a:spcBef>
@@ -8072,7 +7569,7 @@
                 <a:cs typeface="+mn-cs"/>
               </a:defRPr>
             </a:lvl2pPr>
-            <a:lvl3pPr marL="899978" indent="-269993" algn="l" defTabSz="457189" rtl="0" eaLnBrk="1" latinLnBrk="0" hangingPunct="1">
+            <a:lvl3pPr marL="899795" indent="-269875" algn="l" defTabSz="457200" rtl="0" eaLnBrk="1" latinLnBrk="0" hangingPunct="1">
               <a:spcBef>
                 <a:spcPct val="20000"/>
               </a:spcBef>
@@ -8094,7 +7591,7 @@
                 <a:cs typeface="+mn-cs"/>
               </a:defRPr>
             </a:lvl3pPr>
-            <a:lvl4pPr marL="1241969" indent="-233994" algn="l" defTabSz="457189" rtl="0" eaLnBrk="1" latinLnBrk="0" hangingPunct="1">
+            <a:lvl4pPr marL="1242060" indent="-233680" algn="l" defTabSz="457200" rtl="0" eaLnBrk="1" latinLnBrk="0" hangingPunct="1">
               <a:spcBef>
                 <a:spcPct val="20000"/>
               </a:spcBef>
@@ -8116,7 +7613,7 @@
                 <a:cs typeface="+mn-cs"/>
               </a:defRPr>
             </a:lvl4pPr>
-            <a:lvl5pPr marL="1601960" indent="-233994" algn="l" defTabSz="457189" rtl="0" eaLnBrk="1" latinLnBrk="0" hangingPunct="1">
+            <a:lvl5pPr marL="1602105" indent="-233680" algn="l" defTabSz="457200" rtl="0" eaLnBrk="1" latinLnBrk="0" hangingPunct="1">
               <a:spcBef>
                 <a:spcPct val="20000"/>
               </a:spcBef>
@@ -8138,7 +7635,7 @@
                 <a:cs typeface="+mn-cs"/>
               </a:defRPr>
             </a:lvl5pPr>
-            <a:lvl6pPr marL="1899953" indent="-228594" algn="l" defTabSz="457189" rtl="0" eaLnBrk="1" latinLnBrk="0" hangingPunct="1">
+            <a:lvl6pPr marL="1899920" indent="-228600" algn="l" defTabSz="457200" rtl="0" eaLnBrk="1" latinLnBrk="0" hangingPunct="1">
               <a:spcBef>
                 <a:spcPct val="20000"/>
               </a:spcBef>
@@ -8160,7 +7657,7 @@
                 <a:cs typeface="+mn-cs"/>
               </a:defRPr>
             </a:lvl6pPr>
-            <a:lvl7pPr marL="2199945" indent="-228594" algn="l" defTabSz="457189" rtl="0" eaLnBrk="1" latinLnBrk="0" hangingPunct="1">
+            <a:lvl7pPr marL="2199640" indent="-228600" algn="l" defTabSz="457200" rtl="0" eaLnBrk="1" latinLnBrk="0" hangingPunct="1">
               <a:spcBef>
                 <a:spcPct val="20000"/>
               </a:spcBef>
@@ -8182,7 +7679,7 @@
                 <a:cs typeface="+mn-cs"/>
               </a:defRPr>
             </a:lvl7pPr>
-            <a:lvl8pPr marL="2499938" indent="-228594" algn="l" defTabSz="457189" rtl="0" eaLnBrk="1" latinLnBrk="0" hangingPunct="1">
+            <a:lvl8pPr marL="2499995" indent="-228600" algn="l" defTabSz="457200" rtl="0" eaLnBrk="1" latinLnBrk="0" hangingPunct="1">
               <a:spcBef>
                 <a:spcPct val="20000"/>
               </a:spcBef>
@@ -8204,7 +7701,7 @@
                 <a:cs typeface="+mn-cs"/>
               </a:defRPr>
             </a:lvl8pPr>
-            <a:lvl9pPr marL="2799930" indent="-228594" algn="l" defTabSz="457189" rtl="0" eaLnBrk="1" latinLnBrk="0" hangingPunct="1">
+            <a:lvl9pPr marL="2799715" indent="-228600" algn="l" defTabSz="457200" rtl="0" eaLnBrk="1" latinLnBrk="0" hangingPunct="1">
               <a:spcBef>
                 <a:spcPct val="20000"/>
               </a:spcBef>
@@ -8237,6 +7734,9 @@
               </a:rPr>
               <a:t>For a normal instance of ESB data:</a:t>
             </a:r>
+            <a:endParaRPr lang="en-US" dirty="0">
+              <a:ea typeface="华文中宋"/>
+            </a:endParaRPr>
           </a:p>
           <a:p>
             <a:pPr marL="667385" lvl="1" indent="-305435">
@@ -8260,6 +7760,9 @@
               </a:rPr>
               <a:t> is around 0.5</a:t>
             </a:r>
+            <a:endParaRPr lang="en-US" sz="1700" dirty="0">
+              <a:ea typeface="华文中宋"/>
+            </a:endParaRPr>
           </a:p>
           <a:p>
             <a:pPr marL="667385" lvl="1" indent="-305435">
@@ -8283,6 +7786,9 @@
               </a:rPr>
               <a:t> is approximately 1.0</a:t>
             </a:r>
+            <a:endParaRPr lang="en-US" sz="1700" dirty="0">
+              <a:ea typeface="华文中宋"/>
+            </a:endParaRPr>
           </a:p>
           <a:p>
             <a:pPr marL="342900" indent="-342900">
@@ -8317,6 +7823,9 @@
               </a:rPr>
               <a:t> for detecting anomalies in these attributes.</a:t>
             </a:r>
+            <a:endParaRPr lang="en-US" dirty="0">
+              <a:ea typeface="华文中宋"/>
+            </a:endParaRPr>
           </a:p>
           <a:p>
             <a:pPr marL="305435" indent="-305435">
@@ -8336,11 +7845,6 @@
         </p:txBody>
       </p:sp>
     </p:spTree>
-    <p:extLst>
-      <p:ext uri="{BB962C8B-B14F-4D97-AF65-F5344CB8AC3E}">
-        <p14:creationId xmlns:p14="http://schemas.microsoft.com/office/powerpoint/2010/main" val="573108651"/>
-      </p:ext>
-    </p:extLst>
   </p:cSld>
   <p:clrMapOvr>
     <a:masterClrMapping/>
@@ -8367,15 +7871,9 @@
       </p:grpSpPr>
       <p:sp>
         <p:nvSpPr>
-          <p:cNvPr id="2" name="标题 1">
-            <a:extLst>
-              <a:ext uri="{FF2B5EF4-FFF2-40B4-BE49-F238E27FC236}">
-                <a16:creationId xmlns:a16="http://schemas.microsoft.com/office/drawing/2014/main" id="{C35F2E39-C044-473D-8182-84ADB12816BC}"/>
-              </a:ext>
-            </a:extLst>
-          </p:cNvPr>
+          <p:cNvPr id="2" name="标题 1"/>
           <p:cNvSpPr>
-            <a:spLocks noGrp="1"/>
+            <a:spLocks noGrp="true"/>
           </p:cNvSpPr>
           <p:nvPr>
             <p:ph type="title"/>
@@ -8399,16 +7897,8 @@
       </p:sp>
       <p:sp>
         <p:nvSpPr>
-          <p:cNvPr id="8" name="内容占位符 2">
-            <a:extLst>
-              <a:ext uri="{FF2B5EF4-FFF2-40B4-BE49-F238E27FC236}">
-                <a16:creationId xmlns:a16="http://schemas.microsoft.com/office/drawing/2014/main" id="{70E57E26-0387-48CF-AC04-435A36CE12C2}"/>
-              </a:ext>
-            </a:extLst>
-          </p:cNvPr>
-          <p:cNvSpPr txBox="1">
-            <a:spLocks/>
-          </p:cNvSpPr>
+          <p:cNvPr id="8" name="内容占位符 2"/>
+          <p:cNvSpPr txBox="true"/>
           <p:nvPr/>
         </p:nvSpPr>
         <p:spPr>
@@ -8425,7 +7915,7 @@
             <a:normAutofit/>
           </a:bodyPr>
           <a:lstStyle>
-            <a:lvl1pPr marL="305992" indent="-305992" algn="l" defTabSz="457189" rtl="0" eaLnBrk="1" latinLnBrk="0" hangingPunct="1">
+            <a:lvl1pPr marL="306070" indent="-306070" algn="l" defTabSz="457200" rtl="0" eaLnBrk="1" latinLnBrk="0" hangingPunct="1">
               <a:spcBef>
                 <a:spcPct val="20000"/>
               </a:spcBef>
@@ -8447,7 +7937,7 @@
                 <a:cs typeface="+mn-cs"/>
               </a:defRPr>
             </a:lvl1pPr>
-            <a:lvl2pPr marL="629984" indent="-305992" algn="l" defTabSz="457189" rtl="0" eaLnBrk="1" latinLnBrk="0" hangingPunct="1">
+            <a:lvl2pPr marL="629920" indent="-306070" algn="l" defTabSz="457200" rtl="0" eaLnBrk="1" latinLnBrk="0" hangingPunct="1">
               <a:spcBef>
                 <a:spcPct val="20000"/>
               </a:spcBef>
@@ -8469,7 +7959,7 @@
                 <a:cs typeface="+mn-cs"/>
               </a:defRPr>
             </a:lvl2pPr>
-            <a:lvl3pPr marL="899978" indent="-269993" algn="l" defTabSz="457189" rtl="0" eaLnBrk="1" latinLnBrk="0" hangingPunct="1">
+            <a:lvl3pPr marL="899795" indent="-269875" algn="l" defTabSz="457200" rtl="0" eaLnBrk="1" latinLnBrk="0" hangingPunct="1">
               <a:spcBef>
                 <a:spcPct val="20000"/>
               </a:spcBef>
@@ -8491,7 +7981,7 @@
                 <a:cs typeface="+mn-cs"/>
               </a:defRPr>
             </a:lvl3pPr>
-            <a:lvl4pPr marL="1241969" indent="-233994" algn="l" defTabSz="457189" rtl="0" eaLnBrk="1" latinLnBrk="0" hangingPunct="1">
+            <a:lvl4pPr marL="1242060" indent="-233680" algn="l" defTabSz="457200" rtl="0" eaLnBrk="1" latinLnBrk="0" hangingPunct="1">
               <a:spcBef>
                 <a:spcPct val="20000"/>
               </a:spcBef>
@@ -8513,7 +8003,7 @@
                 <a:cs typeface="+mn-cs"/>
               </a:defRPr>
             </a:lvl4pPr>
-            <a:lvl5pPr marL="1601960" indent="-233994" algn="l" defTabSz="457189" rtl="0" eaLnBrk="1" latinLnBrk="0" hangingPunct="1">
+            <a:lvl5pPr marL="1602105" indent="-233680" algn="l" defTabSz="457200" rtl="0" eaLnBrk="1" latinLnBrk="0" hangingPunct="1">
               <a:spcBef>
                 <a:spcPct val="20000"/>
               </a:spcBef>
@@ -8535,7 +8025,7 @@
                 <a:cs typeface="+mn-cs"/>
               </a:defRPr>
             </a:lvl5pPr>
-            <a:lvl6pPr marL="1899953" indent="-228594" algn="l" defTabSz="457189" rtl="0" eaLnBrk="1" latinLnBrk="0" hangingPunct="1">
+            <a:lvl6pPr marL="1899920" indent="-228600" algn="l" defTabSz="457200" rtl="0" eaLnBrk="1" latinLnBrk="0" hangingPunct="1">
               <a:spcBef>
                 <a:spcPct val="20000"/>
               </a:spcBef>
@@ -8557,7 +8047,7 @@
                 <a:cs typeface="+mn-cs"/>
               </a:defRPr>
             </a:lvl6pPr>
-            <a:lvl7pPr marL="2199945" indent="-228594" algn="l" defTabSz="457189" rtl="0" eaLnBrk="1" latinLnBrk="0" hangingPunct="1">
+            <a:lvl7pPr marL="2199640" indent="-228600" algn="l" defTabSz="457200" rtl="0" eaLnBrk="1" latinLnBrk="0" hangingPunct="1">
               <a:spcBef>
                 <a:spcPct val="20000"/>
               </a:spcBef>
@@ -8579,7 +8069,7 @@
                 <a:cs typeface="+mn-cs"/>
               </a:defRPr>
             </a:lvl7pPr>
-            <a:lvl8pPr marL="2499938" indent="-228594" algn="l" defTabSz="457189" rtl="0" eaLnBrk="1" latinLnBrk="0" hangingPunct="1">
+            <a:lvl8pPr marL="2499995" indent="-228600" algn="l" defTabSz="457200" rtl="0" eaLnBrk="1" latinLnBrk="0" hangingPunct="1">
               <a:spcBef>
                 <a:spcPct val="20000"/>
               </a:spcBef>
@@ -8601,7 +8091,7 @@
                 <a:cs typeface="+mn-cs"/>
               </a:defRPr>
             </a:lvl8pPr>
-            <a:lvl9pPr marL="2799930" indent="-228594" algn="l" defTabSz="457189" rtl="0" eaLnBrk="1" latinLnBrk="0" hangingPunct="1">
+            <a:lvl9pPr marL="2799715" indent="-228600" algn="l" defTabSz="457200" rtl="0" eaLnBrk="1" latinLnBrk="0" hangingPunct="1">
               <a:spcBef>
                 <a:spcPct val="20000"/>
               </a:spcBef>
@@ -8646,6 +8136,9 @@
               </a:rPr>
               <a:t>It works well large data-sets; it clusters data after a single scan.</a:t>
             </a:r>
+            <a:endParaRPr lang="en-US" dirty="0">
+              <a:ea typeface="华文中宋"/>
+            </a:endParaRPr>
           </a:p>
           <a:p>
             <a:pPr marL="667385" lvl="1" indent="-342900">
@@ -8657,6 +8150,9 @@
               </a:rPr>
               <a:t>It can dynamically cluster incoming data</a:t>
             </a:r>
+            <a:endParaRPr lang="en-US" dirty="0">
+              <a:ea typeface="华文中宋"/>
+            </a:endParaRPr>
           </a:p>
           <a:p>
             <a:pPr marL="667385" lvl="1" indent="-342900">
@@ -8668,6 +8164,9 @@
               </a:rPr>
               <a:t>It creates a Clustering Feature Tree (CFT); the important parameters are:</a:t>
             </a:r>
+            <a:endParaRPr lang="en-US" dirty="0">
+              <a:ea typeface="华文中宋"/>
+            </a:endParaRPr>
           </a:p>
           <a:p>
             <a:pPr marL="937260" lvl="2" indent="-269875">
@@ -8679,6 +8178,9 @@
               </a:rPr>
               <a:t>Number of clusters: set to 2 (normal and anomaly)</a:t>
             </a:r>
+            <a:endParaRPr lang="en-US" dirty="0">
+              <a:ea typeface="华文中宋"/>
+            </a:endParaRPr>
           </a:p>
           <a:p>
             <a:pPr marL="937260" lvl="2" indent="-269875">
@@ -8746,16 +8248,8 @@
       </p:sp>
       <p:sp>
         <p:nvSpPr>
-          <p:cNvPr id="5" name="内容占位符 2">
-            <a:extLst>
-              <a:ext uri="{FF2B5EF4-FFF2-40B4-BE49-F238E27FC236}">
-                <a16:creationId xmlns:a16="http://schemas.microsoft.com/office/drawing/2014/main" id="{56B9AA07-58FB-43E6-8640-CAF98AF6A243}"/>
-              </a:ext>
-            </a:extLst>
-          </p:cNvPr>
-          <p:cNvSpPr txBox="1">
-            <a:spLocks/>
-          </p:cNvSpPr>
+          <p:cNvPr id="5" name="内容占位符 2"/>
+          <p:cNvSpPr txBox="true"/>
           <p:nvPr/>
         </p:nvSpPr>
         <p:spPr>
@@ -8772,7 +8266,7 @@
             <a:noAutofit/>
           </a:bodyPr>
           <a:lstStyle>
-            <a:lvl1pPr marL="305992" indent="-305992" algn="l" defTabSz="457189" rtl="0" eaLnBrk="1" latinLnBrk="0" hangingPunct="1">
+            <a:lvl1pPr marL="306070" indent="-306070" algn="l" defTabSz="457200" rtl="0" eaLnBrk="1" latinLnBrk="0" hangingPunct="1">
               <a:spcBef>
                 <a:spcPct val="20000"/>
               </a:spcBef>
@@ -8794,7 +8288,7 @@
                 <a:cs typeface="+mn-cs"/>
               </a:defRPr>
             </a:lvl1pPr>
-            <a:lvl2pPr marL="629984" indent="-305992" algn="l" defTabSz="457189" rtl="0" eaLnBrk="1" latinLnBrk="0" hangingPunct="1">
+            <a:lvl2pPr marL="629920" indent="-306070" algn="l" defTabSz="457200" rtl="0" eaLnBrk="1" latinLnBrk="0" hangingPunct="1">
               <a:spcBef>
                 <a:spcPct val="20000"/>
               </a:spcBef>
@@ -8816,7 +8310,7 @@
                 <a:cs typeface="+mn-cs"/>
               </a:defRPr>
             </a:lvl2pPr>
-            <a:lvl3pPr marL="899978" indent="-269993" algn="l" defTabSz="457189" rtl="0" eaLnBrk="1" latinLnBrk="0" hangingPunct="1">
+            <a:lvl3pPr marL="899795" indent="-269875" algn="l" defTabSz="457200" rtl="0" eaLnBrk="1" latinLnBrk="0" hangingPunct="1">
               <a:spcBef>
                 <a:spcPct val="20000"/>
               </a:spcBef>
@@ -8838,7 +8332,7 @@
                 <a:cs typeface="+mn-cs"/>
               </a:defRPr>
             </a:lvl3pPr>
-            <a:lvl4pPr marL="1241969" indent="-233994" algn="l" defTabSz="457189" rtl="0" eaLnBrk="1" latinLnBrk="0" hangingPunct="1">
+            <a:lvl4pPr marL="1242060" indent="-233680" algn="l" defTabSz="457200" rtl="0" eaLnBrk="1" latinLnBrk="0" hangingPunct="1">
               <a:spcBef>
                 <a:spcPct val="20000"/>
               </a:spcBef>
@@ -8860,7 +8354,7 @@
                 <a:cs typeface="+mn-cs"/>
               </a:defRPr>
             </a:lvl4pPr>
-            <a:lvl5pPr marL="1601960" indent="-233994" algn="l" defTabSz="457189" rtl="0" eaLnBrk="1" latinLnBrk="0" hangingPunct="1">
+            <a:lvl5pPr marL="1602105" indent="-233680" algn="l" defTabSz="457200" rtl="0" eaLnBrk="1" latinLnBrk="0" hangingPunct="1">
               <a:spcBef>
                 <a:spcPct val="20000"/>
               </a:spcBef>
@@ -8882,7 +8376,7 @@
                 <a:cs typeface="+mn-cs"/>
               </a:defRPr>
             </a:lvl5pPr>
-            <a:lvl6pPr marL="1899953" indent="-228594" algn="l" defTabSz="457189" rtl="0" eaLnBrk="1" latinLnBrk="0" hangingPunct="1">
+            <a:lvl6pPr marL="1899920" indent="-228600" algn="l" defTabSz="457200" rtl="0" eaLnBrk="1" latinLnBrk="0" hangingPunct="1">
               <a:spcBef>
                 <a:spcPct val="20000"/>
               </a:spcBef>
@@ -8904,7 +8398,7 @@
                 <a:cs typeface="+mn-cs"/>
               </a:defRPr>
             </a:lvl6pPr>
-            <a:lvl7pPr marL="2199945" indent="-228594" algn="l" defTabSz="457189" rtl="0" eaLnBrk="1" latinLnBrk="0" hangingPunct="1">
+            <a:lvl7pPr marL="2199640" indent="-228600" algn="l" defTabSz="457200" rtl="0" eaLnBrk="1" latinLnBrk="0" hangingPunct="1">
               <a:spcBef>
                 <a:spcPct val="20000"/>
               </a:spcBef>
@@ -8926,7 +8420,7 @@
                 <a:cs typeface="+mn-cs"/>
               </a:defRPr>
             </a:lvl7pPr>
-            <a:lvl8pPr marL="2499938" indent="-228594" algn="l" defTabSz="457189" rtl="0" eaLnBrk="1" latinLnBrk="0" hangingPunct="1">
+            <a:lvl8pPr marL="2499995" indent="-228600" algn="l" defTabSz="457200" rtl="0" eaLnBrk="1" latinLnBrk="0" hangingPunct="1">
               <a:spcBef>
                 <a:spcPct val="20000"/>
               </a:spcBef>
@@ -8948,7 +8442,7 @@
                 <a:cs typeface="+mn-cs"/>
               </a:defRPr>
             </a:lvl8pPr>
-            <a:lvl9pPr marL="2799930" indent="-228594" algn="l" defTabSz="457189" rtl="0" eaLnBrk="1" latinLnBrk="0" hangingPunct="1">
+            <a:lvl9pPr marL="2799715" indent="-228600" algn="l" defTabSz="457200" rtl="0" eaLnBrk="1" latinLnBrk="0" hangingPunct="1">
               <a:spcBef>
                 <a:spcPct val="20000"/>
               </a:spcBef>
@@ -9031,16 +8525,8 @@
       </p:sp>
       <p:sp>
         <p:nvSpPr>
-          <p:cNvPr id="6" name="内容占位符 2">
-            <a:extLst>
-              <a:ext uri="{FF2B5EF4-FFF2-40B4-BE49-F238E27FC236}">
-                <a16:creationId xmlns:a16="http://schemas.microsoft.com/office/drawing/2014/main" id="{0A883CF8-9127-48F6-9532-9368EA1B516B}"/>
-              </a:ext>
-            </a:extLst>
-          </p:cNvPr>
-          <p:cNvSpPr txBox="1">
-            <a:spLocks/>
-          </p:cNvSpPr>
+          <p:cNvPr id="6" name="内容占位符 2"/>
+          <p:cNvSpPr txBox="true"/>
           <p:nvPr/>
         </p:nvSpPr>
         <p:spPr>
@@ -9057,7 +8543,7 @@
             <a:normAutofit/>
           </a:bodyPr>
           <a:lstStyle>
-            <a:lvl1pPr marL="305992" indent="-305992" algn="l" defTabSz="457189" rtl="0" eaLnBrk="1" latinLnBrk="0" hangingPunct="1">
+            <a:lvl1pPr marL="306070" indent="-306070" algn="l" defTabSz="457200" rtl="0" eaLnBrk="1" latinLnBrk="0" hangingPunct="1">
               <a:spcBef>
                 <a:spcPct val="20000"/>
               </a:spcBef>
@@ -9079,7 +8565,7 @@
                 <a:cs typeface="+mn-cs"/>
               </a:defRPr>
             </a:lvl1pPr>
-            <a:lvl2pPr marL="629984" indent="-305992" algn="l" defTabSz="457189" rtl="0" eaLnBrk="1" latinLnBrk="0" hangingPunct="1">
+            <a:lvl2pPr marL="629920" indent="-306070" algn="l" defTabSz="457200" rtl="0" eaLnBrk="1" latinLnBrk="0" hangingPunct="1">
               <a:spcBef>
                 <a:spcPct val="20000"/>
               </a:spcBef>
@@ -9101,7 +8587,7 @@
                 <a:cs typeface="+mn-cs"/>
               </a:defRPr>
             </a:lvl2pPr>
-            <a:lvl3pPr marL="899978" indent="-269993" algn="l" defTabSz="457189" rtl="0" eaLnBrk="1" latinLnBrk="0" hangingPunct="1">
+            <a:lvl3pPr marL="899795" indent="-269875" algn="l" defTabSz="457200" rtl="0" eaLnBrk="1" latinLnBrk="0" hangingPunct="1">
               <a:spcBef>
                 <a:spcPct val="20000"/>
               </a:spcBef>
@@ -9123,7 +8609,7 @@
                 <a:cs typeface="+mn-cs"/>
               </a:defRPr>
             </a:lvl3pPr>
-            <a:lvl4pPr marL="1241969" indent="-233994" algn="l" defTabSz="457189" rtl="0" eaLnBrk="1" latinLnBrk="0" hangingPunct="1">
+            <a:lvl4pPr marL="1242060" indent="-233680" algn="l" defTabSz="457200" rtl="0" eaLnBrk="1" latinLnBrk="0" hangingPunct="1">
               <a:spcBef>
                 <a:spcPct val="20000"/>
               </a:spcBef>
@@ -9145,7 +8631,7 @@
                 <a:cs typeface="+mn-cs"/>
               </a:defRPr>
             </a:lvl4pPr>
-            <a:lvl5pPr marL="1601960" indent="-233994" algn="l" defTabSz="457189" rtl="0" eaLnBrk="1" latinLnBrk="0" hangingPunct="1">
+            <a:lvl5pPr marL="1602105" indent="-233680" algn="l" defTabSz="457200" rtl="0" eaLnBrk="1" latinLnBrk="0" hangingPunct="1">
               <a:spcBef>
                 <a:spcPct val="20000"/>
               </a:spcBef>
@@ -9167,7 +8653,7 @@
                 <a:cs typeface="+mn-cs"/>
               </a:defRPr>
             </a:lvl5pPr>
-            <a:lvl6pPr marL="1899953" indent="-228594" algn="l" defTabSz="457189" rtl="0" eaLnBrk="1" latinLnBrk="0" hangingPunct="1">
+            <a:lvl6pPr marL="1899920" indent="-228600" algn="l" defTabSz="457200" rtl="0" eaLnBrk="1" latinLnBrk="0" hangingPunct="1">
               <a:spcBef>
                 <a:spcPct val="20000"/>
               </a:spcBef>
@@ -9189,7 +8675,7 @@
                 <a:cs typeface="+mn-cs"/>
               </a:defRPr>
             </a:lvl6pPr>
-            <a:lvl7pPr marL="2199945" indent="-228594" algn="l" defTabSz="457189" rtl="0" eaLnBrk="1" latinLnBrk="0" hangingPunct="1">
+            <a:lvl7pPr marL="2199640" indent="-228600" algn="l" defTabSz="457200" rtl="0" eaLnBrk="1" latinLnBrk="0" hangingPunct="1">
               <a:spcBef>
                 <a:spcPct val="20000"/>
               </a:spcBef>
@@ -9211,7 +8697,7 @@
                 <a:cs typeface="+mn-cs"/>
               </a:defRPr>
             </a:lvl7pPr>
-            <a:lvl8pPr marL="2499938" indent="-228594" algn="l" defTabSz="457189" rtl="0" eaLnBrk="1" latinLnBrk="0" hangingPunct="1">
+            <a:lvl8pPr marL="2499995" indent="-228600" algn="l" defTabSz="457200" rtl="0" eaLnBrk="1" latinLnBrk="0" hangingPunct="1">
               <a:spcBef>
                 <a:spcPct val="20000"/>
               </a:spcBef>
@@ -9233,7 +8719,7 @@
                 <a:cs typeface="+mn-cs"/>
               </a:defRPr>
             </a:lvl8pPr>
-            <a:lvl9pPr marL="2799930" indent="-228594" algn="l" defTabSz="457189" rtl="0" eaLnBrk="1" latinLnBrk="0" hangingPunct="1">
+            <a:lvl9pPr marL="2799715" indent="-228600" algn="l" defTabSz="457200" rtl="0" eaLnBrk="1" latinLnBrk="0" hangingPunct="1">
               <a:spcBef>
                 <a:spcPct val="20000"/>
               </a:spcBef>
@@ -9296,16 +8782,8 @@
       </p:sp>
       <p:sp>
         <p:nvSpPr>
-          <p:cNvPr id="7" name="内容占位符 2">
-            <a:extLst>
-              <a:ext uri="{FF2B5EF4-FFF2-40B4-BE49-F238E27FC236}">
-                <a16:creationId xmlns:a16="http://schemas.microsoft.com/office/drawing/2014/main" id="{86455525-D0BC-43B3-AEBC-944F4E7C0721}"/>
-              </a:ext>
-            </a:extLst>
-          </p:cNvPr>
-          <p:cNvSpPr txBox="1">
-            <a:spLocks/>
-          </p:cNvSpPr>
+          <p:cNvPr id="7" name="内容占位符 2"/>
+          <p:cNvSpPr txBox="true"/>
           <p:nvPr/>
         </p:nvSpPr>
         <p:spPr>
@@ -9322,7 +8800,7 @@
             <a:normAutofit/>
           </a:bodyPr>
           <a:lstStyle>
-            <a:lvl1pPr marL="305992" indent="-305992" algn="l" defTabSz="457189" rtl="0" eaLnBrk="1" latinLnBrk="0" hangingPunct="1">
+            <a:lvl1pPr marL="306070" indent="-306070" algn="l" defTabSz="457200" rtl="0" eaLnBrk="1" latinLnBrk="0" hangingPunct="1">
               <a:spcBef>
                 <a:spcPct val="20000"/>
               </a:spcBef>
@@ -9344,7 +8822,7 @@
                 <a:cs typeface="+mn-cs"/>
               </a:defRPr>
             </a:lvl1pPr>
-            <a:lvl2pPr marL="629984" indent="-305992" algn="l" defTabSz="457189" rtl="0" eaLnBrk="1" latinLnBrk="0" hangingPunct="1">
+            <a:lvl2pPr marL="629920" indent="-306070" algn="l" defTabSz="457200" rtl="0" eaLnBrk="1" latinLnBrk="0" hangingPunct="1">
               <a:spcBef>
                 <a:spcPct val="20000"/>
               </a:spcBef>
@@ -9366,7 +8844,7 @@
                 <a:cs typeface="+mn-cs"/>
               </a:defRPr>
             </a:lvl2pPr>
-            <a:lvl3pPr marL="899978" indent="-269993" algn="l" defTabSz="457189" rtl="0" eaLnBrk="1" latinLnBrk="0" hangingPunct="1">
+            <a:lvl3pPr marL="899795" indent="-269875" algn="l" defTabSz="457200" rtl="0" eaLnBrk="1" latinLnBrk="0" hangingPunct="1">
               <a:spcBef>
                 <a:spcPct val="20000"/>
               </a:spcBef>
@@ -9388,7 +8866,7 @@
                 <a:cs typeface="+mn-cs"/>
               </a:defRPr>
             </a:lvl3pPr>
-            <a:lvl4pPr marL="1241969" indent="-233994" algn="l" defTabSz="457189" rtl="0" eaLnBrk="1" latinLnBrk="0" hangingPunct="1">
+            <a:lvl4pPr marL="1242060" indent="-233680" algn="l" defTabSz="457200" rtl="0" eaLnBrk="1" latinLnBrk="0" hangingPunct="1">
               <a:spcBef>
                 <a:spcPct val="20000"/>
               </a:spcBef>
@@ -9410,7 +8888,7 @@
                 <a:cs typeface="+mn-cs"/>
               </a:defRPr>
             </a:lvl4pPr>
-            <a:lvl5pPr marL="1601960" indent="-233994" algn="l" defTabSz="457189" rtl="0" eaLnBrk="1" latinLnBrk="0" hangingPunct="1">
+            <a:lvl5pPr marL="1602105" indent="-233680" algn="l" defTabSz="457200" rtl="0" eaLnBrk="1" latinLnBrk="0" hangingPunct="1">
               <a:spcBef>
                 <a:spcPct val="20000"/>
               </a:spcBef>
@@ -9432,7 +8910,7 @@
                 <a:cs typeface="+mn-cs"/>
               </a:defRPr>
             </a:lvl5pPr>
-            <a:lvl6pPr marL="1899953" indent="-228594" algn="l" defTabSz="457189" rtl="0" eaLnBrk="1" latinLnBrk="0" hangingPunct="1">
+            <a:lvl6pPr marL="1899920" indent="-228600" algn="l" defTabSz="457200" rtl="0" eaLnBrk="1" latinLnBrk="0" hangingPunct="1">
               <a:spcBef>
                 <a:spcPct val="20000"/>
               </a:spcBef>
@@ -9454,7 +8932,7 @@
                 <a:cs typeface="+mn-cs"/>
               </a:defRPr>
             </a:lvl6pPr>
-            <a:lvl7pPr marL="2199945" indent="-228594" algn="l" defTabSz="457189" rtl="0" eaLnBrk="1" latinLnBrk="0" hangingPunct="1">
+            <a:lvl7pPr marL="2199640" indent="-228600" algn="l" defTabSz="457200" rtl="0" eaLnBrk="1" latinLnBrk="0" hangingPunct="1">
               <a:spcBef>
                 <a:spcPct val="20000"/>
               </a:spcBef>
@@ -9476,7 +8954,7 @@
                 <a:cs typeface="+mn-cs"/>
               </a:defRPr>
             </a:lvl7pPr>
-            <a:lvl8pPr marL="2499938" indent="-228594" algn="l" defTabSz="457189" rtl="0" eaLnBrk="1" latinLnBrk="0" hangingPunct="1">
+            <a:lvl8pPr marL="2499995" indent="-228600" algn="l" defTabSz="457200" rtl="0" eaLnBrk="1" latinLnBrk="0" hangingPunct="1">
               <a:spcBef>
                 <a:spcPct val="20000"/>
               </a:spcBef>
@@ -9498,7 +8976,7 @@
                 <a:cs typeface="+mn-cs"/>
               </a:defRPr>
             </a:lvl8pPr>
-            <a:lvl9pPr marL="2799930" indent="-228594" algn="l" defTabSz="457189" rtl="0" eaLnBrk="1" latinLnBrk="0" hangingPunct="1">
+            <a:lvl9pPr marL="2799715" indent="-228600" algn="l" defTabSz="457200" rtl="0" eaLnBrk="1" latinLnBrk="0" hangingPunct="1">
               <a:spcBef>
                 <a:spcPct val="20000"/>
               </a:spcBef>
@@ -9570,16 +9048,8 @@
       </p:sp>
       <p:sp>
         <p:nvSpPr>
-          <p:cNvPr id="10" name="内容占位符 2">
-            <a:extLst>
-              <a:ext uri="{FF2B5EF4-FFF2-40B4-BE49-F238E27FC236}">
-                <a16:creationId xmlns:a16="http://schemas.microsoft.com/office/drawing/2014/main" id="{32F633C7-D679-4004-B002-4B9473345FEF}"/>
-              </a:ext>
-            </a:extLst>
-          </p:cNvPr>
-          <p:cNvSpPr txBox="1">
-            <a:spLocks/>
-          </p:cNvSpPr>
+          <p:cNvPr id="10" name="内容占位符 2"/>
+          <p:cNvSpPr txBox="true"/>
           <p:nvPr/>
         </p:nvSpPr>
         <p:spPr>
@@ -9596,7 +9066,7 @@
             <a:normAutofit lnSpcReduction="10000"/>
           </a:bodyPr>
           <a:lstStyle>
-            <a:lvl1pPr marL="305992" indent="-305992" algn="l" defTabSz="457189" rtl="0" eaLnBrk="1" latinLnBrk="0" hangingPunct="1">
+            <a:lvl1pPr marL="306070" indent="-306070" algn="l" defTabSz="457200" rtl="0" eaLnBrk="1" latinLnBrk="0" hangingPunct="1">
               <a:spcBef>
                 <a:spcPct val="20000"/>
               </a:spcBef>
@@ -9618,7 +9088,7 @@
                 <a:cs typeface="+mn-cs"/>
               </a:defRPr>
             </a:lvl1pPr>
-            <a:lvl2pPr marL="629984" indent="-305992" algn="l" defTabSz="457189" rtl="0" eaLnBrk="1" latinLnBrk="0" hangingPunct="1">
+            <a:lvl2pPr marL="629920" indent="-306070" algn="l" defTabSz="457200" rtl="0" eaLnBrk="1" latinLnBrk="0" hangingPunct="1">
               <a:spcBef>
                 <a:spcPct val="20000"/>
               </a:spcBef>
@@ -9640,7 +9110,7 @@
                 <a:cs typeface="+mn-cs"/>
               </a:defRPr>
             </a:lvl2pPr>
-            <a:lvl3pPr marL="899978" indent="-269993" algn="l" defTabSz="457189" rtl="0" eaLnBrk="1" latinLnBrk="0" hangingPunct="1">
+            <a:lvl3pPr marL="899795" indent="-269875" algn="l" defTabSz="457200" rtl="0" eaLnBrk="1" latinLnBrk="0" hangingPunct="1">
               <a:spcBef>
                 <a:spcPct val="20000"/>
               </a:spcBef>
@@ -9662,7 +9132,7 @@
                 <a:cs typeface="+mn-cs"/>
               </a:defRPr>
             </a:lvl3pPr>
-            <a:lvl4pPr marL="1241969" indent="-233994" algn="l" defTabSz="457189" rtl="0" eaLnBrk="1" latinLnBrk="0" hangingPunct="1">
+            <a:lvl4pPr marL="1242060" indent="-233680" algn="l" defTabSz="457200" rtl="0" eaLnBrk="1" latinLnBrk="0" hangingPunct="1">
               <a:spcBef>
                 <a:spcPct val="20000"/>
               </a:spcBef>
@@ -9684,7 +9154,7 @@
                 <a:cs typeface="+mn-cs"/>
               </a:defRPr>
             </a:lvl4pPr>
-            <a:lvl5pPr marL="1601960" indent="-233994" algn="l" defTabSz="457189" rtl="0" eaLnBrk="1" latinLnBrk="0" hangingPunct="1">
+            <a:lvl5pPr marL="1602105" indent="-233680" algn="l" defTabSz="457200" rtl="0" eaLnBrk="1" latinLnBrk="0" hangingPunct="1">
               <a:spcBef>
                 <a:spcPct val="20000"/>
               </a:spcBef>
@@ -9706,7 +9176,7 @@
                 <a:cs typeface="+mn-cs"/>
               </a:defRPr>
             </a:lvl5pPr>
-            <a:lvl6pPr marL="1899953" indent="-228594" algn="l" defTabSz="457189" rtl="0" eaLnBrk="1" latinLnBrk="0" hangingPunct="1">
+            <a:lvl6pPr marL="1899920" indent="-228600" algn="l" defTabSz="457200" rtl="0" eaLnBrk="1" latinLnBrk="0" hangingPunct="1">
               <a:spcBef>
                 <a:spcPct val="20000"/>
               </a:spcBef>
@@ -9728,7 +9198,7 @@
                 <a:cs typeface="+mn-cs"/>
               </a:defRPr>
             </a:lvl6pPr>
-            <a:lvl7pPr marL="2199945" indent="-228594" algn="l" defTabSz="457189" rtl="0" eaLnBrk="1" latinLnBrk="0" hangingPunct="1">
+            <a:lvl7pPr marL="2199640" indent="-228600" algn="l" defTabSz="457200" rtl="0" eaLnBrk="1" latinLnBrk="0" hangingPunct="1">
               <a:spcBef>
                 <a:spcPct val="20000"/>
               </a:spcBef>
@@ -9750,7 +9220,7 @@
                 <a:cs typeface="+mn-cs"/>
               </a:defRPr>
             </a:lvl7pPr>
-            <a:lvl8pPr marL="2499938" indent="-228594" algn="l" defTabSz="457189" rtl="0" eaLnBrk="1" latinLnBrk="0" hangingPunct="1">
+            <a:lvl8pPr marL="2499995" indent="-228600" algn="l" defTabSz="457200" rtl="0" eaLnBrk="1" latinLnBrk="0" hangingPunct="1">
               <a:spcBef>
                 <a:spcPct val="20000"/>
               </a:spcBef>
@@ -9772,7 +9242,7 @@
                 <a:cs typeface="+mn-cs"/>
               </a:defRPr>
             </a:lvl8pPr>
-            <a:lvl9pPr marL="2799930" indent="-228594" algn="l" defTabSz="457189" rtl="0" eaLnBrk="1" latinLnBrk="0" hangingPunct="1">
+            <a:lvl9pPr marL="2799715" indent="-228600" algn="l" defTabSz="457200" rtl="0" eaLnBrk="1" latinLnBrk="0" hangingPunct="1">
               <a:spcBef>
                 <a:spcPct val="20000"/>
               </a:spcBef>
@@ -9837,6 +9307,10 @@
               </a:rPr>
               <a:t>Stop analyzing new incoming ESB data.</a:t>
             </a:r>
+            <a:endParaRPr lang="en-US" sz="1400" dirty="0">
+              <a:ea typeface="+mn-lt"/>
+              <a:cs typeface="+mn-lt"/>
+            </a:endParaRPr>
           </a:p>
           <a:p>
             <a:pPr marL="667385" lvl="1" indent="-342900">
@@ -9858,6 +9332,10 @@
               </a:rPr>
               <a:t>Call the module for trace faulty service detection.</a:t>
             </a:r>
+            <a:endParaRPr lang="en-US" sz="1400" dirty="0">
+              <a:ea typeface="+mn-lt"/>
+              <a:cs typeface="+mn-lt"/>
+            </a:endParaRPr>
           </a:p>
           <a:p>
             <a:pPr marL="937260" lvl="2" indent="-269875">
@@ -9896,11 +9374,6 @@
         </p:txBody>
       </p:sp>
     </p:spTree>
-    <p:extLst>
-      <p:ext uri="{BB962C8B-B14F-4D97-AF65-F5344CB8AC3E}">
-        <p14:creationId xmlns:p14="http://schemas.microsoft.com/office/powerpoint/2010/main" val="2888576015"/>
-      </p:ext>
-    </p:extLst>
   </p:cSld>
   <p:clrMapOvr>
     <a:masterClrMapping/>
@@ -10097,15 +9570,9 @@
       </p:grpSpPr>
       <p:sp>
         <p:nvSpPr>
-          <p:cNvPr id="3" name="内容占位符 2">
-            <a:extLst>
-              <a:ext uri="{FF2B5EF4-FFF2-40B4-BE49-F238E27FC236}">
-                <a16:creationId xmlns:a16="http://schemas.microsoft.com/office/drawing/2014/main" id="{CBF70067-6637-434D-BDBB-DFF9E67611F3}"/>
-              </a:ext>
-            </a:extLst>
-          </p:cNvPr>
+          <p:cNvPr id="3" name="内容占位符 2"/>
           <p:cNvSpPr>
-            <a:spLocks noGrp="1"/>
+            <a:spLocks noGrp="true"/>
           </p:cNvSpPr>
           <p:nvPr>
             <p:ph idx="1"/>
@@ -10144,6 +9611,9 @@
               </a:rPr>
               <a:t>We replaced the service name with the host of the child/DS name and removed fly remote functions</a:t>
             </a:r>
+            <a:endParaRPr lang="en-US" altLang="zh-CN">
+              <a:ea typeface="华文中宋"/>
+            </a:endParaRPr>
           </a:p>
           <a:p>
             <a:pPr marL="305435" indent="-305435">
@@ -10156,6 +9626,9 @@
               </a:rPr>
               <a:t>Edges represent calls from one host to another</a:t>
             </a:r>
+            <a:endParaRPr lang="en-US" altLang="zh-CN">
+              <a:ea typeface="华文中宋"/>
+            </a:endParaRPr>
           </a:p>
           <a:p>
             <a:pPr marL="305435" indent="-305435"/>
@@ -10173,15 +9646,9 @@
       </p:sp>
       <p:sp>
         <p:nvSpPr>
-          <p:cNvPr id="2" name="标题 1">
-            <a:extLst>
-              <a:ext uri="{FF2B5EF4-FFF2-40B4-BE49-F238E27FC236}">
-                <a16:creationId xmlns:a16="http://schemas.microsoft.com/office/drawing/2014/main" id="{C35F2E39-C044-473D-8182-84ADB12816BC}"/>
-              </a:ext>
-            </a:extLst>
-          </p:cNvPr>
+          <p:cNvPr id="2" name="标题 1"/>
           <p:cNvSpPr>
-            <a:spLocks noGrp="1"/>
+            <a:spLocks noGrp="true"/>
           </p:cNvSpPr>
           <p:nvPr>
             <p:ph type="title"/>
@@ -10204,20 +9671,14 @@
       </p:sp>
       <p:pic>
         <p:nvPicPr>
-          <p:cNvPr id="4" name="Picture 4" descr="Diagram&#10;&#10;Description automatically generated">
-            <a:extLst>
-              <a:ext uri="{FF2B5EF4-FFF2-40B4-BE49-F238E27FC236}">
-                <a16:creationId xmlns:a16="http://schemas.microsoft.com/office/drawing/2014/main" id="{894CD8F0-367A-49E6-93D0-BB23BF7940EE}"/>
-              </a:ext>
-            </a:extLst>
-          </p:cNvPr>
+          <p:cNvPr id="4" name="Picture 4" descr="Diagram&#10;&#10;Description automatically generated"/>
           <p:cNvPicPr>
-            <a:picLocks noChangeAspect="1"/>
+            <a:picLocks noChangeAspect="true"/>
           </p:cNvPicPr>
           <p:nvPr/>
         </p:nvPicPr>
         <p:blipFill>
-          <a:blip r:embed="rId2"/>
+          <a:blip r:embed="rId1"/>
           <a:stretch>
             <a:fillRect/>
           </a:stretch>
@@ -10233,11 +9694,6 @@
         </p:spPr>
       </p:pic>
     </p:spTree>
-    <p:extLst>
-      <p:ext uri="{BB962C8B-B14F-4D97-AF65-F5344CB8AC3E}">
-        <p14:creationId xmlns:p14="http://schemas.microsoft.com/office/powerpoint/2010/main" val="4068551401"/>
-      </p:ext>
-    </p:extLst>
   </p:cSld>
   <p:clrMapOvr>
     <a:masterClrMapping/>
@@ -10264,20 +9720,14 @@
       </p:grpSpPr>
       <p:pic>
         <p:nvPicPr>
-          <p:cNvPr id="6" name="Picture 4" descr="Diagram&#10;&#10;Description automatically generated">
-            <a:extLst>
-              <a:ext uri="{FF2B5EF4-FFF2-40B4-BE49-F238E27FC236}">
-                <a16:creationId xmlns:a16="http://schemas.microsoft.com/office/drawing/2014/main" id="{50E093B5-5334-41C3-BBD1-F74880876DB1}"/>
-              </a:ext>
-            </a:extLst>
-          </p:cNvPr>
+          <p:cNvPr id="6" name="Picture 4" descr="Diagram&#10;&#10;Description automatically generated"/>
           <p:cNvPicPr>
-            <a:picLocks noChangeAspect="1"/>
+            <a:picLocks noChangeAspect="true"/>
           </p:cNvPicPr>
           <p:nvPr/>
         </p:nvPicPr>
         <p:blipFill>
-          <a:blip r:embed="rId2"/>
+          <a:blip r:embed="rId1"/>
           <a:stretch>
             <a:fillRect/>
           </a:stretch>
@@ -10294,22 +9744,18 @@
       </p:pic>
       <p:pic>
         <p:nvPicPr>
-          <p:cNvPr id="8" name="Picture 8" descr="A picture containing outdoor, small, sitting, large&#10;&#10;Description automatically generated">
-            <a:extLst>
-              <a:ext uri="{FF2B5EF4-FFF2-40B4-BE49-F238E27FC236}">
-                <a16:creationId xmlns:a16="http://schemas.microsoft.com/office/drawing/2014/main" id="{95C16CF2-5505-479B-80D5-22973CE4BBD3}"/>
-              </a:ext>
-            </a:extLst>
-          </p:cNvPr>
+          <p:cNvPr id="8" name="Picture 8" descr="A picture containing outdoor, small, sitting, large&#10;&#10;Description automatically generated"/>
           <p:cNvPicPr>
-            <a:picLocks noChangeAspect="1"/>
+            <a:picLocks noChangeAspect="true"/>
           </p:cNvPicPr>
           <p:nvPr/>
         </p:nvPicPr>
-        <p:blipFill rotWithShape="1">
-          <a:blip r:embed="rId3"/>
+        <p:blipFill rotWithShape="true">
+          <a:blip r:embed="rId2"/>
           <a:srcRect l="14605" t="12603" r="12473" b="11157"/>
-          <a:stretch/>
+          <a:stretch>
+            <a:fillRect/>
+          </a:stretch>
         </p:blipFill>
         <p:spPr>
           <a:xfrm>
@@ -10323,15 +9769,9 @@
       </p:pic>
       <p:sp>
         <p:nvSpPr>
-          <p:cNvPr id="11" name="标题 1">
-            <a:extLst>
-              <a:ext uri="{FF2B5EF4-FFF2-40B4-BE49-F238E27FC236}">
-                <a16:creationId xmlns:a16="http://schemas.microsoft.com/office/drawing/2014/main" id="{6CEB9028-A01E-4BFD-B08C-7853E18FF24D}"/>
-              </a:ext>
-            </a:extLst>
-          </p:cNvPr>
+          <p:cNvPr id="11" name="标题 1"/>
           <p:cNvSpPr>
-            <a:spLocks noGrp="1"/>
+            <a:spLocks noGrp="true"/>
           </p:cNvSpPr>
           <p:nvPr>
             <p:ph type="title"/>
@@ -10358,11 +9798,6 @@
         </p:txBody>
       </p:sp>
     </p:spTree>
-    <p:extLst>
-      <p:ext uri="{BB962C8B-B14F-4D97-AF65-F5344CB8AC3E}">
-        <p14:creationId xmlns:p14="http://schemas.microsoft.com/office/powerpoint/2010/main" val="2504695397"/>
-      </p:ext>
-    </p:extLst>
   </p:cSld>
   <p:clrMapOvr>
     <a:masterClrMapping/>
@@ -10389,15 +9824,9 @@
       </p:grpSpPr>
       <p:sp>
         <p:nvSpPr>
-          <p:cNvPr id="3" name="内容占位符 2">
-            <a:extLst>
-              <a:ext uri="{FF2B5EF4-FFF2-40B4-BE49-F238E27FC236}">
-                <a16:creationId xmlns:a16="http://schemas.microsoft.com/office/drawing/2014/main" id="{48B0F522-6676-4493-B0FA-5DAC6FFF7ED9}"/>
-              </a:ext>
-            </a:extLst>
-          </p:cNvPr>
+          <p:cNvPr id="3" name="内容占位符 2"/>
           <p:cNvSpPr>
-            <a:spLocks noGrp="1"/>
+            <a:spLocks noGrp="true"/>
           </p:cNvSpPr>
           <p:nvPr>
             <p:ph idx="1"/>
@@ -10432,6 +9861,9 @@
               </a:rPr>
               <a:t>Problem:  All results ended up on db_003 as all paths in the topology lead to it. Adjusting edge weights/teleporting probability didn’t solve. </a:t>
             </a:r>
+            <a:endParaRPr lang="en-US" altLang="zh-CN">
+              <a:ea typeface="华文中宋"/>
+            </a:endParaRPr>
           </a:p>
           <a:p>
             <a:pPr marL="305435" indent="-305435"/>
@@ -10449,6 +9881,9 @@
               </a:rPr>
               <a:t>Problem: Requires distinct definitions of services and hosts – DBs can be either. Requires a lot of heavy preprocessing</a:t>
             </a:r>
+            <a:endParaRPr lang="en-US" altLang="zh-CN">
+              <a:ea typeface="华文中宋"/>
+            </a:endParaRPr>
           </a:p>
           <a:p>
             <a:pPr marL="305435" indent="-305435"/>
@@ -10458,6 +9893,9 @@
               </a:rPr>
               <a:t>Trace Anomaly</a:t>
             </a:r>
+            <a:endParaRPr lang="en-US" altLang="zh-CN">
+              <a:ea typeface="华文中宋"/>
+            </a:endParaRPr>
           </a:p>
           <a:p>
             <a:pPr marL="629920" lvl="1" indent="-305435"/>
@@ -10475,15 +9913,9 @@
       </p:sp>
       <p:sp>
         <p:nvSpPr>
-          <p:cNvPr id="2" name="标题 1">
-            <a:extLst>
-              <a:ext uri="{FF2B5EF4-FFF2-40B4-BE49-F238E27FC236}">
-                <a16:creationId xmlns:a16="http://schemas.microsoft.com/office/drawing/2014/main" id="{A7C6482F-E14B-4C60-9DFF-5589A7D91EE1}"/>
-              </a:ext>
-            </a:extLst>
-          </p:cNvPr>
+          <p:cNvPr id="2" name="标题 1"/>
           <p:cNvSpPr>
-            <a:spLocks noGrp="1"/>
+            <a:spLocks noGrp="true"/>
           </p:cNvSpPr>
           <p:nvPr>
             <p:ph type="title"/>
@@ -10504,22 +9936,18 @@
       </p:sp>
       <p:pic>
         <p:nvPicPr>
-          <p:cNvPr id="4" name="Picture 4" descr="Diagram&#10;&#10;Description automatically generated">
-            <a:extLst>
-              <a:ext uri="{FF2B5EF4-FFF2-40B4-BE49-F238E27FC236}">
-                <a16:creationId xmlns:a16="http://schemas.microsoft.com/office/drawing/2014/main" id="{57374FA5-5F7F-4F49-8586-649982099585}"/>
-              </a:ext>
-            </a:extLst>
-          </p:cNvPr>
+          <p:cNvPr id="4" name="Picture 4" descr="Diagram&#10;&#10;Description automatically generated"/>
           <p:cNvPicPr>
-            <a:picLocks noChangeAspect="1"/>
+            <a:picLocks noChangeAspect="true"/>
           </p:cNvPicPr>
           <p:nvPr/>
         </p:nvPicPr>
-        <p:blipFill rotWithShape="1">
-          <a:blip r:embed="rId2"/>
+        <p:blipFill rotWithShape="true">
+          <a:blip r:embed="rId1"/>
           <a:srcRect t="10952" r="-141" b="3809"/>
-          <a:stretch/>
+          <a:stretch>
+            <a:fillRect/>
+          </a:stretch>
         </p:blipFill>
         <p:spPr>
           <a:xfrm>
@@ -10533,14 +9961,8 @@
       </p:pic>
       <p:sp>
         <p:nvSpPr>
-          <p:cNvPr id="5" name="TextBox 4">
-            <a:extLst>
-              <a:ext uri="{FF2B5EF4-FFF2-40B4-BE49-F238E27FC236}">
-                <a16:creationId xmlns:a16="http://schemas.microsoft.com/office/drawing/2014/main" id="{FFCF380B-4353-416C-9EFE-791A07626A5B}"/>
-              </a:ext>
-            </a:extLst>
-          </p:cNvPr>
-          <p:cNvSpPr txBox="1"/>
+          <p:cNvPr id="5" name="TextBox 4"/>
+          <p:cNvSpPr txBox="true"/>
           <p:nvPr/>
         </p:nvSpPr>
         <p:spPr>
@@ -10554,10 +9976,7 @@
           <a:noFill/>
         </p:spPr>
         <p:txBody>
-          <a:bodyPr rot="0" spcFirstLastPara="0" vertOverflow="overflow" horzOverflow="overflow" vert="horz" wrap="square" lIns="91440" tIns="45720" rIns="91440" bIns="45720" numCol="1" spcCol="0" rtlCol="0" fromWordArt="0" anchor="t" anchorCtr="0" forceAA="0" compatLnSpc="1">
-            <a:prstTxWarp prst="textNoShape">
-              <a:avLst/>
-            </a:prstTxWarp>
+          <a:bodyPr rot="0" spcFirstLastPara="0" vertOverflow="overflow" horzOverflow="overflow" vert="horz" wrap="square" lIns="91440" tIns="45720" rIns="91440" bIns="45720" numCol="1" spcCol="0" rtlCol="0" fromWordArt="false" anchor="t" anchorCtr="false" forceAA="false" compatLnSpc="true">
             <a:spAutoFit/>
           </a:bodyPr>
           <a:lstStyle/>
@@ -10570,15 +9989,11 @@
               <a:rPr lang="en-US"/>
               <a:t> Overview</a:t>
             </a:r>
+            <a:endParaRPr lang="en-US"/>
           </a:p>
         </p:txBody>
       </p:sp>
     </p:spTree>
-    <p:extLst>
-      <p:ext uri="{BB962C8B-B14F-4D97-AF65-F5344CB8AC3E}">
-        <p14:creationId xmlns:p14="http://schemas.microsoft.com/office/powerpoint/2010/main" val="2881506830"/>
-      </p:ext>
-    </p:extLst>
   </p:cSld>
   <p:clrMapOvr>
     <a:masterClrMapping/>
@@ -10605,15 +10020,9 @@
       </p:grpSpPr>
       <p:sp>
         <p:nvSpPr>
-          <p:cNvPr id="3" name="Title 2">
-            <a:extLst>
-              <a:ext uri="{FF2B5EF4-FFF2-40B4-BE49-F238E27FC236}">
-                <a16:creationId xmlns:a16="http://schemas.microsoft.com/office/drawing/2014/main" id="{45FB1CDB-9CF6-46EE-AF46-A410A84CF3D5}"/>
-              </a:ext>
-            </a:extLst>
-          </p:cNvPr>
+          <p:cNvPr id="3" name="Title 2"/>
           <p:cNvSpPr>
-            <a:spLocks noGrp="1"/>
+            <a:spLocks noGrp="true"/>
           </p:cNvSpPr>
           <p:nvPr>
             <p:ph type="title"/>
@@ -10628,19 +10037,14 @@
               <a:rPr lang="en-US"/>
               <a:t>Our Approach</a:t>
             </a:r>
-          </a:p>
-        </p:txBody>
-      </p:sp>
-      <p:sp>
-        <p:nvSpPr>
-          <p:cNvPr id="4" name="TextBox 3">
-            <a:extLst>
-              <a:ext uri="{FF2B5EF4-FFF2-40B4-BE49-F238E27FC236}">
-                <a16:creationId xmlns:a16="http://schemas.microsoft.com/office/drawing/2014/main" id="{53BCD126-2959-4E34-B617-E9B52C5AFADC}"/>
-              </a:ext>
-            </a:extLst>
-          </p:cNvPr>
-          <p:cNvSpPr txBox="1"/>
+            <a:endParaRPr lang="en-US"/>
+          </a:p>
+        </p:txBody>
+      </p:sp>
+      <p:sp>
+        <p:nvSpPr>
+          <p:cNvPr id="4" name="TextBox 3"/>
+          <p:cNvSpPr txBox="true"/>
           <p:nvPr/>
         </p:nvSpPr>
         <p:spPr>
@@ -10654,10 +10058,7 @@
           <a:noFill/>
         </p:spPr>
         <p:txBody>
-          <a:bodyPr rot="0" spcFirstLastPara="0" vertOverflow="overflow" horzOverflow="overflow" vert="horz" wrap="square" lIns="91440" tIns="45720" rIns="91440" bIns="45720" numCol="1" spcCol="0" rtlCol="0" fromWordArt="0" anchor="t" anchorCtr="0" forceAA="0" compatLnSpc="1">
-            <a:prstTxWarp prst="textNoShape">
-              <a:avLst/>
-            </a:prstTxWarp>
+          <a:bodyPr rot="0" spcFirstLastPara="0" vertOverflow="overflow" horzOverflow="overflow" vert="horz" wrap="square" lIns="91440" tIns="45720" rIns="91440" bIns="45720" numCol="1" spcCol="0" rtlCol="0" fromWordArt="false" anchor="t" anchorCtr="false" forceAA="false" compatLnSpc="true">
             <a:spAutoFit/>
           </a:bodyPr>
           <a:lstStyle/>
@@ -10684,14 +10085,8 @@
       </p:sp>
       <p:sp>
         <p:nvSpPr>
-          <p:cNvPr id="5" name="TextBox 4">
-            <a:extLst>
-              <a:ext uri="{FF2B5EF4-FFF2-40B4-BE49-F238E27FC236}">
-                <a16:creationId xmlns:a16="http://schemas.microsoft.com/office/drawing/2014/main" id="{C8A0A3C3-91B0-4412-B5C5-32600CF067E5}"/>
-              </a:ext>
-            </a:extLst>
-          </p:cNvPr>
-          <p:cNvSpPr txBox="1"/>
+          <p:cNvPr id="5" name="TextBox 4"/>
+          <p:cNvSpPr txBox="true"/>
           <p:nvPr/>
         </p:nvSpPr>
         <p:spPr>
@@ -10705,10 +10100,7 @@
           <a:noFill/>
         </p:spPr>
         <p:txBody>
-          <a:bodyPr rot="0" spcFirstLastPara="0" vertOverflow="overflow" horzOverflow="overflow" vert="horz" wrap="square" lIns="91440" tIns="45720" rIns="91440" bIns="45720" numCol="1" spcCol="0" rtlCol="0" fromWordArt="0" anchor="t" anchorCtr="0" forceAA="0" compatLnSpc="1">
-            <a:prstTxWarp prst="textNoShape">
-              <a:avLst/>
-            </a:prstTxWarp>
+          <a:bodyPr rot="0" spcFirstLastPara="0" vertOverflow="overflow" horzOverflow="overflow" vert="horz" wrap="square" lIns="91440" tIns="45720" rIns="91440" bIns="45720" numCol="1" spcCol="0" rtlCol="0" fromWordArt="false" anchor="t" anchorCtr="false" forceAA="false" compatLnSpc="true">
             <a:spAutoFit/>
           </a:bodyPr>
           <a:lstStyle/>
@@ -10733,18 +10125,12 @@
           </a:p>
         </p:txBody>
       </p:sp>
-      <mc:AlternateContent xmlns:mc="http://schemas.openxmlformats.org/markup-compatibility/2006" xmlns:a14="http://schemas.microsoft.com/office/drawing/2010/main">
-        <mc:Choice Requires="a14">
+      <mc:AlternateContent xmlns:mc="http://schemas.openxmlformats.org/markup-compatibility/2006">
+        <mc:Choice xmlns:a14="http://schemas.microsoft.com/office/drawing/2010/main" Requires="a14">
           <p:sp>
             <p:nvSpPr>
-              <p:cNvPr id="2" name="文本框 1">
-                <a:extLst>
-                  <a:ext uri="{FF2B5EF4-FFF2-40B4-BE49-F238E27FC236}">
-                    <a16:creationId xmlns:a16="http://schemas.microsoft.com/office/drawing/2014/main" id="{32B31E09-9DA5-4571-A301-1ECDA2DD9080}"/>
-                  </a:ext>
-                </a:extLst>
-              </p:cNvPr>
-              <p:cNvSpPr txBox="1"/>
+              <p:cNvPr id="2" name="文本框 1"/>
+              <p:cNvSpPr txBox="true"/>
               <p:nvPr/>
             </p:nvSpPr>
             <p:spPr>
@@ -10763,7 +10149,6 @@
               </a:bodyPr>
               <a:lstStyle/>
               <a:p>
-                <a:pPr/>
                 <a14:m>
                   <m:oMathPara xmlns:m="http://schemas.openxmlformats.org/officeDocument/2006/math">
                     <m:oMathParaPr>
@@ -10908,7 +10293,19 @@
                         <a:rPr lang="zh-CN" altLang="en-US" i="0">
                           <a:latin typeface="Cambria Math" panose="02040503050406030204" pitchFamily="18" charset="0"/>
                         </a:rPr>
-                        <m:t> 1≤</m:t>
+                        <m:t> </m:t>
+                      </m:r>
+                      <m:r>
+                        <a:rPr lang="zh-CN" altLang="en-US" i="0">
+                          <a:latin typeface="Cambria Math" panose="02040503050406030204" pitchFamily="18" charset="0"/>
+                        </a:rPr>
+                        <m:t>1</m:t>
+                      </m:r>
+                      <m:r>
+                        <a:rPr lang="zh-CN" altLang="en-US" i="0">
+                          <a:latin typeface="Cambria Math" panose="02040503050406030204" pitchFamily="18" charset="0"/>
+                        </a:rPr>
+                        <m:t>≤</m:t>
                       </m:r>
                       <m:r>
                         <a:rPr lang="zh-CN" altLang="en-US" i="1">
@@ -10936,18 +10333,12 @@
             </p:txBody>
           </p:sp>
         </mc:Choice>
-        <mc:Fallback xmlns="">
+        <mc:Fallback>
           <p:sp>
             <p:nvSpPr>
-              <p:cNvPr id="2" name="文本框 1">
-                <a:extLst>
-                  <a:ext uri="{FF2B5EF4-FFF2-40B4-BE49-F238E27FC236}">
-                    <a16:creationId xmlns:a16="http://schemas.microsoft.com/office/drawing/2014/main" id="{32B31E09-9DA5-4571-A301-1ECDA2DD9080}"/>
-                  </a:ext>
-                </a:extLst>
-              </p:cNvPr>
-              <p:cNvSpPr txBox="1">
-                <a:spLocks noRot="1" noChangeAspect="1" noMove="1" noResize="1" noEditPoints="1" noAdjustHandles="1" noChangeArrowheads="1" noChangeShapeType="1" noTextEdit="1"/>
+              <p:cNvPr id="2" name="文本框 1"/>
+              <p:cNvSpPr txBox="true">
+                <a:spLocks noRot="true" noChangeAspect="true" noMove="true" noResize="true" noEditPoints="true" noAdjustHandles="true" noChangeArrowheads="true" noChangeShapeType="true" noTextEdit="true"/>
               </p:cNvSpPr>
               <p:nvPr/>
             </p:nvSpPr>
@@ -10959,10 +10350,10 @@
               <a:prstGeom prst="rect">
                 <a:avLst/>
               </a:prstGeom>
-              <a:blipFill>
-                <a:blip r:embed="rId2"/>
+              <a:blipFill rotWithShape="true">
+                <a:blip r:embed="rId1"/>
                 <a:stretch>
-                  <a:fillRect/>
+                  <a:fillRect t="-73" r="2" b="52"/>
                 </a:stretch>
               </a:blipFill>
             </p:spPr>
@@ -10971,7 +10362,7 @@
               <a:lstStyle/>
               <a:p>
                 <a:r>
-                  <a:rPr lang="en-US">
+                  <a:rPr lang="en-US" altLang="en-US">
                     <a:noFill/>
                   </a:rPr>
                   <a:t> </a:t>
@@ -10981,18 +10372,12 @@
           </p:sp>
         </mc:Fallback>
       </mc:AlternateContent>
-      <mc:AlternateContent xmlns:mc="http://schemas.openxmlformats.org/markup-compatibility/2006" xmlns:a14="http://schemas.microsoft.com/office/drawing/2010/main">
-        <mc:Choice Requires="a14">
+      <mc:AlternateContent xmlns:mc="http://schemas.openxmlformats.org/markup-compatibility/2006">
+        <mc:Choice xmlns:a14="http://schemas.microsoft.com/office/drawing/2010/main" Requires="a14">
           <p:sp>
             <p:nvSpPr>
-              <p:cNvPr id="7" name="文本框 6">
-                <a:extLst>
-                  <a:ext uri="{FF2B5EF4-FFF2-40B4-BE49-F238E27FC236}">
-                    <a16:creationId xmlns:a16="http://schemas.microsoft.com/office/drawing/2014/main" id="{44B5387D-68FA-4D93-8C9A-3F2F6D6A9521}"/>
-                  </a:ext>
-                </a:extLst>
-              </p:cNvPr>
-              <p:cNvSpPr txBox="1"/>
+              <p:cNvPr id="7" name="文本框 6"/>
+              <p:cNvSpPr txBox="true"/>
               <p:nvPr/>
             </p:nvSpPr>
             <p:spPr>
@@ -11011,7 +10396,6 @@
               </a:bodyPr>
               <a:lstStyle/>
               <a:p>
-                <a:pPr/>
                 <a14:m>
                   <m:oMathPara xmlns:m="http://schemas.openxmlformats.org/officeDocument/2006/math">
                     <m:oMathParaPr>
@@ -11159,7 +10543,13 @@
                                 <a:rPr lang="zh-CN" altLang="en-US" i="0">
                                   <a:latin typeface="Cambria Math" panose="02040503050406030204" pitchFamily="18" charset="0"/>
                                 </a:rPr>
-                                <m:t>−1</m:t>
+                                <m:t>−</m:t>
+                              </m:r>
+                              <m:r>
+                                <a:rPr lang="zh-CN" altLang="en-US" i="0">
+                                  <a:latin typeface="Cambria Math" panose="02040503050406030204" pitchFamily="18" charset="0"/>
+                                </a:rPr>
+                                <m:t>1</m:t>
                               </m:r>
                             </m:sub>
                           </m:sSub>
@@ -11213,7 +10603,19 @@
                                     <a:rPr lang="zh-CN" altLang="en-US" i="0">
                                       <a:latin typeface="Cambria Math" panose="02040503050406030204" pitchFamily="18" charset="0"/>
                                     </a:rPr>
-                                    <m:t>−1+</m:t>
+                                    <m:t>−</m:t>
+                                  </m:r>
+                                  <m:r>
+                                    <a:rPr lang="zh-CN" altLang="en-US" i="0">
+                                      <a:latin typeface="Cambria Math" panose="02040503050406030204" pitchFamily="18" charset="0"/>
+                                    </a:rPr>
+                                    <m:t>1</m:t>
+                                  </m:r>
+                                  <m:r>
+                                    <a:rPr lang="zh-CN" altLang="en-US" i="0">
+                                      <a:latin typeface="Cambria Math" panose="02040503050406030204" pitchFamily="18" charset="0"/>
+                                    </a:rPr>
+                                    <m:t>+</m:t>
                                   </m:r>
                                   <m:sSubSup>
                                     <m:sSubSupPr>
@@ -11269,7 +10671,13 @@
                                         <a:rPr lang="zh-CN" altLang="en-US" i="0">
                                           <a:latin typeface="Cambria Math" panose="02040503050406030204" pitchFamily="18" charset="0"/>
                                         </a:rPr>
-                                        <m:t>−1</m:t>
+                                        <m:t>−</m:t>
+                                      </m:r>
+                                      <m:r>
+                                        <a:rPr lang="zh-CN" altLang="en-US" i="0">
+                                          <a:latin typeface="Cambria Math" panose="02040503050406030204" pitchFamily="18" charset="0"/>
+                                        </a:rPr>
+                                        <m:t>1</m:t>
                                       </m:r>
                                     </m:sub>
                                     <m:sup>
@@ -11317,7 +10725,13 @@
                                     <a:rPr lang="zh-CN" altLang="en-US" i="0">
                                       <a:latin typeface="Cambria Math" panose="02040503050406030204" pitchFamily="18" charset="0"/>
                                     </a:rPr>
-                                    <m:t>+1</m:t>
+                                    <m:t>+</m:t>
+                                  </m:r>
+                                  <m:r>
+                                    <a:rPr lang="zh-CN" altLang="en-US" i="0">
+                                      <a:latin typeface="Cambria Math" panose="02040503050406030204" pitchFamily="18" charset="0"/>
+                                    </a:rPr>
+                                    <m:t>1</m:t>
                                   </m:r>
                                 </m:e>
                               </m:d>
@@ -11329,7 +10743,19 @@
                         <a:rPr lang="zh-CN" altLang="en-US" i="0">
                           <a:latin typeface="Cambria Math" panose="02040503050406030204" pitchFamily="18" charset="0"/>
                         </a:rPr>
-                        <m:t>, 1≤</m:t>
+                        <m:t>, </m:t>
+                      </m:r>
+                      <m:r>
+                        <a:rPr lang="zh-CN" altLang="en-US" i="0">
+                          <a:latin typeface="Cambria Math" panose="02040503050406030204" pitchFamily="18" charset="0"/>
+                        </a:rPr>
+                        <m:t>1</m:t>
+                      </m:r>
+                      <m:r>
+                        <a:rPr lang="zh-CN" altLang="en-US" i="0">
+                          <a:latin typeface="Cambria Math" panose="02040503050406030204" pitchFamily="18" charset="0"/>
+                        </a:rPr>
+                        <m:t>≤</m:t>
                       </m:r>
                       <m:r>
                         <a:rPr lang="zh-CN" altLang="en-US" i="1">
@@ -11357,18 +10783,12 @@
             </p:txBody>
           </p:sp>
         </mc:Choice>
-        <mc:Fallback xmlns="">
+        <mc:Fallback>
           <p:sp>
             <p:nvSpPr>
-              <p:cNvPr id="7" name="文本框 6">
-                <a:extLst>
-                  <a:ext uri="{FF2B5EF4-FFF2-40B4-BE49-F238E27FC236}">
-                    <a16:creationId xmlns:a16="http://schemas.microsoft.com/office/drawing/2014/main" id="{44B5387D-68FA-4D93-8C9A-3F2F6D6A9521}"/>
-                  </a:ext>
-                </a:extLst>
-              </p:cNvPr>
-              <p:cNvSpPr txBox="1">
-                <a:spLocks noRot="1" noChangeAspect="1" noMove="1" noResize="1" noEditPoints="1" noAdjustHandles="1" noChangeArrowheads="1" noChangeShapeType="1" noTextEdit="1"/>
+              <p:cNvPr id="7" name="文本框 6"/>
+              <p:cNvSpPr txBox="true">
+                <a:spLocks noRot="true" noChangeAspect="true" noMove="true" noResize="true" noEditPoints="true" noAdjustHandles="true" noChangeArrowheads="true" noChangeShapeType="true" noTextEdit="true"/>
               </p:cNvSpPr>
               <p:nvPr/>
             </p:nvSpPr>
@@ -11380,10 +10800,10 @@
               <a:prstGeom prst="rect">
                 <a:avLst/>
               </a:prstGeom>
-              <a:blipFill>
-                <a:blip r:embed="rId3"/>
+              <a:blipFill rotWithShape="true">
+                <a:blip r:embed="rId2"/>
                 <a:stretch>
-                  <a:fillRect/>
+                  <a:fillRect l="-9" t="-27" b="31"/>
                 </a:stretch>
               </a:blipFill>
             </p:spPr>
@@ -11392,7 +10812,7 @@
               <a:lstStyle/>
               <a:p>
                 <a:r>
-                  <a:rPr lang="en-US">
+                  <a:rPr lang="en-US" altLang="en-US">
                     <a:noFill/>
                   </a:rPr>
                   <a:t> </a:t>
@@ -11402,18 +10822,12 @@
           </p:sp>
         </mc:Fallback>
       </mc:AlternateContent>
-      <mc:AlternateContent xmlns:mc="http://schemas.openxmlformats.org/markup-compatibility/2006" xmlns:a14="http://schemas.microsoft.com/office/drawing/2010/main">
-        <mc:Choice Requires="a14">
+      <mc:AlternateContent xmlns:mc="http://schemas.openxmlformats.org/markup-compatibility/2006">
+        <mc:Choice xmlns:a14="http://schemas.microsoft.com/office/drawing/2010/main" Requires="a14">
           <p:sp>
             <p:nvSpPr>
-              <p:cNvPr id="11" name="文本框 10">
-                <a:extLst>
-                  <a:ext uri="{FF2B5EF4-FFF2-40B4-BE49-F238E27FC236}">
-                    <a16:creationId xmlns:a16="http://schemas.microsoft.com/office/drawing/2014/main" id="{CB29E1BB-81BD-403C-9156-46313AE62E17}"/>
-                  </a:ext>
-                </a:extLst>
-              </p:cNvPr>
-              <p:cNvSpPr txBox="1"/>
+              <p:cNvPr id="11" name="文本框 10"/>
+              <p:cNvSpPr txBox="true"/>
               <p:nvPr/>
             </p:nvSpPr>
             <p:spPr>
@@ -11432,7 +10846,6 @@
               </a:bodyPr>
               <a:lstStyle/>
               <a:p>
-                <a:pPr/>
                 <a14:m>
                   <m:oMathPara xmlns:m="http://schemas.openxmlformats.org/officeDocument/2006/math">
                     <m:oMathParaPr>
@@ -11555,18 +10968,12 @@
             </p:txBody>
           </p:sp>
         </mc:Choice>
-        <mc:Fallback xmlns="">
+        <mc:Fallback>
           <p:sp>
             <p:nvSpPr>
-              <p:cNvPr id="11" name="文本框 10">
-                <a:extLst>
-                  <a:ext uri="{FF2B5EF4-FFF2-40B4-BE49-F238E27FC236}">
-                    <a16:creationId xmlns:a16="http://schemas.microsoft.com/office/drawing/2014/main" id="{CB29E1BB-81BD-403C-9156-46313AE62E17}"/>
-                  </a:ext>
-                </a:extLst>
-              </p:cNvPr>
-              <p:cNvSpPr txBox="1">
-                <a:spLocks noRot="1" noChangeAspect="1" noMove="1" noResize="1" noEditPoints="1" noAdjustHandles="1" noChangeArrowheads="1" noChangeShapeType="1" noTextEdit="1"/>
+              <p:cNvPr id="11" name="文本框 10"/>
+              <p:cNvSpPr txBox="true">
+                <a:spLocks noRot="true" noChangeAspect="true" noMove="true" noResize="true" noEditPoints="true" noAdjustHandles="true" noChangeArrowheads="true" noChangeShapeType="true" noTextEdit="true"/>
               </p:cNvSpPr>
               <p:nvPr/>
             </p:nvSpPr>
@@ -11578,10 +10985,10 @@
               <a:prstGeom prst="rect">
                 <a:avLst/>
               </a:prstGeom>
-              <a:blipFill>
-                <a:blip r:embed="rId4"/>
+              <a:blipFill rotWithShape="true">
+                <a:blip r:embed="rId3"/>
                 <a:stretch>
-                  <a:fillRect/>
+                  <a:fillRect l="-9" t="-148" b="84"/>
                 </a:stretch>
               </a:blipFill>
             </p:spPr>
@@ -11590,7 +10997,7 @@
               <a:lstStyle/>
               <a:p>
                 <a:r>
-                  <a:rPr lang="en-US">
+                  <a:rPr lang="en-US" altLang="en-US">
                     <a:noFill/>
                   </a:rPr>
                   <a:t> </a:t>
@@ -11601,11 +11008,6 @@
         </mc:Fallback>
       </mc:AlternateContent>
     </p:spTree>
-    <p:extLst>
-      <p:ext uri="{BB962C8B-B14F-4D97-AF65-F5344CB8AC3E}">
-        <p14:creationId xmlns:p14="http://schemas.microsoft.com/office/powerpoint/2010/main" val="2826923385"/>
-      </p:ext>
-    </p:extLst>
   </p:cSld>
   <p:clrMapOvr>
     <a:masterClrMapping/>
@@ -11656,7 +11058,7 @@
     </a:clrScheme>
     <a:fontScheme name="红利">
       <a:majorFont>
-        <a:latin typeface="Gill Sans MT" panose="020B0502020104020203"/>
+        <a:latin typeface="Gill Sans MT"/>
         <a:ea typeface=""/>
         <a:cs typeface=""/>
         <a:font script="Grek" typeface="Corbel"/>
@@ -11693,7 +11095,7 @@
         <a:font script="Geor" typeface="Sylfaen"/>
       </a:majorFont>
       <a:minorFont>
-        <a:latin typeface="Gill Sans MT" panose="020B0502020104020203"/>
+        <a:latin typeface="Gill Sans MT"/>
         <a:ea typeface=""/>
         <a:cs typeface=""/>
         <a:font script="Grek" typeface="Corbel"/>
@@ -11735,7 +11137,7 @@
         <a:solidFill>
           <a:schemeClr val="phClr"/>
         </a:solidFill>
-        <a:gradFill rotWithShape="1">
+        <a:gradFill rotWithShape="true">
           <a:gsLst>
             <a:gs pos="0">
               <a:schemeClr val="phClr">
@@ -11751,9 +11153,9 @@
               </a:schemeClr>
             </a:gs>
           </a:gsLst>
-          <a:lin ang="5400000" scaled="1"/>
+          <a:lin ang="5400000" scaled="true"/>
         </a:gradFill>
-        <a:gradFill rotWithShape="1">
+        <a:gradFill rotWithShape="true">
           <a:gsLst>
             <a:gs pos="0">
               <a:schemeClr val="phClr">
@@ -11768,7 +11170,7 @@
               </a:schemeClr>
             </a:gs>
           </a:gsLst>
-          <a:lin ang="5400000" scaled="0"/>
+          <a:lin ang="5400000" scaled="false"/>
         </a:gradFill>
       </a:fillStyleLst>
       <a:lnStyleLst>
@@ -11831,7 +11233,7 @@
         <a:solidFill>
           <a:schemeClr val="phClr"/>
         </a:solidFill>
-        <a:gradFill rotWithShape="1">
+        <a:gradFill rotWithShape="true">
           <a:gsLst>
             <a:gs pos="0">
               <a:schemeClr val="phClr">
@@ -11847,9 +11249,9 @@
               </a:schemeClr>
             </a:gs>
           </a:gsLst>
-          <a:lin ang="5400000" scaled="0"/>
+          <a:lin ang="5400000" scaled="false"/>
         </a:gradFill>
-        <a:gradFill rotWithShape="1">
+        <a:gradFill rotWithShape="true">
           <a:gsLst>
             <a:gs pos="0">
               <a:schemeClr val="phClr">
@@ -11872,247 +11274,10 @@
       </a:bgFillStyleLst>
     </a:fmtScheme>
   </a:themeElements>
-  <a:objectDefaults/>
-  <a:extraClrSchemeLst/>
   <a:extLst>
     <a:ext uri="{05A4C25C-085E-4340-85A3-A5531E510DB2}">
-      <thm15:themeFamily xmlns:thm15="http://schemas.microsoft.com/office/thememl/2012/main" name="主题1" id="{66AD4EF0-16A4-4284-85C0-3648EC28D835}" vid="{A6C1698B-3A41-4E98-A39A-88C475D55610}"/>
+      <thm15:themeFamily xmlns:thm15="http://schemas.microsoft.com/office/thememl/2012/main" name="Office Theme" id="{62F939B6-93AF-4DB8-9C6B-D6C7DFDC589F}" vid="{4A3C46E8-61CC-4603-A589-7422A47A8E4A}"/>
     </a:ext>
   </a:extLst>
 </a:theme>
-</file>
-
-<file path=customXml/item1.xml><?xml version="1.0" encoding="utf-8"?>
-<ct:contentTypeSchema xmlns:ct="http://schemas.microsoft.com/office/2006/metadata/contentType" xmlns:ma="http://schemas.microsoft.com/office/2006/metadata/properties/metaAttributes" ct:_="" ma:_="" ma:contentTypeName="Document" ma:contentTypeID="0x0101006E9D8F702C37FB4593A7E051924A3574" ma:contentTypeVersion="9" ma:contentTypeDescription="Create a new document." ma:contentTypeScope="" ma:versionID="143cddcb5930248856476fcfa03b48ce">
-  <xsd:schema xmlns:xsd="http://www.w3.org/2001/XMLSchema" xmlns:xs="http://www.w3.org/2001/XMLSchema" xmlns:p="http://schemas.microsoft.com/office/2006/metadata/properties" xmlns:ns3="e9fe124e-afe7-42ff-a9f7-6c1eb2e6b404" targetNamespace="http://schemas.microsoft.com/office/2006/metadata/properties" ma:root="true" ma:fieldsID="01c50f5ddec3757662eaf03f0873e4ca" ns3:_="">
-    <xsd:import namespace="e9fe124e-afe7-42ff-a9f7-6c1eb2e6b404"/>
-    <xsd:element name="properties">
-      <xsd:complexType>
-        <xsd:sequence>
-          <xsd:element name="documentManagement">
-            <xsd:complexType>
-              <xsd:all>
-                <xsd:element ref="ns3:MediaServiceMetadata" minOccurs="0"/>
-                <xsd:element ref="ns3:MediaServiceFastMetadata" minOccurs="0"/>
-                <xsd:element ref="ns3:MediaServiceDateTaken" minOccurs="0"/>
-                <xsd:element ref="ns3:MediaServiceAutoTags" minOccurs="0"/>
-                <xsd:element ref="ns3:MediaServiceGenerationTime" minOccurs="0"/>
-                <xsd:element ref="ns3:MediaServiceEventHashCode" minOccurs="0"/>
-                <xsd:element ref="ns3:MediaServiceOCR" minOccurs="0"/>
-                <xsd:element ref="ns3:MediaServiceAutoKeyPoints" minOccurs="0"/>
-                <xsd:element ref="ns3:MediaServiceKeyPoints" minOccurs="0"/>
-              </xsd:all>
-            </xsd:complexType>
-          </xsd:element>
-        </xsd:sequence>
-      </xsd:complexType>
-    </xsd:element>
-  </xsd:schema>
-  <xsd:schema xmlns:xsd="http://www.w3.org/2001/XMLSchema" xmlns:xs="http://www.w3.org/2001/XMLSchema" xmlns:dms="http://schemas.microsoft.com/office/2006/documentManagement/types" xmlns:pc="http://schemas.microsoft.com/office/infopath/2007/PartnerControls" targetNamespace="e9fe124e-afe7-42ff-a9f7-6c1eb2e6b404" elementFormDefault="qualified">
-    <xsd:import namespace="http://schemas.microsoft.com/office/2006/documentManagement/types"/>
-    <xsd:import namespace="http://schemas.microsoft.com/office/infopath/2007/PartnerControls"/>
-    <xsd:element name="MediaServiceMetadata" ma:index="8" nillable="true" ma:displayName="MediaServiceMetadata" ma:hidden="true" ma:internalName="MediaServiceMetadata" ma:readOnly="true">
-      <xsd:simpleType>
-        <xsd:restriction base="dms:Note"/>
-      </xsd:simpleType>
-    </xsd:element>
-    <xsd:element name="MediaServiceFastMetadata" ma:index="9" nillable="true" ma:displayName="MediaServiceFastMetadata" ma:hidden="true" ma:internalName="MediaServiceFastMetadata" ma:readOnly="true">
-      <xsd:simpleType>
-        <xsd:restriction base="dms:Note"/>
-      </xsd:simpleType>
-    </xsd:element>
-    <xsd:element name="MediaServiceDateTaken" ma:index="10" nillable="true" ma:displayName="MediaServiceDateTaken" ma:hidden="true" ma:internalName="MediaServiceDateTaken" ma:readOnly="true">
-      <xsd:simpleType>
-        <xsd:restriction base="dms:Text"/>
-      </xsd:simpleType>
-    </xsd:element>
-    <xsd:element name="MediaServiceAutoTags" ma:index="11" nillable="true" ma:displayName="Tags" ma:internalName="MediaServiceAutoTags" ma:readOnly="true">
-      <xsd:simpleType>
-        <xsd:restriction base="dms:Text"/>
-      </xsd:simpleType>
-    </xsd:element>
-    <xsd:element name="MediaServiceGenerationTime" ma:index="12" nillable="true" ma:displayName="MediaServiceGenerationTime" ma:hidden="true" ma:internalName="MediaServiceGenerationTime" ma:readOnly="true">
-      <xsd:simpleType>
-        <xsd:restriction base="dms:Text"/>
-      </xsd:simpleType>
-    </xsd:element>
-    <xsd:element name="MediaServiceEventHashCode" ma:index="13" nillable="true" ma:displayName="MediaServiceEventHashCode" ma:hidden="true" ma:internalName="MediaServiceEventHashCode" ma:readOnly="true">
-      <xsd:simpleType>
-        <xsd:restriction base="dms:Text"/>
-      </xsd:simpleType>
-    </xsd:element>
-    <xsd:element name="MediaServiceOCR" ma:index="14" nillable="true" ma:displayName="Extracted Text" ma:internalName="MediaServiceOCR" ma:readOnly="true">
-      <xsd:simpleType>
-        <xsd:restriction base="dms:Note">
-          <xsd:maxLength value="255"/>
-        </xsd:restriction>
-      </xsd:simpleType>
-    </xsd:element>
-    <xsd:element name="MediaServiceAutoKeyPoints" ma:index="15" nillable="true" ma:displayName="MediaServiceAutoKeyPoints" ma:hidden="true" ma:internalName="MediaServiceAutoKeyPoints" ma:readOnly="true">
-      <xsd:simpleType>
-        <xsd:restriction base="dms:Note"/>
-      </xsd:simpleType>
-    </xsd:element>
-    <xsd:element name="MediaServiceKeyPoints" ma:index="16" nillable="true" ma:displayName="KeyPoints" ma:internalName="MediaServiceKeyPoints" ma:readOnly="true">
-      <xsd:simpleType>
-        <xsd:restriction base="dms:Note">
-          <xsd:maxLength value="255"/>
-        </xsd:restriction>
-      </xsd:simpleType>
-    </xsd:element>
-  </xsd:schema>
-  <xsd:schema xmlns="http://schemas.openxmlformats.org/package/2006/metadata/core-properties" xmlns:xsd="http://www.w3.org/2001/XMLSchema" xmlns:xsi="http://www.w3.org/2001/XMLSchema-instance" xmlns:dc="http://purl.org/dc/elements/1.1/" xmlns:dcterms="http://purl.org/dc/terms/" xmlns:odoc="http://schemas.microsoft.com/internal/obd" targetNamespace="http://schemas.openxmlformats.org/package/2006/metadata/core-properties" elementFormDefault="qualified" attributeFormDefault="unqualified" blockDefault="#all">
-    <xsd:import namespace="http://purl.org/dc/elements/1.1/" schemaLocation="http://dublincore.org/schemas/xmls/qdc/2003/04/02/dc.xsd"/>
-    <xsd:import namespace="http://purl.org/dc/terms/" schemaLocation="http://dublincore.org/schemas/xmls/qdc/2003/04/02/dcterms.xsd"/>
-    <xsd:element name="coreProperties" type="CT_coreProperties"/>
-    <xsd:complexType name="CT_coreProperties">
-      <xsd:all>
-        <xsd:element ref="dc:creator" minOccurs="0" maxOccurs="1"/>
-        <xsd:element ref="dcterms:created" minOccurs="0" maxOccurs="1"/>
-        <xsd:element ref="dc:identifier" minOccurs="0" maxOccurs="1"/>
-        <xsd:element name="contentType" minOccurs="0" maxOccurs="1" type="xsd:string" ma:index="0" ma:displayName="Content Type"/>
-        <xsd:element ref="dc:title" minOccurs="0" maxOccurs="1" ma:index="4" ma:displayName="Title"/>
-        <xsd:element ref="dc:subject" minOccurs="0" maxOccurs="1"/>
-        <xsd:element ref="dc:description" minOccurs="0" maxOccurs="1"/>
-        <xsd:element name="keywords" minOccurs="0" maxOccurs="1" type="xsd:string"/>
-        <xsd:element ref="dc:language" minOccurs="0" maxOccurs="1"/>
-        <xsd:element name="category" minOccurs="0" maxOccurs="1" type="xsd:string"/>
-        <xsd:element name="version" minOccurs="0" maxOccurs="1" type="xsd:string"/>
-        <xsd:element name="revision" minOccurs="0" maxOccurs="1" type="xsd:string">
-          <xsd:annotation>
-            <xsd:documentation>
-                        This value indicates the number of saves or revisions. The application is responsible for updating this value after each revision.
-                    </xsd:documentation>
-          </xsd:annotation>
-        </xsd:element>
-        <xsd:element name="lastModifiedBy" minOccurs="0" maxOccurs="1" type="xsd:string"/>
-        <xsd:element ref="dcterms:modified" minOccurs="0" maxOccurs="1"/>
-        <xsd:element name="contentStatus" minOccurs="0" maxOccurs="1" type="xsd:string"/>
-      </xsd:all>
-    </xsd:complexType>
-  </xsd:schema>
-  <xs:schema xmlns:pc="http://schemas.microsoft.com/office/infopath/2007/PartnerControls" xmlns:xs="http://www.w3.org/2001/XMLSchema" targetNamespace="http://schemas.microsoft.com/office/infopath/2007/PartnerControls" elementFormDefault="qualified" attributeFormDefault="unqualified">
-    <xs:element name="Person">
-      <xs:complexType>
-        <xs:sequence>
-          <xs:element ref="pc:DisplayName" minOccurs="0"/>
-          <xs:element ref="pc:AccountId" minOccurs="0"/>
-          <xs:element ref="pc:AccountType" minOccurs="0"/>
-        </xs:sequence>
-      </xs:complexType>
-    </xs:element>
-    <xs:element name="DisplayName" type="xs:string"/>
-    <xs:element name="AccountId" type="xs:string"/>
-    <xs:element name="AccountType" type="xs:string"/>
-    <xs:element name="BDCAssociatedEntity">
-      <xs:complexType>
-        <xs:sequence>
-          <xs:element ref="pc:BDCEntity" minOccurs="0" maxOccurs="unbounded"/>
-        </xs:sequence>
-        <xs:attribute ref="pc:EntityNamespace"/>
-        <xs:attribute ref="pc:EntityName"/>
-        <xs:attribute ref="pc:SystemInstanceName"/>
-        <xs:attribute ref="pc:AssociationName"/>
-      </xs:complexType>
-    </xs:element>
-    <xs:attribute name="EntityNamespace" type="xs:string"/>
-    <xs:attribute name="EntityName" type="xs:string"/>
-    <xs:attribute name="SystemInstanceName" type="xs:string"/>
-    <xs:attribute name="AssociationName" type="xs:string"/>
-    <xs:element name="BDCEntity">
-      <xs:complexType>
-        <xs:sequence>
-          <xs:element ref="pc:EntityDisplayName" minOccurs="0"/>
-          <xs:element ref="pc:EntityInstanceReference" minOccurs="0"/>
-          <xs:element ref="pc:EntityId1" minOccurs="0"/>
-          <xs:element ref="pc:EntityId2" minOccurs="0"/>
-          <xs:element ref="pc:EntityId3" minOccurs="0"/>
-          <xs:element ref="pc:EntityId4" minOccurs="0"/>
-          <xs:element ref="pc:EntityId5" minOccurs="0"/>
-        </xs:sequence>
-      </xs:complexType>
-    </xs:element>
-    <xs:element name="EntityDisplayName" type="xs:string"/>
-    <xs:element name="EntityInstanceReference" type="xs:string"/>
-    <xs:element name="EntityId1" type="xs:string"/>
-    <xs:element name="EntityId2" type="xs:string"/>
-    <xs:element name="EntityId3" type="xs:string"/>
-    <xs:element name="EntityId4" type="xs:string"/>
-    <xs:element name="EntityId5" type="xs:string"/>
-    <xs:element name="Terms">
-      <xs:complexType>
-        <xs:sequence>
-          <xs:element ref="pc:TermInfo" minOccurs="0" maxOccurs="unbounded"/>
-        </xs:sequence>
-      </xs:complexType>
-    </xs:element>
-    <xs:element name="TermInfo">
-      <xs:complexType>
-        <xs:sequence>
-          <xs:element ref="pc:TermName" minOccurs="0"/>
-          <xs:element ref="pc:TermId" minOccurs="0"/>
-        </xs:sequence>
-      </xs:complexType>
-    </xs:element>
-    <xs:element name="TermName" type="xs:string"/>
-    <xs:element name="TermId" type="xs:string"/>
-  </xs:schema>
-</ct:contentTypeSchema>
-</file>
-
-<file path=customXml/item2.xml><?xml version="1.0" encoding="utf-8"?>
-<?mso-contentType ?>
-<FormTemplates xmlns="http://schemas.microsoft.com/sharepoint/v3/contenttype/forms">
-  <Display>DocumentLibraryForm</Display>
-  <Edit>DocumentLibraryForm</Edit>
-  <New>DocumentLibraryForm</New>
-</FormTemplates>
-</file>
-
-<file path=customXml/item3.xml><?xml version="1.0" encoding="utf-8"?>
-<p:properties xmlns:p="http://schemas.microsoft.com/office/2006/metadata/properties" xmlns:xsi="http://www.w3.org/2001/XMLSchema-instance" xmlns:pc="http://schemas.microsoft.com/office/infopath/2007/PartnerControls">
-  <documentManagement/>
-</p:properties>
-</file>
-
-<file path=customXml/itemProps1.xml><?xml version="1.0" encoding="utf-8"?>
-<ds:datastoreItem xmlns:ds="http://schemas.openxmlformats.org/officeDocument/2006/customXml" ds:itemID="{F8612837-77B3-4075-B1BC-65BCC970CDA8}">
-  <ds:schemaRefs>
-    <ds:schemaRef ds:uri="e9fe124e-afe7-42ff-a9f7-6c1eb2e6b404"/>
-    <ds:schemaRef ds:uri="http://purl.org/dc/elements/1.1/"/>
-    <ds:schemaRef ds:uri="http://purl.org/dc/terms/"/>
-    <ds:schemaRef ds:uri="http://schemas.microsoft.com/internal/obd"/>
-    <ds:schemaRef ds:uri="http://schemas.microsoft.com/office/2006/documentManagement/types"/>
-    <ds:schemaRef ds:uri="http://schemas.microsoft.com/office/2006/metadata/contentType"/>
-    <ds:schemaRef ds:uri="http://schemas.microsoft.com/office/2006/metadata/properties"/>
-    <ds:schemaRef ds:uri="http://schemas.microsoft.com/office/2006/metadata/properties/metaAttributes"/>
-    <ds:schemaRef ds:uri="http://schemas.microsoft.com/office/infopath/2007/PartnerControls"/>
-    <ds:schemaRef ds:uri="http://schemas.openxmlformats.org/package/2006/metadata/core-properties"/>
-    <ds:schemaRef ds:uri="http://www.w3.org/2001/XMLSchema"/>
-  </ds:schemaRefs>
-</ds:datastoreItem>
-</file>
-
-<file path=customXml/itemProps2.xml><?xml version="1.0" encoding="utf-8"?>
-<ds:datastoreItem xmlns:ds="http://schemas.openxmlformats.org/officeDocument/2006/customXml" ds:itemID="{18A01171-DE64-4995-A1D9-F6FF503FB15B}">
-  <ds:schemaRefs>
-    <ds:schemaRef ds:uri="http://schemas.microsoft.com/sharepoint/v3/contenttype/forms"/>
-  </ds:schemaRefs>
-</ds:datastoreItem>
-</file>
-
-<file path=customXml/itemProps3.xml><?xml version="1.0" encoding="utf-8"?>
-<ds:datastoreItem xmlns:ds="http://schemas.openxmlformats.org/officeDocument/2006/customXml" ds:itemID="{59E6770C-3B09-4CE0-96A1-A9432638B13F}">
-  <ds:schemaRefs>
-    <ds:schemaRef ds:uri="e9fe124e-afe7-42ff-a9f7-6c1eb2e6b404"/>
-    <ds:schemaRef ds:uri="http://purl.org/dc/dcmitype/"/>
-    <ds:schemaRef ds:uri="http://purl.org/dc/elements/1.1/"/>
-    <ds:schemaRef ds:uri="http://purl.org/dc/terms/"/>
-    <ds:schemaRef ds:uri="http://schemas.microsoft.com/office/2006/documentManagement/types"/>
-    <ds:schemaRef ds:uri="http://schemas.microsoft.com/office/2006/metadata/properties"/>
-    <ds:schemaRef ds:uri="http://schemas.microsoft.com/office/infopath/2007/PartnerControls"/>
-    <ds:schemaRef ds:uri="http://schemas.openxmlformats.org/package/2006/metadata/core-properties"/>
-    <ds:schemaRef ds:uri="http://www.w3.org/XML/1998/namespace"/>
-  </ds:schemaRefs>
-</ds:datastoreItem>
 </file>